--- a/docs/Natural_Language_Processing_1.pptx
+++ b/docs/Natural_Language_Processing_1.pptx
@@ -5,33 +5,35 @@
     <p:sldMasterId id="2147483648" r:id="rId4"/>
   </p:sldMasterIdLst>
   <p:notesMasterIdLst>
-    <p:notesMasterId r:id="rId26"/>
+    <p:notesMasterId r:id="rId28"/>
   </p:notesMasterIdLst>
   <p:handoutMasterIdLst>
-    <p:handoutMasterId r:id="rId27"/>
+    <p:handoutMasterId r:id="rId29"/>
   </p:handoutMasterIdLst>
   <p:sldIdLst>
     <p:sldId id="256" r:id="rId5"/>
-    <p:sldId id="257" r:id="rId6"/>
-    <p:sldId id="258" r:id="rId7"/>
-    <p:sldId id="259" r:id="rId8"/>
-    <p:sldId id="260" r:id="rId9"/>
-    <p:sldId id="261" r:id="rId10"/>
-    <p:sldId id="263" r:id="rId11"/>
-    <p:sldId id="265" r:id="rId12"/>
-    <p:sldId id="264" r:id="rId13"/>
-    <p:sldId id="266" r:id="rId14"/>
-    <p:sldId id="268" r:id="rId15"/>
-    <p:sldId id="269" r:id="rId16"/>
-    <p:sldId id="270" r:id="rId17"/>
-    <p:sldId id="271" r:id="rId18"/>
-    <p:sldId id="273" r:id="rId19"/>
-    <p:sldId id="274" r:id="rId20"/>
-    <p:sldId id="275" r:id="rId21"/>
-    <p:sldId id="276" r:id="rId22"/>
-    <p:sldId id="272" r:id="rId23"/>
-    <p:sldId id="267" r:id="rId24"/>
-    <p:sldId id="262" r:id="rId25"/>
+    <p:sldId id="278" r:id="rId6"/>
+    <p:sldId id="257" r:id="rId7"/>
+    <p:sldId id="277" r:id="rId8"/>
+    <p:sldId id="258" r:id="rId9"/>
+    <p:sldId id="259" r:id="rId10"/>
+    <p:sldId id="260" r:id="rId11"/>
+    <p:sldId id="261" r:id="rId12"/>
+    <p:sldId id="263" r:id="rId13"/>
+    <p:sldId id="265" r:id="rId14"/>
+    <p:sldId id="264" r:id="rId15"/>
+    <p:sldId id="266" r:id="rId16"/>
+    <p:sldId id="268" r:id="rId17"/>
+    <p:sldId id="269" r:id="rId18"/>
+    <p:sldId id="270" r:id="rId19"/>
+    <p:sldId id="271" r:id="rId20"/>
+    <p:sldId id="273" r:id="rId21"/>
+    <p:sldId id="274" r:id="rId22"/>
+    <p:sldId id="275" r:id="rId23"/>
+    <p:sldId id="276" r:id="rId24"/>
+    <p:sldId id="272" r:id="rId25"/>
+    <p:sldId id="267" r:id="rId26"/>
+    <p:sldId id="262" r:id="rId27"/>
   </p:sldIdLst>
   <p:sldSz cx="12192000" cy="6858000"/>
   <p:notesSz cx="6858000" cy="9144000"/>
@@ -235,7 +237,7 @@
           <a:p>
             <a:fld id="{9410D272-305C-421E-A9EF-95D63D599B42}" type="datetimeFigureOut">
               <a:rPr lang="en-US" smtClean="0"/>
-              <a:t>11/15/2022</a:t>
+              <a:t>10/10/2023</a:t>
             </a:fld>
             <a:endParaRPr lang="en-US" dirty="0"/>
           </a:p>
@@ -412,7 +414,7 @@
           <a:p>
             <a:fld id="{05E16E63-7886-43BC-8DD4-4F14C3DD7360}" type="datetimeFigureOut">
               <a:rPr lang="en-US" smtClean="0"/>
-              <a:t>11/15/2022</a:t>
+              <a:t>10/10/2023</a:t>
             </a:fld>
             <a:endParaRPr lang="en-US" dirty="0"/>
           </a:p>
@@ -6258,49 +6260,18 @@
       </p:grpSpPr>
       <p:sp>
         <p:nvSpPr>
-          <p:cNvPr id="2" name="Title 1">
-            <a:extLst>
-              <a:ext uri="{FF2B5EF4-FFF2-40B4-BE49-F238E27FC236}">
-                <a16:creationId xmlns:a16="http://schemas.microsoft.com/office/drawing/2014/main" id="{CCB0FA84-16A7-2688-A1A6-42D4B6C63D47}"/>
-              </a:ext>
-            </a:extLst>
-          </p:cNvPr>
-          <p:cNvSpPr>
-            <a:spLocks noGrp="1"/>
-          </p:cNvSpPr>
-          <p:nvPr>
-            <p:ph type="title"/>
-          </p:nvPr>
-        </p:nvSpPr>
-        <p:spPr/>
-        <p:txBody>
-          <a:bodyPr>
-            <a:normAutofit fontScale="90000"/>
-          </a:bodyPr>
-          <a:lstStyle/>
-          <a:p>
-            <a:r>
-              <a:rPr lang="de-AT" dirty="0"/>
-              <a:t>NLTK</a:t>
-            </a:r>
-            <a:endParaRPr lang="en-US" dirty="0"/>
-          </a:p>
-        </p:txBody>
-      </p:sp>
-      <p:sp>
-        <p:nvSpPr>
-          <p:cNvPr id="3" name="Content Placeholder 2">
-            <a:extLst>
-              <a:ext uri="{FF2B5EF4-FFF2-40B4-BE49-F238E27FC236}">
-                <a16:creationId xmlns:a16="http://schemas.microsoft.com/office/drawing/2014/main" id="{4A51AD70-3A1C-9EA0-4A37-97FB6CD37DCF}"/>
-              </a:ext>
-            </a:extLst>
-          </p:cNvPr>
-          <p:cNvSpPr>
-            <a:spLocks noGrp="1"/>
-          </p:cNvSpPr>
-          <p:nvPr>
-            <p:ph sz="quarter" idx="14"/>
+          <p:cNvPr id="7" name="Title 6">
+            <a:extLst>
+              <a:ext uri="{FF2B5EF4-FFF2-40B4-BE49-F238E27FC236}">
+                <a16:creationId xmlns:a16="http://schemas.microsoft.com/office/drawing/2014/main" id="{45673E25-0DB3-EB11-26C5-BBFFAB627107}"/>
+              </a:ext>
+            </a:extLst>
+          </p:cNvPr>
+          <p:cNvSpPr>
+            <a:spLocks noGrp="1"/>
+          </p:cNvSpPr>
+          <p:nvPr>
+            <p:ph type="ctrTitle"/>
           </p:nvPr>
         </p:nvSpPr>
         <p:spPr/>
@@ -6309,81 +6280,27 @@
           <a:lstStyle/>
           <a:p>
             <a:r>
-              <a:rPr lang="en-US" dirty="0">
-                <a:solidFill>
-                  <a:schemeClr val="accent1"/>
-                </a:solidFill>
-                <a:hlinkClick r:id="rId2">
-                  <a:extLst>
-                    <a:ext uri="{A12FA001-AC4F-418D-AE19-62706E023703}">
-                      <ahyp:hlinkClr xmlns:ahyp="http://schemas.microsoft.com/office/drawing/2018/hyperlinkcolor" val="tx"/>
-                    </a:ext>
-                  </a:extLst>
-                </a:hlinkClick>
-              </a:rPr>
-              <a:t>https://www.nltk.org/</a:t>
-            </a:r>
-            <a:endParaRPr lang="en-US" dirty="0">
-              <a:solidFill>
-                <a:schemeClr val="accent1"/>
-              </a:solidFill>
-            </a:endParaRPr>
-          </a:p>
-          <a:p>
-            <a:pPr algn="l"/>
-            <a:r>
-              <a:rPr lang="en-US" b="0" i="0" dirty="0">
-                <a:effectLst/>
-              </a:rPr>
-              <a:t>NLTK - short for Natural Language Toolkit - is a leading platform for building Python programs to work with human language data</a:t>
-            </a:r>
-          </a:p>
-          <a:p>
-            <a:pPr algn="l"/>
-            <a:r>
-              <a:rPr lang="en-US" b="0" i="0" dirty="0">
-                <a:effectLst/>
-              </a:rPr>
-              <a:t>It provides easy-to-use tokenization, stemming, and much more</a:t>
-            </a:r>
-          </a:p>
-          <a:p>
-            <a:pPr algn="l"/>
-            <a:r>
-              <a:rPr lang="en-US" b="0" i="0" dirty="0">
-                <a:effectLst/>
-              </a:rPr>
-              <a:t>I mostly use NLTK for preprocessing tasks because it is more light-weight and straightforward than </a:t>
-            </a:r>
-            <a:r>
-              <a:rPr lang="en-US" b="0" i="0" dirty="0" err="1">
-                <a:effectLst/>
-              </a:rPr>
-              <a:t>spaCy</a:t>
-            </a:r>
-            <a:r>
-              <a:rPr lang="en-US" b="0" i="0" dirty="0">
-                <a:effectLst/>
-              </a:rPr>
-              <a:t> in my opinion</a:t>
-            </a:r>
-          </a:p>
-        </p:txBody>
-      </p:sp>
-      <p:sp>
-        <p:nvSpPr>
-          <p:cNvPr id="4" name="Footer Placeholder 3">
-            <a:extLst>
-              <a:ext uri="{FF2B5EF4-FFF2-40B4-BE49-F238E27FC236}">
-                <a16:creationId xmlns:a16="http://schemas.microsoft.com/office/drawing/2014/main" id="{649559AF-D137-D0FE-4E3D-5A90BCB42FD7}"/>
-              </a:ext>
-            </a:extLst>
-          </p:cNvPr>
-          <p:cNvSpPr>
-            <a:spLocks noGrp="1"/>
-          </p:cNvSpPr>
-          <p:nvPr>
-            <p:ph type="ftr" sz="quarter" idx="11"/>
+              <a:rPr lang="de-AT" dirty="0"/>
+              <a:t>Popular NLP Packages</a:t>
+            </a:r>
+            <a:endParaRPr lang="en-US" dirty="0"/>
+          </a:p>
+        </p:txBody>
+      </p:sp>
+      <p:sp>
+        <p:nvSpPr>
+          <p:cNvPr id="8" name="Subtitle 7">
+            <a:extLst>
+              <a:ext uri="{FF2B5EF4-FFF2-40B4-BE49-F238E27FC236}">
+                <a16:creationId xmlns:a16="http://schemas.microsoft.com/office/drawing/2014/main" id="{4FF8BB53-2AD7-DAB6-B8F4-8E83BBEC6AA1}"/>
+              </a:ext>
+            </a:extLst>
+          </p:cNvPr>
+          <p:cNvSpPr>
+            <a:spLocks noGrp="1"/>
+          </p:cNvSpPr>
+          <p:nvPr>
+            <p:ph type="subTitle" idx="1"/>
           </p:nvPr>
         </p:nvSpPr>
         <p:spPr/>
@@ -6392,149 +6309,100 @@
           <a:lstStyle/>
           <a:p>
             <a:r>
-              <a:rPr lang="de-AT" dirty="0">
-                <a:solidFill>
-                  <a:prstClr val="black"/>
-                </a:solidFill>
-              </a:rPr>
-              <a:t>Natural Language Processing</a:t>
-            </a:r>
-            <a:endParaRPr lang="en-US" dirty="0">
-              <a:solidFill>
-                <a:prstClr val="black"/>
-              </a:solidFill>
-            </a:endParaRPr>
-          </a:p>
-        </p:txBody>
-      </p:sp>
-      <p:sp>
-        <p:nvSpPr>
-          <p:cNvPr id="5" name="Date Placeholder 4">
-            <a:extLst>
-              <a:ext uri="{FF2B5EF4-FFF2-40B4-BE49-F238E27FC236}">
-                <a16:creationId xmlns:a16="http://schemas.microsoft.com/office/drawing/2014/main" id="{DCB8CBA9-8A5C-EF56-A09F-4DD01AD2F6FC}"/>
-              </a:ext>
-            </a:extLst>
-          </p:cNvPr>
-          <p:cNvSpPr>
-            <a:spLocks noGrp="1"/>
-          </p:cNvSpPr>
-          <p:nvPr>
-            <p:ph type="dt" sz="half" idx="10"/>
-          </p:nvPr>
-        </p:nvSpPr>
+              <a:rPr lang="de-AT" dirty="0" err="1"/>
+              <a:t>spaCy</a:t>
+            </a:r>
+            <a:r>
+              <a:rPr lang="de-AT" dirty="0"/>
+              <a:t>, NLTK, </a:t>
+            </a:r>
+            <a:r>
+              <a:rPr lang="de-AT" dirty="0" err="1"/>
+              <a:t>Gensim</a:t>
+            </a:r>
+            <a:endParaRPr lang="en-US" dirty="0"/>
+          </a:p>
+        </p:txBody>
+      </p:sp>
+      <p:pic>
+        <p:nvPicPr>
+          <p:cNvPr id="13" name="Picture Placeholder 12" descr="Background pattern&#10;&#10;Description automatically generated">
+            <a:extLst>
+              <a:ext uri="{FF2B5EF4-FFF2-40B4-BE49-F238E27FC236}">
+                <a16:creationId xmlns:a16="http://schemas.microsoft.com/office/drawing/2014/main" id="{8D520203-B37F-421E-4EC3-BF45D3163964}"/>
+              </a:ext>
+            </a:extLst>
+          </p:cNvPr>
+          <p:cNvPicPr>
+            <a:picLocks noGrp="1" noChangeAspect="1"/>
+          </p:cNvPicPr>
+          <p:nvPr>
+            <p:ph type="pic" sz="quarter" idx="14"/>
+          </p:nvPr>
+        </p:nvPicPr>
+        <p:blipFill>
+          <a:blip r:embed="rId2"/>
+          <a:srcRect t="18766" b="18766"/>
+          <a:stretch>
+            <a:fillRect/>
+          </a:stretch>
+        </p:blipFill>
         <p:spPr/>
-        <p:txBody>
-          <a:bodyPr/>
-          <a:lstStyle/>
-          <a:p>
-            <a:pPr>
-              <a:defRPr/>
-            </a:pPr>
-            <a:r>
-              <a:rPr lang="en-US" dirty="0">
-                <a:solidFill>
-                  <a:prstClr val="black"/>
-                </a:solidFill>
-              </a:rPr>
-              <a:t>2022</a:t>
-            </a:r>
-          </a:p>
-        </p:txBody>
-      </p:sp>
-      <p:sp>
-        <p:nvSpPr>
-          <p:cNvPr id="6" name="Slide Number Placeholder 5">
-            <a:extLst>
-              <a:ext uri="{FF2B5EF4-FFF2-40B4-BE49-F238E27FC236}">
-                <a16:creationId xmlns:a16="http://schemas.microsoft.com/office/drawing/2014/main" id="{558D02BE-A85F-E06D-0B6D-6C38A0C11BFF}"/>
-              </a:ext>
-            </a:extLst>
-          </p:cNvPr>
-          <p:cNvSpPr>
-            <a:spLocks noGrp="1"/>
-          </p:cNvSpPr>
-          <p:nvPr>
-            <p:ph type="sldNum" sz="quarter" idx="12"/>
-          </p:nvPr>
-        </p:nvSpPr>
+      </p:pic>
+      <p:pic>
+        <p:nvPicPr>
+          <p:cNvPr id="15" name="Picture Placeholder 14" descr="A picture containing graphical user interface&#10;&#10;Description automatically generated">
+            <a:extLst>
+              <a:ext uri="{FF2B5EF4-FFF2-40B4-BE49-F238E27FC236}">
+                <a16:creationId xmlns:a16="http://schemas.microsoft.com/office/drawing/2014/main" id="{7AC257B0-6083-1C96-F44C-EAEAFB8332C5}"/>
+              </a:ext>
+            </a:extLst>
+          </p:cNvPr>
+          <p:cNvPicPr>
+            <a:picLocks noGrp="1" noChangeAspect="1"/>
+          </p:cNvPicPr>
+          <p:nvPr>
+            <p:ph type="pic" sz="quarter" idx="13"/>
+          </p:nvPr>
+        </p:nvPicPr>
+        <p:blipFill>
+          <a:blip r:embed="rId3"/>
+          <a:srcRect l="20441" r="20441"/>
+          <a:stretch>
+            <a:fillRect/>
+          </a:stretch>
+        </p:blipFill>
         <p:spPr/>
-        <p:txBody>
-          <a:bodyPr/>
-          <a:lstStyle/>
-          <a:p>
-            <a:pPr marL="0" marR="0" lvl="0" indent="0" algn="r" defTabSz="914400" rtl="0" eaLnBrk="1" fontAlgn="auto" latinLnBrk="0" hangingPunct="1">
-              <a:lnSpc>
-                <a:spcPct val="100000"/>
-              </a:lnSpc>
-              <a:spcBef>
-                <a:spcPts val="0"/>
-              </a:spcBef>
-              <a:spcAft>
-                <a:spcPts val="0"/>
-              </a:spcAft>
-              <a:buClrTx/>
-              <a:buSzTx/>
-              <a:buFontTx/>
-              <a:buNone/>
-              <a:tabLst/>
-              <a:defRPr/>
-            </a:pPr>
-            <a:fld id="{06B786C7-B8F9-4072-AAAA-17258464D730}" type="slidenum">
-              <a:rPr kumimoji="0" lang="en-US" sz="1050" b="0" i="0" u="none" strike="noStrike" kern="1200" cap="none" spc="0" normalizeH="0" baseline="0" noProof="0" smtClean="0">
-                <a:ln>
-                  <a:noFill/>
-                </a:ln>
-                <a:solidFill>
-                  <a:prstClr val="black"/>
-                </a:solidFill>
-                <a:effectLst/>
-                <a:uLnTx/>
-                <a:uFillTx/>
-                <a:latin typeface="Avenir Next LT Pro"/>
-                <a:ea typeface="+mn-ea"/>
-                <a:cs typeface="+mn-cs"/>
-              </a:rPr>
-              <a:pPr marL="0" marR="0" lvl="0" indent="0" algn="r" defTabSz="914400" rtl="0" eaLnBrk="1" fontAlgn="auto" latinLnBrk="0" hangingPunct="1">
-                <a:lnSpc>
-                  <a:spcPct val="100000"/>
-                </a:lnSpc>
-                <a:spcBef>
-                  <a:spcPts val="0"/>
-                </a:spcBef>
-                <a:spcAft>
-                  <a:spcPts val="0"/>
-                </a:spcAft>
-                <a:buClrTx/>
-                <a:buSzTx/>
-                <a:buFontTx/>
-                <a:buNone/>
-                <a:tabLst/>
-                <a:defRPr/>
-              </a:pPr>
-              <a:t>10</a:t>
-            </a:fld>
-            <a:endParaRPr kumimoji="0" lang="en-US" sz="1050" b="0" i="0" u="none" strike="noStrike" kern="1200" cap="none" spc="0" normalizeH="0" baseline="0" noProof="0" dirty="0">
-              <a:ln>
-                <a:noFill/>
-              </a:ln>
-              <a:solidFill>
-                <a:prstClr val="black"/>
-              </a:solidFill>
-              <a:effectLst/>
-              <a:uLnTx/>
-              <a:uFillTx/>
-              <a:latin typeface="Avenir Next LT Pro"/>
-              <a:ea typeface="+mn-ea"/>
-              <a:cs typeface="+mn-cs"/>
-            </a:endParaRPr>
-          </a:p>
-        </p:txBody>
-      </p:sp>
+      </p:pic>
+      <p:pic>
+        <p:nvPicPr>
+          <p:cNvPr id="17" name="Picture Placeholder 16" descr="Icon&#10;&#10;Description automatically generated with medium confidence">
+            <a:extLst>
+              <a:ext uri="{FF2B5EF4-FFF2-40B4-BE49-F238E27FC236}">
+                <a16:creationId xmlns:a16="http://schemas.microsoft.com/office/drawing/2014/main" id="{F2B88304-D8F6-0CE6-CD91-B71EC8E4E73F}"/>
+              </a:ext>
+            </a:extLst>
+          </p:cNvPr>
+          <p:cNvPicPr>
+            <a:picLocks noGrp="1" noChangeAspect="1"/>
+          </p:cNvPicPr>
+          <p:nvPr>
+            <p:ph type="pic" sz="quarter" idx="15"/>
+          </p:nvPr>
+        </p:nvPicPr>
+        <p:blipFill>
+          <a:blip r:embed="rId4"/>
+          <a:srcRect t="822" b="822"/>
+          <a:stretch>
+            <a:fillRect/>
+          </a:stretch>
+        </p:blipFill>
+        <p:spPr/>
+      </p:pic>
     </p:spTree>
     <p:extLst>
       <p:ext uri="{BB962C8B-B14F-4D97-AF65-F5344CB8AC3E}">
-        <p14:creationId xmlns:p14="http://schemas.microsoft.com/office/powerpoint/2010/main" val="4275005816"/>
+        <p14:creationId xmlns:p14="http://schemas.microsoft.com/office/powerpoint/2010/main" val="4271135940"/>
       </p:ext>
     </p:extLst>
   </p:cSld>
@@ -6566,7 +6434,7 @@
           <p:cNvPr id="2" name="Title 1">
             <a:extLst>
               <a:ext uri="{FF2B5EF4-FFF2-40B4-BE49-F238E27FC236}">
-                <a16:creationId xmlns:a16="http://schemas.microsoft.com/office/drawing/2014/main" id="{105ED384-DD06-77CC-2A49-535F80DBE15F}"/>
+                <a16:creationId xmlns:a16="http://schemas.microsoft.com/office/drawing/2014/main" id="{6F2D113E-DE27-CD1D-4EC3-DEFF74839334}"/>
               </a:ext>
             </a:extLst>
           </p:cNvPr>
@@ -6586,7 +6454,7 @@
           <a:p>
             <a:r>
               <a:rPr lang="de-AT" dirty="0" err="1"/>
-              <a:t>Gensim</a:t>
+              <a:t>spaCy</a:t>
             </a:r>
             <a:endParaRPr lang="en-US" dirty="0"/>
           </a:p>
@@ -6597,7 +6465,7 @@
           <p:cNvPr id="3" name="Content Placeholder 2">
             <a:extLst>
               <a:ext uri="{FF2B5EF4-FFF2-40B4-BE49-F238E27FC236}">
-                <a16:creationId xmlns:a16="http://schemas.microsoft.com/office/drawing/2014/main" id="{CA8FD674-F5FC-128C-9D58-C3D378ED46FB}"/>
+                <a16:creationId xmlns:a16="http://schemas.microsoft.com/office/drawing/2014/main" id="{427DE400-D1B5-AED4-1BC7-4524AC8A8F54}"/>
               </a:ext>
             </a:extLst>
           </p:cNvPr>
@@ -6626,7 +6494,7 @@
                   </a:extLst>
                 </a:hlinkClick>
               </a:rPr>
-              <a:t>https://radimrehurek.com/gensim/</a:t>
+              <a:t>https://spacy.io/</a:t>
             </a:r>
             <a:endParaRPr lang="en-US" dirty="0">
               <a:solidFill>
@@ -6637,21 +6505,11 @@
           <a:p>
             <a:r>
               <a:rPr lang="en-US" dirty="0" err="1"/>
-              <a:t>Gensim</a:t>
+              <a:t>spaCy</a:t>
             </a:r>
             <a:r>
               <a:rPr lang="en-US" dirty="0"/>
-              <a:t> “Topic Modelling for Humans” is another NLP library in Python</a:t>
-            </a:r>
-          </a:p>
-          <a:p>
-            <a:r>
-              <a:rPr lang="en-US" dirty="0" err="1"/>
-              <a:t>Gensim</a:t>
-            </a:r>
-            <a:r>
-              <a:rPr lang="en-US" dirty="0"/>
-              <a:t> offers easy-to-use implementations for TF-IDF and text/document queries</a:t>
+              <a:t> is a natural language processing library that comes with many built-in features that solve core linguistic tasks like tokenization, lemmatization, POS-tagging and NER</a:t>
             </a:r>
           </a:p>
           <a:p>
@@ -6660,7 +6518,7 @@
             </a:pPr>
             <a:r>
               <a:rPr lang="en-US" b="1" dirty="0"/>
-              <a:t>Exercise 2: </a:t>
+              <a:t>Exercise 1: </a:t>
             </a:r>
             <a:r>
               <a:rPr lang="en-US" dirty="0">
@@ -6675,7 +6533,7 @@
                   </a:extLst>
                 </a:hlinkClick>
               </a:rPr>
-              <a:t>https://github.com/michabirklbauer/hgb_dse_text_mining/blob/master/NLTK_Gensim.ipynb</a:t>
+              <a:t>https://github.com/michabirklbauer/hgb_dse_text_mining/blob/master/spaCy.ipynb</a:t>
             </a:r>
             <a:br>
               <a:rPr lang="en-US" dirty="0"/>
@@ -6693,7 +6551,7 @@
                   </a:extLst>
                 </a:hlinkClick>
               </a:rPr>
-              <a:t>https://colab.research.google.com/github/michabirklbauer/hgb_dse_text_mining/blob/master/NLTK_Gensim.ipynb</a:t>
+              <a:t>https://colab.research.google.com/github/michabirklbauer/hgb_dse_text_mining/blob/master/spaCy.ipynb</a:t>
             </a:r>
             <a:r>
               <a:rPr lang="en-US" dirty="0">
@@ -6711,7 +6569,7 @@
           <p:cNvPr id="4" name="Footer Placeholder 3">
             <a:extLst>
               <a:ext uri="{FF2B5EF4-FFF2-40B4-BE49-F238E27FC236}">
-                <a16:creationId xmlns:a16="http://schemas.microsoft.com/office/drawing/2014/main" id="{13E751E6-93D7-3DA8-D6A6-2019F01D8ED9}"/>
+                <a16:creationId xmlns:a16="http://schemas.microsoft.com/office/drawing/2014/main" id="{91613372-ADFF-07D7-4812-75DDE663C37D}"/>
               </a:ext>
             </a:extLst>
           </p:cNvPr>
@@ -6748,7 +6606,7 @@
           <p:cNvPr id="5" name="Date Placeholder 4">
             <a:extLst>
               <a:ext uri="{FF2B5EF4-FFF2-40B4-BE49-F238E27FC236}">
-                <a16:creationId xmlns:a16="http://schemas.microsoft.com/office/drawing/2014/main" id="{54CBA6B2-1ED6-9946-9702-78B6DE130184}"/>
+                <a16:creationId xmlns:a16="http://schemas.microsoft.com/office/drawing/2014/main" id="{E05D559E-C071-6947-C64B-2EEC55B921FC}"/>
               </a:ext>
             </a:extLst>
           </p:cNvPr>
@@ -6773,7 +6631,7 @@
                   <a:prstClr val="black"/>
                 </a:solidFill>
               </a:rPr>
-              <a:t>2022</a:t>
+              <a:t>2023</a:t>
             </a:r>
           </a:p>
         </p:txBody>
@@ -6783,7 +6641,7 @@
           <p:cNvPr id="6" name="Slide Number Placeholder 5">
             <a:extLst>
               <a:ext uri="{FF2B5EF4-FFF2-40B4-BE49-F238E27FC236}">
-                <a16:creationId xmlns:a16="http://schemas.microsoft.com/office/drawing/2014/main" id="{B04BC5DC-5A18-D64F-E257-4314ED1D3EE4}"/>
+                <a16:creationId xmlns:a16="http://schemas.microsoft.com/office/drawing/2014/main" id="{9D48CB5E-FA80-4F9A-A9F6-74C0E1250C75}"/>
               </a:ext>
             </a:extLst>
           </p:cNvPr>
@@ -6870,7 +6728,7 @@
     </p:spTree>
     <p:extLst>
       <p:ext uri="{BB962C8B-B14F-4D97-AF65-F5344CB8AC3E}">
-        <p14:creationId xmlns:p14="http://schemas.microsoft.com/office/powerpoint/2010/main" val="1611270730"/>
+        <p14:creationId xmlns:p14="http://schemas.microsoft.com/office/powerpoint/2010/main" val="2584533905"/>
       </p:ext>
     </p:extLst>
   </p:cSld>
@@ -6899,18 +6757,49 @@
       </p:grpSpPr>
       <p:sp>
         <p:nvSpPr>
-          <p:cNvPr id="7" name="Title 6">
-            <a:extLst>
-              <a:ext uri="{FF2B5EF4-FFF2-40B4-BE49-F238E27FC236}">
-                <a16:creationId xmlns:a16="http://schemas.microsoft.com/office/drawing/2014/main" id="{EE6941FA-CC11-0A7F-9375-BB9B5C20D8D1}"/>
-              </a:ext>
-            </a:extLst>
-          </p:cNvPr>
-          <p:cNvSpPr>
-            <a:spLocks noGrp="1"/>
-          </p:cNvSpPr>
-          <p:nvPr>
-            <p:ph type="ctrTitle"/>
+          <p:cNvPr id="2" name="Title 1">
+            <a:extLst>
+              <a:ext uri="{FF2B5EF4-FFF2-40B4-BE49-F238E27FC236}">
+                <a16:creationId xmlns:a16="http://schemas.microsoft.com/office/drawing/2014/main" id="{CCB0FA84-16A7-2688-A1A6-42D4B6C63D47}"/>
+              </a:ext>
+            </a:extLst>
+          </p:cNvPr>
+          <p:cNvSpPr>
+            <a:spLocks noGrp="1"/>
+          </p:cNvSpPr>
+          <p:nvPr>
+            <p:ph type="title"/>
+          </p:nvPr>
+        </p:nvSpPr>
+        <p:spPr/>
+        <p:txBody>
+          <a:bodyPr>
+            <a:normAutofit fontScale="90000"/>
+          </a:bodyPr>
+          <a:lstStyle/>
+          <a:p>
+            <a:r>
+              <a:rPr lang="de-AT" dirty="0"/>
+              <a:t>NLTK</a:t>
+            </a:r>
+            <a:endParaRPr lang="en-US" dirty="0"/>
+          </a:p>
+        </p:txBody>
+      </p:sp>
+      <p:sp>
+        <p:nvSpPr>
+          <p:cNvPr id="3" name="Content Placeholder 2">
+            <a:extLst>
+              <a:ext uri="{FF2B5EF4-FFF2-40B4-BE49-F238E27FC236}">
+                <a16:creationId xmlns:a16="http://schemas.microsoft.com/office/drawing/2014/main" id="{4A51AD70-3A1C-9EA0-4A37-97FB6CD37DCF}"/>
+              </a:ext>
+            </a:extLst>
+          </p:cNvPr>
+          <p:cNvSpPr>
+            <a:spLocks noGrp="1"/>
+          </p:cNvSpPr>
+          <p:nvPr>
+            <p:ph sz="quarter" idx="14"/>
           </p:nvPr>
         </p:nvSpPr>
         <p:spPr/>
@@ -6919,27 +6808,81 @@
           <a:lstStyle/>
           <a:p>
             <a:r>
-              <a:rPr lang="de-AT" dirty="0"/>
-              <a:t>Clustering</a:t>
-            </a:r>
-            <a:endParaRPr lang="en-US" dirty="0"/>
-          </a:p>
-        </p:txBody>
-      </p:sp>
-      <p:sp>
-        <p:nvSpPr>
-          <p:cNvPr id="8" name="Subtitle 7">
-            <a:extLst>
-              <a:ext uri="{FF2B5EF4-FFF2-40B4-BE49-F238E27FC236}">
-                <a16:creationId xmlns:a16="http://schemas.microsoft.com/office/drawing/2014/main" id="{204F5C65-182D-0615-3F81-ED6E8D28F62C}"/>
-              </a:ext>
-            </a:extLst>
-          </p:cNvPr>
-          <p:cNvSpPr>
-            <a:spLocks noGrp="1"/>
-          </p:cNvSpPr>
-          <p:nvPr>
-            <p:ph type="subTitle" idx="1"/>
+              <a:rPr lang="en-US" dirty="0">
+                <a:solidFill>
+                  <a:schemeClr val="accent1"/>
+                </a:solidFill>
+                <a:hlinkClick r:id="rId2">
+                  <a:extLst>
+                    <a:ext uri="{A12FA001-AC4F-418D-AE19-62706E023703}">
+                      <ahyp:hlinkClr xmlns:ahyp="http://schemas.microsoft.com/office/drawing/2018/hyperlinkcolor" val="tx"/>
+                    </a:ext>
+                  </a:extLst>
+                </a:hlinkClick>
+              </a:rPr>
+              <a:t>https://www.nltk.org/</a:t>
+            </a:r>
+            <a:endParaRPr lang="en-US" dirty="0">
+              <a:solidFill>
+                <a:schemeClr val="accent1"/>
+              </a:solidFill>
+            </a:endParaRPr>
+          </a:p>
+          <a:p>
+            <a:pPr algn="l"/>
+            <a:r>
+              <a:rPr lang="en-US" b="0" i="0" dirty="0">
+                <a:effectLst/>
+              </a:rPr>
+              <a:t>NLTK - short for Natural Language Toolkit - is a leading platform for building Python programs to work with human language data</a:t>
+            </a:r>
+          </a:p>
+          <a:p>
+            <a:pPr algn="l"/>
+            <a:r>
+              <a:rPr lang="en-US" b="0" i="0" dirty="0">
+                <a:effectLst/>
+              </a:rPr>
+              <a:t>It provides easy-to-use tokenization, stemming, and much more</a:t>
+            </a:r>
+          </a:p>
+          <a:p>
+            <a:pPr algn="l"/>
+            <a:r>
+              <a:rPr lang="en-US" b="0" i="0" dirty="0">
+                <a:effectLst/>
+              </a:rPr>
+              <a:t>I mostly use NLTK for preprocessing tasks because it is more light-weight and straightforward than </a:t>
+            </a:r>
+            <a:r>
+              <a:rPr lang="en-US" b="0" i="0" dirty="0" err="1">
+                <a:effectLst/>
+              </a:rPr>
+              <a:t>spaCy</a:t>
+            </a:r>
+            <a:r>
+              <a:rPr lang="en-US" b="0" i="0" dirty="0">
+                <a:effectLst/>
+              </a:rPr>
+              <a:t> in my opinion</a:t>
+            </a:r>
+          </a:p>
+        </p:txBody>
+      </p:sp>
+      <p:sp>
+        <p:nvSpPr>
+          <p:cNvPr id="4" name="Footer Placeholder 3">
+            <a:extLst>
+              <a:ext uri="{FF2B5EF4-FFF2-40B4-BE49-F238E27FC236}">
+                <a16:creationId xmlns:a16="http://schemas.microsoft.com/office/drawing/2014/main" id="{649559AF-D137-D0FE-4E3D-5A90BCB42FD7}"/>
+              </a:ext>
+            </a:extLst>
+          </p:cNvPr>
+          <p:cNvSpPr>
+            <a:spLocks noGrp="1"/>
+          </p:cNvSpPr>
+          <p:nvPr>
+            <p:ph type="ftr" sz="quarter" idx="11"/>
           </p:nvPr>
         </p:nvSpPr>
         <p:spPr/>
@@ -6948,47 +6891,149 @@
           <a:lstStyle/>
           <a:p>
             <a:r>
-              <a:rPr lang="de-AT" dirty="0" err="1"/>
-              <a:t>kMeans</a:t>
-            </a:r>
-            <a:endParaRPr lang="en-US" dirty="0"/>
-          </a:p>
-        </p:txBody>
-      </p:sp>
-      <p:pic>
-        <p:nvPicPr>
-          <p:cNvPr id="17" name="Picture 16" descr="Chart, scatter chart&#10;&#10;Description automatically generated">
-            <a:extLst>
-              <a:ext uri="{FF2B5EF4-FFF2-40B4-BE49-F238E27FC236}">
-                <a16:creationId xmlns:a16="http://schemas.microsoft.com/office/drawing/2014/main" id="{88B0E03D-51F4-C11A-B302-341AC112CC68}"/>
-              </a:ext>
-            </a:extLst>
-          </p:cNvPr>
-          <p:cNvPicPr>
-            <a:picLocks noChangeAspect="1"/>
-          </p:cNvPicPr>
-          <p:nvPr/>
-        </p:nvPicPr>
-        <p:blipFill>
-          <a:blip r:embed="rId2"/>
-          <a:stretch>
-            <a:fillRect/>
-          </a:stretch>
-        </p:blipFill>
-        <p:spPr>
-          <a:xfrm>
-            <a:off x="8347077" y="1650534"/>
-            <a:ext cx="3660365" cy="3556932"/>
-          </a:xfrm>
-          <a:prstGeom prst="rect">
-            <a:avLst/>
-          </a:prstGeom>
-        </p:spPr>
-      </p:pic>
+              <a:rPr lang="de-AT" dirty="0">
+                <a:solidFill>
+                  <a:prstClr val="black"/>
+                </a:solidFill>
+              </a:rPr>
+              <a:t>Natural Language Processing</a:t>
+            </a:r>
+            <a:endParaRPr lang="en-US" dirty="0">
+              <a:solidFill>
+                <a:prstClr val="black"/>
+              </a:solidFill>
+            </a:endParaRPr>
+          </a:p>
+        </p:txBody>
+      </p:sp>
+      <p:sp>
+        <p:nvSpPr>
+          <p:cNvPr id="5" name="Date Placeholder 4">
+            <a:extLst>
+              <a:ext uri="{FF2B5EF4-FFF2-40B4-BE49-F238E27FC236}">
+                <a16:creationId xmlns:a16="http://schemas.microsoft.com/office/drawing/2014/main" id="{DCB8CBA9-8A5C-EF56-A09F-4DD01AD2F6FC}"/>
+              </a:ext>
+            </a:extLst>
+          </p:cNvPr>
+          <p:cNvSpPr>
+            <a:spLocks noGrp="1"/>
+          </p:cNvSpPr>
+          <p:nvPr>
+            <p:ph type="dt" sz="half" idx="10"/>
+          </p:nvPr>
+        </p:nvSpPr>
+        <p:spPr/>
+        <p:txBody>
+          <a:bodyPr/>
+          <a:lstStyle/>
+          <a:p>
+            <a:pPr>
+              <a:defRPr/>
+            </a:pPr>
+            <a:r>
+              <a:rPr lang="en-US" dirty="0">
+                <a:solidFill>
+                  <a:prstClr val="black"/>
+                </a:solidFill>
+              </a:rPr>
+              <a:t>2023</a:t>
+            </a:r>
+          </a:p>
+        </p:txBody>
+      </p:sp>
+      <p:sp>
+        <p:nvSpPr>
+          <p:cNvPr id="6" name="Slide Number Placeholder 5">
+            <a:extLst>
+              <a:ext uri="{FF2B5EF4-FFF2-40B4-BE49-F238E27FC236}">
+                <a16:creationId xmlns:a16="http://schemas.microsoft.com/office/drawing/2014/main" id="{558D02BE-A85F-E06D-0B6D-6C38A0C11BFF}"/>
+              </a:ext>
+            </a:extLst>
+          </p:cNvPr>
+          <p:cNvSpPr>
+            <a:spLocks noGrp="1"/>
+          </p:cNvSpPr>
+          <p:nvPr>
+            <p:ph type="sldNum" sz="quarter" idx="12"/>
+          </p:nvPr>
+        </p:nvSpPr>
+        <p:spPr/>
+        <p:txBody>
+          <a:bodyPr/>
+          <a:lstStyle/>
+          <a:p>
+            <a:pPr marL="0" marR="0" lvl="0" indent="0" algn="r" defTabSz="914400" rtl="0" eaLnBrk="1" fontAlgn="auto" latinLnBrk="0" hangingPunct="1">
+              <a:lnSpc>
+                <a:spcPct val="100000"/>
+              </a:lnSpc>
+              <a:spcBef>
+                <a:spcPts val="0"/>
+              </a:spcBef>
+              <a:spcAft>
+                <a:spcPts val="0"/>
+              </a:spcAft>
+              <a:buClrTx/>
+              <a:buSzTx/>
+              <a:buFontTx/>
+              <a:buNone/>
+              <a:tabLst/>
+              <a:defRPr/>
+            </a:pPr>
+            <a:fld id="{06B786C7-B8F9-4072-AAAA-17258464D730}" type="slidenum">
+              <a:rPr kumimoji="0" lang="en-US" sz="1050" b="0" i="0" u="none" strike="noStrike" kern="1200" cap="none" spc="0" normalizeH="0" baseline="0" noProof="0" smtClean="0">
+                <a:ln>
+                  <a:noFill/>
+                </a:ln>
+                <a:solidFill>
+                  <a:prstClr val="black"/>
+                </a:solidFill>
+                <a:effectLst/>
+                <a:uLnTx/>
+                <a:uFillTx/>
+                <a:latin typeface="Avenir Next LT Pro"/>
+                <a:ea typeface="+mn-ea"/>
+                <a:cs typeface="+mn-cs"/>
+              </a:rPr>
+              <a:pPr marL="0" marR="0" lvl="0" indent="0" algn="r" defTabSz="914400" rtl="0" eaLnBrk="1" fontAlgn="auto" latinLnBrk="0" hangingPunct="1">
+                <a:lnSpc>
+                  <a:spcPct val="100000"/>
+                </a:lnSpc>
+                <a:spcBef>
+                  <a:spcPts val="0"/>
+                </a:spcBef>
+                <a:spcAft>
+                  <a:spcPts val="0"/>
+                </a:spcAft>
+                <a:buClrTx/>
+                <a:buSzTx/>
+                <a:buFontTx/>
+                <a:buNone/>
+                <a:tabLst/>
+                <a:defRPr/>
+              </a:pPr>
+              <a:t>12</a:t>
+            </a:fld>
+            <a:endParaRPr kumimoji="0" lang="en-US" sz="1050" b="0" i="0" u="none" strike="noStrike" kern="1200" cap="none" spc="0" normalizeH="0" baseline="0" noProof="0" dirty="0">
+              <a:ln>
+                <a:noFill/>
+              </a:ln>
+              <a:solidFill>
+                <a:prstClr val="black"/>
+              </a:solidFill>
+              <a:effectLst/>
+              <a:uLnTx/>
+              <a:uFillTx/>
+              <a:latin typeface="Avenir Next LT Pro"/>
+              <a:ea typeface="+mn-ea"/>
+              <a:cs typeface="+mn-cs"/>
+            </a:endParaRPr>
+          </a:p>
+        </p:txBody>
+      </p:sp>
     </p:spTree>
     <p:extLst>
       <p:ext uri="{BB962C8B-B14F-4D97-AF65-F5344CB8AC3E}">
-        <p14:creationId xmlns:p14="http://schemas.microsoft.com/office/powerpoint/2010/main" val="4177666413"/>
+        <p14:creationId xmlns:p14="http://schemas.microsoft.com/office/powerpoint/2010/main" val="4275005816"/>
       </p:ext>
     </p:extLst>
   </p:cSld>
@@ -7017,10 +7062,10 @@
       </p:grpSpPr>
       <p:sp>
         <p:nvSpPr>
-          <p:cNvPr id="9" name="Title 8">
-            <a:extLst>
-              <a:ext uri="{FF2B5EF4-FFF2-40B4-BE49-F238E27FC236}">
-                <a16:creationId xmlns:a16="http://schemas.microsoft.com/office/drawing/2014/main" id="{B707D798-9D51-B692-BC87-D62F356171FB}"/>
+          <p:cNvPr id="2" name="Title 1">
+            <a:extLst>
+              <a:ext uri="{FF2B5EF4-FFF2-40B4-BE49-F238E27FC236}">
+                <a16:creationId xmlns:a16="http://schemas.microsoft.com/office/drawing/2014/main" id="{105ED384-DD06-77CC-2A49-535F80DBE15F}"/>
               </a:ext>
             </a:extLst>
           </p:cNvPr>
@@ -7040,11 +7085,7 @@
           <a:p>
             <a:r>
               <a:rPr lang="de-AT" dirty="0" err="1"/>
-              <a:t>kMeans</a:t>
-            </a:r>
-            <a:r>
-              <a:rPr lang="de-AT" dirty="0"/>
-              <a:t> Clustering</a:t>
+              <a:t>Gensim</a:t>
             </a:r>
             <a:endParaRPr lang="en-US" dirty="0"/>
           </a:p>
@@ -7052,10 +7093,10 @@
       </p:sp>
       <p:sp>
         <p:nvSpPr>
-          <p:cNvPr id="10" name="Content Placeholder 9">
-            <a:extLst>
-              <a:ext uri="{FF2B5EF4-FFF2-40B4-BE49-F238E27FC236}">
-                <a16:creationId xmlns:a16="http://schemas.microsoft.com/office/drawing/2014/main" id="{655D2FC3-4DE4-8337-E55C-257B36F4CA45}"/>
+          <p:cNvPr id="3" name="Content Placeholder 2">
+            <a:extLst>
+              <a:ext uri="{FF2B5EF4-FFF2-40B4-BE49-F238E27FC236}">
+                <a16:creationId xmlns:a16="http://schemas.microsoft.com/office/drawing/2014/main" id="{CA8FD674-F5FC-128C-9D58-C3D378ED46FB}"/>
               </a:ext>
             </a:extLst>
           </p:cNvPr>
@@ -7068,188 +7109,9 @@
         </p:nvSpPr>
         <p:spPr/>
         <p:txBody>
-          <a:bodyPr>
-            <a:normAutofit lnSpcReduction="10000"/>
-          </a:bodyPr>
+          <a:bodyPr/>
           <a:lstStyle/>
           <a:p>
-            <a:pPr marL="457200" indent="-457200">
-              <a:buFont typeface="+mj-lt"/>
-              <a:buAutoNum type="arabicPeriod"/>
-            </a:pPr>
-            <a:r>
-              <a:rPr lang="de-AT" dirty="0" err="1"/>
-              <a:t>Initially</a:t>
-            </a:r>
-            <a:r>
-              <a:rPr lang="de-AT" dirty="0"/>
-              <a:t> </a:t>
-            </a:r>
-            <a:r>
-              <a:rPr lang="de-AT" dirty="0" err="1"/>
-              <a:t>select</a:t>
-            </a:r>
-            <a:r>
-              <a:rPr lang="de-AT" dirty="0"/>
-              <a:t> </a:t>
-            </a:r>
-            <a:r>
-              <a:rPr lang="de-AT" i="1" dirty="0"/>
-              <a:t>k</a:t>
-            </a:r>
-            <a:r>
-              <a:rPr lang="de-AT" dirty="0"/>
-              <a:t> </a:t>
-            </a:r>
-            <a:r>
-              <a:rPr lang="de-AT" dirty="0" err="1"/>
-              <a:t>random</a:t>
-            </a:r>
-            <a:r>
-              <a:rPr lang="de-AT" dirty="0"/>
-              <a:t> </a:t>
-            </a:r>
-            <a:r>
-              <a:rPr lang="de-AT" dirty="0" err="1"/>
-              <a:t>datapoints</a:t>
-            </a:r>
-            <a:r>
-              <a:rPr lang="de-AT" dirty="0"/>
-              <a:t> (</a:t>
-            </a:r>
-            <a:r>
-              <a:rPr lang="de-AT" dirty="0" err="1"/>
-              <a:t>documents</a:t>
-            </a:r>
-            <a:r>
-              <a:rPr lang="de-AT" dirty="0"/>
-              <a:t>) </a:t>
-            </a:r>
-            <a:r>
-              <a:rPr lang="de-AT" dirty="0" err="1"/>
-              <a:t>as</a:t>
-            </a:r>
-            <a:r>
-              <a:rPr lang="de-AT" dirty="0"/>
-              <a:t> </a:t>
-            </a:r>
-            <a:r>
-              <a:rPr lang="de-AT" dirty="0" err="1"/>
-              <a:t>cluster</a:t>
-            </a:r>
-            <a:r>
-              <a:rPr lang="de-AT" dirty="0"/>
-              <a:t> </a:t>
-            </a:r>
-            <a:r>
-              <a:rPr lang="de-AT" dirty="0" err="1"/>
-              <a:t>centroids</a:t>
-            </a:r>
-            <a:endParaRPr lang="de-AT" dirty="0"/>
-          </a:p>
-          <a:p>
-            <a:pPr marL="457200" indent="-457200">
-              <a:buFont typeface="+mj-lt"/>
-              <a:buAutoNum type="arabicPeriod"/>
-            </a:pPr>
-            <a:r>
-              <a:rPr lang="de-AT" dirty="0" err="1"/>
-              <a:t>Assign</a:t>
-            </a:r>
-            <a:r>
-              <a:rPr lang="de-AT" dirty="0"/>
-              <a:t> </a:t>
-            </a:r>
-            <a:r>
-              <a:rPr lang="de-AT" dirty="0" err="1"/>
-              <a:t>each</a:t>
-            </a:r>
-            <a:r>
-              <a:rPr lang="de-AT" dirty="0"/>
-              <a:t> </a:t>
-            </a:r>
-            <a:r>
-              <a:rPr lang="de-AT" dirty="0" err="1"/>
-              <a:t>document</a:t>
-            </a:r>
-            <a:r>
-              <a:rPr lang="de-AT" dirty="0"/>
-              <a:t> in </a:t>
-            </a:r>
-            <a:r>
-              <a:rPr lang="de-AT" dirty="0" err="1"/>
-              <a:t>the</a:t>
-            </a:r>
-            <a:r>
-              <a:rPr lang="de-AT" dirty="0"/>
-              <a:t> </a:t>
-            </a:r>
-            <a:r>
-              <a:rPr lang="de-AT" dirty="0" err="1"/>
-              <a:t>corpus</a:t>
-            </a:r>
-            <a:r>
-              <a:rPr lang="de-AT" dirty="0"/>
-              <a:t> </a:t>
-            </a:r>
-            <a:r>
-              <a:rPr lang="de-AT" dirty="0" err="1"/>
-              <a:t>to</a:t>
-            </a:r>
-            <a:r>
-              <a:rPr lang="de-AT" dirty="0"/>
-              <a:t> </a:t>
-            </a:r>
-            <a:r>
-              <a:rPr lang="de-AT" dirty="0" err="1"/>
-              <a:t>the</a:t>
-            </a:r>
-            <a:r>
-              <a:rPr lang="de-AT" dirty="0"/>
-              <a:t> </a:t>
-            </a:r>
-            <a:r>
-              <a:rPr lang="de-AT" dirty="0" err="1"/>
-              <a:t>nearest</a:t>
-            </a:r>
-            <a:r>
-              <a:rPr lang="de-AT" dirty="0"/>
-              <a:t> </a:t>
-            </a:r>
-            <a:r>
-              <a:rPr lang="de-AT" dirty="0" err="1"/>
-              <a:t>centroid</a:t>
-            </a:r>
-            <a:endParaRPr lang="de-AT" dirty="0"/>
-          </a:p>
-          <a:p>
-            <a:pPr marL="457200" indent="-457200">
-              <a:buFont typeface="+mj-lt"/>
-              <a:buAutoNum type="arabicPeriod"/>
-            </a:pPr>
-            <a:r>
-              <a:rPr lang="en-US" dirty="0"/>
-              <a:t>Calculate new cluster centroids</a:t>
-            </a:r>
-          </a:p>
-          <a:p>
-            <a:pPr marL="457200" indent="-457200">
-              <a:buFont typeface="+mj-lt"/>
-              <a:buAutoNum type="arabicPeriod"/>
-            </a:pPr>
-            <a:r>
-              <a:rPr lang="en-US" dirty="0"/>
-              <a:t>Repeat 2. and 3. until convergence or maximum iteration (or other stopping criterion) is met</a:t>
-            </a:r>
-          </a:p>
-          <a:p>
-            <a:pPr marL="0" indent="0">
-              <a:buNone/>
-            </a:pPr>
-            <a:r>
-              <a:rPr lang="en-US" b="1" dirty="0"/>
-              <a:t>Exercise 3: </a:t>
-            </a:r>
             <a:r>
               <a:rPr lang="en-US" dirty="0">
                 <a:solidFill>
@@ -7263,11 +7125,42 @@
                   </a:extLst>
                 </a:hlinkClick>
               </a:rPr>
-              <a:t>https://github.com/michabirklbauer/hgb_dse_text_mining/blob/master/Features_Clustering.ipynb</a:t>
-            </a:r>
-            <a:br>
+              <a:t>https://radimrehurek.com/gensim/</a:t>
+            </a:r>
+            <a:endParaRPr lang="en-US" dirty="0">
+              <a:solidFill>
+                <a:schemeClr val="accent1"/>
+              </a:solidFill>
+            </a:endParaRPr>
+          </a:p>
+          <a:p>
+            <a:r>
+              <a:rPr lang="en-US" dirty="0" err="1"/>
+              <a:t>Gensim</a:t>
+            </a:r>
+            <a:r>
               <a:rPr lang="en-US" dirty="0"/>
-            </a:br>
+              <a:t> “Topic Modelling for Humans” is another NLP library in Python</a:t>
+            </a:r>
+          </a:p>
+          <a:p>
+            <a:r>
+              <a:rPr lang="en-US" dirty="0" err="1"/>
+              <a:t>Gensim</a:t>
+            </a:r>
+            <a:r>
+              <a:rPr lang="en-US" dirty="0"/>
+              <a:t> offers easy-to-use implementations for TF-IDF and text/document queries</a:t>
+            </a:r>
+          </a:p>
+          <a:p>
+            <a:pPr marL="0" indent="0">
+              <a:buNone/>
+            </a:pPr>
+            <a:r>
+              <a:rPr lang="en-US" b="1" dirty="0"/>
+              <a:t>Exercise 2: </a:t>
+            </a:r>
             <a:r>
               <a:rPr lang="en-US" dirty="0">
                 <a:solidFill>
@@ -7281,7 +7174,25 @@
                   </a:extLst>
                 </a:hlinkClick>
               </a:rPr>
-              <a:t>https://colab.research.google.com/github/michabirklbauer/hgb_dse_text_mining/blob/master/Features_Clustering.ipynb</a:t>
+              <a:t>https://github.com/michabirklbauer/hgb_dse_text_mining/blob/master/NLTK_Gensim.ipynb</a:t>
+            </a:r>
+            <a:br>
+              <a:rPr lang="en-US" dirty="0"/>
+            </a:br>
+            <a:r>
+              <a:rPr lang="en-US" dirty="0">
+                <a:solidFill>
+                  <a:schemeClr val="accent1"/>
+                </a:solidFill>
+                <a:hlinkClick r:id="rId4">
+                  <a:extLst>
+                    <a:ext uri="{A12FA001-AC4F-418D-AE19-62706E023703}">
+                      <ahyp:hlinkClr xmlns:ahyp="http://schemas.microsoft.com/office/drawing/2018/hyperlinkcolor" val="tx"/>
+                    </a:ext>
+                  </a:extLst>
+                </a:hlinkClick>
+              </a:rPr>
+              <a:t>https://colab.research.google.com/github/michabirklbauer/hgb_dse_text_mining/blob/master/NLTK_Gensim.ipynb</a:t>
             </a:r>
             <a:r>
               <a:rPr lang="en-US" dirty="0">
@@ -7296,10 +7207,10 @@
       </p:sp>
       <p:sp>
         <p:nvSpPr>
-          <p:cNvPr id="3" name="Footer Placeholder 2">
-            <a:extLst>
-              <a:ext uri="{FF2B5EF4-FFF2-40B4-BE49-F238E27FC236}">
-                <a16:creationId xmlns:a16="http://schemas.microsoft.com/office/drawing/2014/main" id="{C9809067-E5EF-D971-F975-72C125549E69}"/>
+          <p:cNvPr id="4" name="Footer Placeholder 3">
+            <a:extLst>
+              <a:ext uri="{FF2B5EF4-FFF2-40B4-BE49-F238E27FC236}">
+                <a16:creationId xmlns:a16="http://schemas.microsoft.com/office/drawing/2014/main" id="{13E751E6-93D7-3DA8-D6A6-2019F01D8ED9}"/>
               </a:ext>
             </a:extLst>
           </p:cNvPr>
@@ -7316,18 +7227,27 @@
           <a:lstStyle/>
           <a:p>
             <a:r>
-              <a:rPr lang="en-US" dirty="0"/>
+              <a:rPr lang="de-AT" dirty="0">
+                <a:solidFill>
+                  <a:prstClr val="black"/>
+                </a:solidFill>
+              </a:rPr>
               <a:t>Natural Language Processing</a:t>
             </a:r>
-          </a:p>
-        </p:txBody>
-      </p:sp>
-      <p:sp>
-        <p:nvSpPr>
-          <p:cNvPr id="7" name="Date Placeholder 6">
-            <a:extLst>
-              <a:ext uri="{FF2B5EF4-FFF2-40B4-BE49-F238E27FC236}">
-                <a16:creationId xmlns:a16="http://schemas.microsoft.com/office/drawing/2014/main" id="{50BCCDB0-8F07-2291-39C0-0089AC98D3CB}"/>
+            <a:endParaRPr lang="en-US" dirty="0">
+              <a:solidFill>
+                <a:prstClr val="black"/>
+              </a:solidFill>
+            </a:endParaRPr>
+          </a:p>
+        </p:txBody>
+      </p:sp>
+      <p:sp>
+        <p:nvSpPr>
+          <p:cNvPr id="5" name="Date Placeholder 4">
+            <a:extLst>
+              <a:ext uri="{FF2B5EF4-FFF2-40B4-BE49-F238E27FC236}">
+                <a16:creationId xmlns:a16="http://schemas.microsoft.com/office/drawing/2014/main" id="{54CBA6B2-1ED6-9946-9702-78B6DE130184}"/>
               </a:ext>
             </a:extLst>
           </p:cNvPr>
@@ -7352,17 +7272,17 @@
                   <a:prstClr val="black"/>
                 </a:solidFill>
               </a:rPr>
-              <a:t>2022</a:t>
-            </a:r>
-          </a:p>
-        </p:txBody>
-      </p:sp>
-      <p:sp>
-        <p:nvSpPr>
-          <p:cNvPr id="8" name="Slide Number Placeholder 7">
-            <a:extLst>
-              <a:ext uri="{FF2B5EF4-FFF2-40B4-BE49-F238E27FC236}">
-                <a16:creationId xmlns:a16="http://schemas.microsoft.com/office/drawing/2014/main" id="{1CECD37F-D187-0BC8-4EA4-19D5702C5C90}"/>
+              <a:t>2023</a:t>
+            </a:r>
+          </a:p>
+        </p:txBody>
+      </p:sp>
+      <p:sp>
+        <p:nvSpPr>
+          <p:cNvPr id="6" name="Slide Number Placeholder 5">
+            <a:extLst>
+              <a:ext uri="{FF2B5EF4-FFF2-40B4-BE49-F238E27FC236}">
+                <a16:creationId xmlns:a16="http://schemas.microsoft.com/office/drawing/2014/main" id="{B04BC5DC-5A18-D64F-E257-4314ED1D3EE4}"/>
               </a:ext>
             </a:extLst>
           </p:cNvPr>
@@ -7395,7 +7315,7 @@
               <a:tabLst/>
               <a:defRPr/>
             </a:pPr>
-            <a:fld id="{244D815C-8BF3-4ECF-A945-A2A7C2983AF9}" type="slidenum">
+            <a:fld id="{06B786C7-B8F9-4072-AAAA-17258464D730}" type="slidenum">
               <a:rPr kumimoji="0" lang="en-US" sz="1050" b="0" i="0" u="none" strike="noStrike" kern="1200" cap="none" spc="0" normalizeH="0" baseline="0" noProof="0" smtClean="0">
                 <a:ln>
                   <a:noFill/>
@@ -7449,7 +7369,7 @@
     </p:spTree>
     <p:extLst>
       <p:ext uri="{BB962C8B-B14F-4D97-AF65-F5344CB8AC3E}">
-        <p14:creationId xmlns:p14="http://schemas.microsoft.com/office/powerpoint/2010/main" val="532079423"/>
+        <p14:creationId xmlns:p14="http://schemas.microsoft.com/office/powerpoint/2010/main" val="1611270730"/>
       </p:ext>
     </p:extLst>
   </p:cSld>
@@ -7481,7 +7401,7 @@
           <p:cNvPr id="7" name="Title 6">
             <a:extLst>
               <a:ext uri="{FF2B5EF4-FFF2-40B4-BE49-F238E27FC236}">
-                <a16:creationId xmlns:a16="http://schemas.microsoft.com/office/drawing/2014/main" id="{CECD23D9-5A2D-F9F5-A264-1D5F14C9A893}"/>
+                <a16:creationId xmlns:a16="http://schemas.microsoft.com/office/drawing/2014/main" id="{EE6941FA-CC11-0A7F-9375-BB9B5C20D8D1}"/>
               </a:ext>
             </a:extLst>
           </p:cNvPr>
@@ -7490,37 +7410,6 @@
           </p:cNvSpPr>
           <p:nvPr>
             <p:ph type="ctrTitle"/>
-          </p:nvPr>
-        </p:nvSpPr>
-        <p:spPr/>
-        <p:txBody>
-          <a:bodyPr>
-            <a:normAutofit/>
-          </a:bodyPr>
-          <a:lstStyle/>
-          <a:p>
-            <a:r>
-              <a:rPr lang="de-AT" sz="8000" dirty="0"/>
-              <a:t>Classification</a:t>
-            </a:r>
-            <a:endParaRPr lang="en-US" sz="8000" dirty="0"/>
-          </a:p>
-        </p:txBody>
-      </p:sp>
-      <p:sp>
-        <p:nvSpPr>
-          <p:cNvPr id="8" name="Subtitle 7">
-            <a:extLst>
-              <a:ext uri="{FF2B5EF4-FFF2-40B4-BE49-F238E27FC236}">
-                <a16:creationId xmlns:a16="http://schemas.microsoft.com/office/drawing/2014/main" id="{2DB7E58C-BBDC-07C0-6E67-B95029958554}"/>
-              </a:ext>
-            </a:extLst>
-          </p:cNvPr>
-          <p:cNvSpPr>
-            <a:spLocks noGrp="1"/>
-          </p:cNvSpPr>
-          <p:nvPr>
-            <p:ph type="subTitle" idx="1"/>
           </p:nvPr>
         </p:nvSpPr>
         <p:spPr/>
@@ -7529,16 +7418,37 @@
           <a:lstStyle/>
           <a:p>
             <a:r>
-              <a:rPr lang="de-AT" dirty="0" err="1"/>
-              <a:t>kNN</a:t>
-            </a:r>
-            <a:r>
-              <a:rPr lang="de-AT" dirty="0"/>
-              <a:t>, </a:t>
-            </a:r>
-            <a:r>
-              <a:rPr lang="de-AT" dirty="0" err="1"/>
-              <a:t>naiveBayes</a:t>
+              <a:rPr lang="de-AT" dirty="0"/>
+              <a:t>Clustering</a:t>
+            </a:r>
+            <a:endParaRPr lang="en-US" dirty="0"/>
+          </a:p>
+        </p:txBody>
+      </p:sp>
+      <p:sp>
+        <p:nvSpPr>
+          <p:cNvPr id="8" name="Subtitle 7">
+            <a:extLst>
+              <a:ext uri="{FF2B5EF4-FFF2-40B4-BE49-F238E27FC236}">
+                <a16:creationId xmlns:a16="http://schemas.microsoft.com/office/drawing/2014/main" id="{204F5C65-182D-0615-3F81-ED6E8D28F62C}"/>
+              </a:ext>
+            </a:extLst>
+          </p:cNvPr>
+          <p:cNvSpPr>
+            <a:spLocks noGrp="1"/>
+          </p:cNvSpPr>
+          <p:nvPr>
+            <p:ph type="subTitle" idx="1"/>
+          </p:nvPr>
+        </p:nvSpPr>
+        <p:spPr/>
+        <p:txBody>
+          <a:bodyPr/>
+          <a:lstStyle/>
+          <a:p>
+            <a:r>
+              <a:rPr lang="de-AT" dirty="0" err="1"/>
+              <a:t>kMeans</a:t>
             </a:r>
             <a:endParaRPr lang="en-US" dirty="0"/>
           </a:p>
@@ -7546,10 +7456,10 @@
       </p:sp>
       <p:pic>
         <p:nvPicPr>
-          <p:cNvPr id="13" name="Graphic 12">
-            <a:extLst>
-              <a:ext uri="{FF2B5EF4-FFF2-40B4-BE49-F238E27FC236}">
-                <a16:creationId xmlns:a16="http://schemas.microsoft.com/office/drawing/2014/main" id="{9351729C-5EAE-30DF-9F20-03B70AE600C2}"/>
+          <p:cNvPr id="17" name="Picture 16" descr="Chart, scatter chart&#10;&#10;Description automatically generated">
+            <a:extLst>
+              <a:ext uri="{FF2B5EF4-FFF2-40B4-BE49-F238E27FC236}">
+                <a16:creationId xmlns:a16="http://schemas.microsoft.com/office/drawing/2014/main" id="{88B0E03D-51F4-C11A-B302-341AC112CC68}"/>
               </a:ext>
             </a:extLst>
           </p:cNvPr>
@@ -7559,21 +7469,15 @@
           <p:nvPr/>
         </p:nvPicPr>
         <p:blipFill>
-          <a:blip r:embed="rId2">
-            <a:extLst>
-              <a:ext uri="{96DAC541-7B7A-43D3-8B79-37D633B846F1}">
-                <asvg:svgBlip xmlns:asvg="http://schemas.microsoft.com/office/drawing/2016/SVG/main" r:embed="rId3"/>
-              </a:ext>
-            </a:extLst>
-          </a:blip>
+          <a:blip r:embed="rId2"/>
           <a:stretch>
             <a:fillRect/>
           </a:stretch>
         </p:blipFill>
         <p:spPr>
           <a:xfrm>
-            <a:off x="8791575" y="2147887"/>
-            <a:ext cx="2838450" cy="2562225"/>
+            <a:off x="8347077" y="1650534"/>
+            <a:ext cx="3660365" cy="3556932"/>
           </a:xfrm>
           <a:prstGeom prst="rect">
             <a:avLst/>
@@ -7583,7 +7487,7 @@
     </p:spTree>
     <p:extLst>
       <p:ext uri="{BB962C8B-B14F-4D97-AF65-F5344CB8AC3E}">
-        <p14:creationId xmlns:p14="http://schemas.microsoft.com/office/powerpoint/2010/main" val="2659909966"/>
+        <p14:creationId xmlns:p14="http://schemas.microsoft.com/office/powerpoint/2010/main" val="4177666413"/>
       </p:ext>
     </p:extLst>
   </p:cSld>
@@ -7615,7 +7519,7 @@
           <p:cNvPr id="9" name="Title 8">
             <a:extLst>
               <a:ext uri="{FF2B5EF4-FFF2-40B4-BE49-F238E27FC236}">
-                <a16:creationId xmlns:a16="http://schemas.microsoft.com/office/drawing/2014/main" id="{A80BDB70-CF7E-F2F5-69DC-F8521A36BEF5}"/>
+                <a16:creationId xmlns:a16="http://schemas.microsoft.com/office/drawing/2014/main" id="{B707D798-9D51-B692-BC87-D62F356171FB}"/>
               </a:ext>
             </a:extLst>
           </p:cNvPr>
@@ -7635,7 +7539,11 @@
           <a:p>
             <a:r>
               <a:rPr lang="de-AT" dirty="0" err="1"/>
-              <a:t>kNN</a:t>
+              <a:t>kMeans</a:t>
+            </a:r>
+            <a:r>
+              <a:rPr lang="de-AT" dirty="0"/>
+              <a:t> Clustering</a:t>
             </a:r>
             <a:endParaRPr lang="en-US" dirty="0"/>
           </a:p>
@@ -7646,7 +7554,7 @@
           <p:cNvPr id="10" name="Content Placeholder 9">
             <a:extLst>
               <a:ext uri="{FF2B5EF4-FFF2-40B4-BE49-F238E27FC236}">
-                <a16:creationId xmlns:a16="http://schemas.microsoft.com/office/drawing/2014/main" id="{1191278D-B784-D8AB-B14F-38BC6FC1BA81}"/>
+                <a16:creationId xmlns:a16="http://schemas.microsoft.com/office/drawing/2014/main" id="{655D2FC3-4DE4-8337-E55C-257B36F4CA45}"/>
               </a:ext>
             </a:extLst>
           </p:cNvPr>
@@ -7655,6 +7563,250 @@
           </p:cNvSpPr>
           <p:nvPr>
             <p:ph sz="quarter" idx="14"/>
+          </p:nvPr>
+        </p:nvSpPr>
+        <p:spPr/>
+        <p:txBody>
+          <a:bodyPr>
+            <a:normAutofit lnSpcReduction="10000"/>
+          </a:bodyPr>
+          <a:lstStyle/>
+          <a:p>
+            <a:pPr marL="457200" indent="-457200">
+              <a:buFont typeface="+mj-lt"/>
+              <a:buAutoNum type="arabicPeriod"/>
+            </a:pPr>
+            <a:r>
+              <a:rPr lang="de-AT" dirty="0" err="1"/>
+              <a:t>Initially</a:t>
+            </a:r>
+            <a:r>
+              <a:rPr lang="de-AT" dirty="0"/>
+              <a:t> </a:t>
+            </a:r>
+            <a:r>
+              <a:rPr lang="de-AT" dirty="0" err="1"/>
+              <a:t>select</a:t>
+            </a:r>
+            <a:r>
+              <a:rPr lang="de-AT" dirty="0"/>
+              <a:t> </a:t>
+            </a:r>
+            <a:r>
+              <a:rPr lang="de-AT" i="1" dirty="0"/>
+              <a:t>k</a:t>
+            </a:r>
+            <a:r>
+              <a:rPr lang="de-AT" dirty="0"/>
+              <a:t> </a:t>
+            </a:r>
+            <a:r>
+              <a:rPr lang="de-AT" dirty="0" err="1"/>
+              <a:t>random</a:t>
+            </a:r>
+            <a:r>
+              <a:rPr lang="de-AT" dirty="0"/>
+              <a:t> </a:t>
+            </a:r>
+            <a:r>
+              <a:rPr lang="de-AT" dirty="0" err="1"/>
+              <a:t>datapoints</a:t>
+            </a:r>
+            <a:r>
+              <a:rPr lang="de-AT" dirty="0"/>
+              <a:t> (</a:t>
+            </a:r>
+            <a:r>
+              <a:rPr lang="de-AT" dirty="0" err="1"/>
+              <a:t>documents</a:t>
+            </a:r>
+            <a:r>
+              <a:rPr lang="de-AT" dirty="0"/>
+              <a:t>) </a:t>
+            </a:r>
+            <a:r>
+              <a:rPr lang="de-AT" dirty="0" err="1"/>
+              <a:t>as</a:t>
+            </a:r>
+            <a:r>
+              <a:rPr lang="de-AT" dirty="0"/>
+              <a:t> </a:t>
+            </a:r>
+            <a:r>
+              <a:rPr lang="de-AT" dirty="0" err="1"/>
+              <a:t>cluster</a:t>
+            </a:r>
+            <a:r>
+              <a:rPr lang="de-AT" dirty="0"/>
+              <a:t> </a:t>
+            </a:r>
+            <a:r>
+              <a:rPr lang="de-AT" dirty="0" err="1"/>
+              <a:t>centroids</a:t>
+            </a:r>
+            <a:endParaRPr lang="de-AT" dirty="0"/>
+          </a:p>
+          <a:p>
+            <a:pPr marL="457200" indent="-457200">
+              <a:buFont typeface="+mj-lt"/>
+              <a:buAutoNum type="arabicPeriod"/>
+            </a:pPr>
+            <a:r>
+              <a:rPr lang="de-AT" dirty="0" err="1"/>
+              <a:t>Assign</a:t>
+            </a:r>
+            <a:r>
+              <a:rPr lang="de-AT" dirty="0"/>
+              <a:t> </a:t>
+            </a:r>
+            <a:r>
+              <a:rPr lang="de-AT" dirty="0" err="1"/>
+              <a:t>each</a:t>
+            </a:r>
+            <a:r>
+              <a:rPr lang="de-AT" dirty="0"/>
+              <a:t> </a:t>
+            </a:r>
+            <a:r>
+              <a:rPr lang="de-AT" dirty="0" err="1"/>
+              <a:t>document</a:t>
+            </a:r>
+            <a:r>
+              <a:rPr lang="de-AT" dirty="0"/>
+              <a:t> in </a:t>
+            </a:r>
+            <a:r>
+              <a:rPr lang="de-AT" dirty="0" err="1"/>
+              <a:t>the</a:t>
+            </a:r>
+            <a:r>
+              <a:rPr lang="de-AT" dirty="0"/>
+              <a:t> </a:t>
+            </a:r>
+            <a:r>
+              <a:rPr lang="de-AT" dirty="0" err="1"/>
+              <a:t>corpus</a:t>
+            </a:r>
+            <a:r>
+              <a:rPr lang="de-AT" dirty="0"/>
+              <a:t> </a:t>
+            </a:r>
+            <a:r>
+              <a:rPr lang="de-AT" dirty="0" err="1"/>
+              <a:t>to</a:t>
+            </a:r>
+            <a:r>
+              <a:rPr lang="de-AT" dirty="0"/>
+              <a:t> </a:t>
+            </a:r>
+            <a:r>
+              <a:rPr lang="de-AT" dirty="0" err="1"/>
+              <a:t>the</a:t>
+            </a:r>
+            <a:r>
+              <a:rPr lang="de-AT" dirty="0"/>
+              <a:t> </a:t>
+            </a:r>
+            <a:r>
+              <a:rPr lang="de-AT" dirty="0" err="1"/>
+              <a:t>nearest</a:t>
+            </a:r>
+            <a:r>
+              <a:rPr lang="de-AT" dirty="0"/>
+              <a:t> </a:t>
+            </a:r>
+            <a:r>
+              <a:rPr lang="de-AT" dirty="0" err="1"/>
+              <a:t>centroid</a:t>
+            </a:r>
+            <a:endParaRPr lang="de-AT" dirty="0"/>
+          </a:p>
+          <a:p>
+            <a:pPr marL="457200" indent="-457200">
+              <a:buFont typeface="+mj-lt"/>
+              <a:buAutoNum type="arabicPeriod"/>
+            </a:pPr>
+            <a:r>
+              <a:rPr lang="en-US" dirty="0"/>
+              <a:t>Calculate new cluster centroids</a:t>
+            </a:r>
+          </a:p>
+          <a:p>
+            <a:pPr marL="457200" indent="-457200">
+              <a:buFont typeface="+mj-lt"/>
+              <a:buAutoNum type="arabicPeriod"/>
+            </a:pPr>
+            <a:r>
+              <a:rPr lang="en-US" dirty="0"/>
+              <a:t>Repeat 2. and 3. until convergence or maximum iteration (or other stopping criterion) is met</a:t>
+            </a:r>
+          </a:p>
+          <a:p>
+            <a:pPr marL="0" indent="0">
+              <a:buNone/>
+            </a:pPr>
+            <a:r>
+              <a:rPr lang="en-US" b="1" dirty="0"/>
+              <a:t>Exercise 3: </a:t>
+            </a:r>
+            <a:r>
+              <a:rPr lang="en-US" dirty="0">
+                <a:solidFill>
+                  <a:schemeClr val="accent1"/>
+                </a:solidFill>
+                <a:hlinkClick r:id="rId2">
+                  <a:extLst>
+                    <a:ext uri="{A12FA001-AC4F-418D-AE19-62706E023703}">
+                      <ahyp:hlinkClr xmlns:ahyp="http://schemas.microsoft.com/office/drawing/2018/hyperlinkcolor" val="tx"/>
+                    </a:ext>
+                  </a:extLst>
+                </a:hlinkClick>
+              </a:rPr>
+              <a:t>https://github.com/michabirklbauer/hgb_dse_text_mining/blob/master/Features_Clustering.ipynb</a:t>
+            </a:r>
+            <a:br>
+              <a:rPr lang="en-US" dirty="0"/>
+            </a:br>
+            <a:r>
+              <a:rPr lang="en-US" dirty="0">
+                <a:solidFill>
+                  <a:schemeClr val="accent1"/>
+                </a:solidFill>
+                <a:hlinkClick r:id="rId3">
+                  <a:extLst>
+                    <a:ext uri="{A12FA001-AC4F-418D-AE19-62706E023703}">
+                      <ahyp:hlinkClr xmlns:ahyp="http://schemas.microsoft.com/office/drawing/2018/hyperlinkcolor" val="tx"/>
+                    </a:ext>
+                  </a:extLst>
+                </a:hlinkClick>
+              </a:rPr>
+              <a:t>https://colab.research.google.com/github/michabirklbauer/hgb_dse_text_mining/blob/master/Features_Clustering.ipynb</a:t>
+            </a:r>
+            <a:r>
+              <a:rPr lang="en-US" dirty="0">
+                <a:solidFill>
+                  <a:schemeClr val="accent1"/>
+                </a:solidFill>
+              </a:rPr>
+              <a:t> </a:t>
+            </a:r>
+          </a:p>
+        </p:txBody>
+      </p:sp>
+      <p:sp>
+        <p:nvSpPr>
+          <p:cNvPr id="3" name="Footer Placeholder 2">
+            <a:extLst>
+              <a:ext uri="{FF2B5EF4-FFF2-40B4-BE49-F238E27FC236}">
+                <a16:creationId xmlns:a16="http://schemas.microsoft.com/office/drawing/2014/main" id="{C9809067-E5EF-D971-F975-72C125549E69}"/>
+              </a:ext>
+            </a:extLst>
+          </p:cNvPr>
+          <p:cNvSpPr>
+            <a:spLocks noGrp="1"/>
+          </p:cNvSpPr>
+          <p:nvPr>
+            <p:ph type="ftr" sz="quarter" idx="11"/>
           </p:nvPr>
         </p:nvSpPr>
         <p:spPr/>
@@ -7663,149 +7815,6 @@
           <a:lstStyle/>
           <a:p>
             <a:r>
-              <a:rPr lang="de-AT" dirty="0" err="1"/>
-              <a:t>Predict</a:t>
-            </a:r>
-            <a:r>
-              <a:rPr lang="de-AT" dirty="0"/>
-              <a:t> </a:t>
-            </a:r>
-            <a:r>
-              <a:rPr lang="de-AT" dirty="0" err="1"/>
-              <a:t>the</a:t>
-            </a:r>
-            <a:r>
-              <a:rPr lang="de-AT" dirty="0"/>
-              <a:t> </a:t>
-            </a:r>
-            <a:r>
-              <a:rPr lang="de-AT" dirty="0" err="1"/>
-              <a:t>class</a:t>
-            </a:r>
-            <a:r>
-              <a:rPr lang="de-AT" dirty="0"/>
-              <a:t> </a:t>
-            </a:r>
-            <a:r>
-              <a:rPr lang="de-AT" dirty="0" err="1"/>
-              <a:t>that</a:t>
-            </a:r>
-            <a:r>
-              <a:rPr lang="de-AT" dirty="0"/>
-              <a:t> </a:t>
-            </a:r>
-            <a:r>
-              <a:rPr lang="de-AT" dirty="0" err="1"/>
-              <a:t>is</a:t>
-            </a:r>
-            <a:r>
-              <a:rPr lang="de-AT" dirty="0"/>
-              <a:t> </a:t>
-            </a:r>
-            <a:r>
-              <a:rPr lang="de-AT" dirty="0" err="1"/>
-              <a:t>most</a:t>
-            </a:r>
-            <a:r>
-              <a:rPr lang="de-AT" dirty="0"/>
-              <a:t> frequent </a:t>
-            </a:r>
-            <a:r>
-              <a:rPr lang="de-AT" dirty="0" err="1"/>
-              <a:t>among</a:t>
-            </a:r>
-            <a:r>
-              <a:rPr lang="de-AT" dirty="0"/>
-              <a:t> </a:t>
-            </a:r>
-            <a:r>
-              <a:rPr lang="de-AT" dirty="0" err="1"/>
-              <a:t>the</a:t>
-            </a:r>
-            <a:r>
-              <a:rPr lang="de-AT" dirty="0"/>
-              <a:t> </a:t>
-            </a:r>
-            <a:r>
-              <a:rPr lang="de-AT" i="1" dirty="0"/>
-              <a:t>k</a:t>
-            </a:r>
-            <a:r>
-              <a:rPr lang="de-AT" dirty="0"/>
-              <a:t> </a:t>
-            </a:r>
-            <a:r>
-              <a:rPr lang="de-AT" dirty="0" err="1"/>
-              <a:t>closest</a:t>
-            </a:r>
-            <a:r>
-              <a:rPr lang="de-AT" dirty="0"/>
-              <a:t> </a:t>
-            </a:r>
-            <a:r>
-              <a:rPr lang="de-AT" dirty="0" err="1"/>
-              <a:t>datapoints</a:t>
-            </a:r>
-            <a:r>
-              <a:rPr lang="de-AT" dirty="0"/>
-              <a:t> (</a:t>
-            </a:r>
-            <a:r>
-              <a:rPr lang="de-AT" dirty="0" err="1"/>
-              <a:t>documents</a:t>
-            </a:r>
-            <a:r>
-              <a:rPr lang="de-AT" dirty="0"/>
-              <a:t>)</a:t>
-            </a:r>
-          </a:p>
-          <a:p>
-            <a:r>
-              <a:rPr lang="de-AT" dirty="0"/>
-              <a:t>(</a:t>
-            </a:r>
-            <a:r>
-              <a:rPr lang="de-AT" dirty="0" err="1"/>
-              <a:t>That‘s</a:t>
-            </a:r>
-            <a:r>
-              <a:rPr lang="de-AT" dirty="0"/>
-              <a:t> </a:t>
-            </a:r>
-            <a:r>
-              <a:rPr lang="de-AT" dirty="0" err="1"/>
-              <a:t>it</a:t>
-            </a:r>
-            <a:r>
-              <a:rPr lang="de-AT" dirty="0"/>
-              <a:t>…)</a:t>
-            </a:r>
-            <a:endParaRPr lang="en-US" dirty="0"/>
-          </a:p>
-        </p:txBody>
-      </p:sp>
-      <p:sp>
-        <p:nvSpPr>
-          <p:cNvPr id="3" name="Footer Placeholder 2">
-            <a:extLst>
-              <a:ext uri="{FF2B5EF4-FFF2-40B4-BE49-F238E27FC236}">
-                <a16:creationId xmlns:a16="http://schemas.microsoft.com/office/drawing/2014/main" id="{9FC5480B-2757-C6D2-9AEB-AB49DD6AD7B1}"/>
-              </a:ext>
-            </a:extLst>
-          </p:cNvPr>
-          <p:cNvSpPr>
-            <a:spLocks noGrp="1"/>
-          </p:cNvSpPr>
-          <p:nvPr>
-            <p:ph type="ftr" sz="quarter" idx="11"/>
-          </p:nvPr>
-        </p:nvSpPr>
-        <p:spPr/>
-        <p:txBody>
-          <a:bodyPr/>
-          <a:lstStyle/>
-          <a:p>
-            <a:r>
               <a:rPr lang="en-US" dirty="0"/>
               <a:t>Natural Language Processing</a:t>
             </a:r>
@@ -7817,7 +7826,7 @@
           <p:cNvPr id="7" name="Date Placeholder 6">
             <a:extLst>
               <a:ext uri="{FF2B5EF4-FFF2-40B4-BE49-F238E27FC236}">
-                <a16:creationId xmlns:a16="http://schemas.microsoft.com/office/drawing/2014/main" id="{706BF844-5DDE-78CA-5DE0-C2E824596A72}"/>
+                <a16:creationId xmlns:a16="http://schemas.microsoft.com/office/drawing/2014/main" id="{50BCCDB0-8F07-2291-39C0-0089AC98D3CB}"/>
               </a:ext>
             </a:extLst>
           </p:cNvPr>
@@ -7842,7 +7851,7 @@
                   <a:prstClr val="black"/>
                 </a:solidFill>
               </a:rPr>
-              <a:t>2022</a:t>
+              <a:t>2023</a:t>
             </a:r>
           </a:p>
         </p:txBody>
@@ -7852,7 +7861,7 @@
           <p:cNvPr id="8" name="Slide Number Placeholder 7">
             <a:extLst>
               <a:ext uri="{FF2B5EF4-FFF2-40B4-BE49-F238E27FC236}">
-                <a16:creationId xmlns:a16="http://schemas.microsoft.com/office/drawing/2014/main" id="{BBC0FE3C-1AC6-9A61-57D6-65FD9BA2E7A3}"/>
+                <a16:creationId xmlns:a16="http://schemas.microsoft.com/office/drawing/2014/main" id="{1CECD37F-D187-0BC8-4EA4-19D5702C5C90}"/>
               </a:ext>
             </a:extLst>
           </p:cNvPr>
@@ -7939,7 +7948,7 @@
     </p:spTree>
     <p:extLst>
       <p:ext uri="{BB962C8B-B14F-4D97-AF65-F5344CB8AC3E}">
-        <p14:creationId xmlns:p14="http://schemas.microsoft.com/office/powerpoint/2010/main" val="973048834"/>
+        <p14:creationId xmlns:p14="http://schemas.microsoft.com/office/powerpoint/2010/main" val="532079423"/>
       </p:ext>
     </p:extLst>
   </p:cSld>
@@ -7968,49 +7977,49 @@
       </p:grpSpPr>
       <p:sp>
         <p:nvSpPr>
-          <p:cNvPr id="2" name="Title 1">
-            <a:extLst>
-              <a:ext uri="{FF2B5EF4-FFF2-40B4-BE49-F238E27FC236}">
-                <a16:creationId xmlns:a16="http://schemas.microsoft.com/office/drawing/2014/main" id="{E08E6234-D0DE-1B58-F458-CF35571E2F2E}"/>
-              </a:ext>
-            </a:extLst>
-          </p:cNvPr>
-          <p:cNvSpPr>
-            <a:spLocks noGrp="1"/>
-          </p:cNvSpPr>
-          <p:nvPr>
-            <p:ph type="title"/>
+          <p:cNvPr id="7" name="Title 6">
+            <a:extLst>
+              <a:ext uri="{FF2B5EF4-FFF2-40B4-BE49-F238E27FC236}">
+                <a16:creationId xmlns:a16="http://schemas.microsoft.com/office/drawing/2014/main" id="{CECD23D9-5A2D-F9F5-A264-1D5F14C9A893}"/>
+              </a:ext>
+            </a:extLst>
+          </p:cNvPr>
+          <p:cNvSpPr>
+            <a:spLocks noGrp="1"/>
+          </p:cNvSpPr>
+          <p:nvPr>
+            <p:ph type="ctrTitle"/>
           </p:nvPr>
         </p:nvSpPr>
         <p:spPr/>
         <p:txBody>
           <a:bodyPr>
-            <a:normAutofit fontScale="90000"/>
+            <a:normAutofit/>
           </a:bodyPr>
           <a:lstStyle/>
           <a:p>
             <a:r>
-              <a:rPr lang="de-AT" dirty="0" err="1"/>
-              <a:t>naiveBayes</a:t>
-            </a:r>
-            <a:endParaRPr lang="en-US" dirty="0"/>
-          </a:p>
-        </p:txBody>
-      </p:sp>
-      <p:sp>
-        <p:nvSpPr>
-          <p:cNvPr id="3" name="Content Placeholder 2">
-            <a:extLst>
-              <a:ext uri="{FF2B5EF4-FFF2-40B4-BE49-F238E27FC236}">
-                <a16:creationId xmlns:a16="http://schemas.microsoft.com/office/drawing/2014/main" id="{1A8EB986-02F1-F02B-2858-654E77D2BE28}"/>
-              </a:ext>
-            </a:extLst>
-          </p:cNvPr>
-          <p:cNvSpPr>
-            <a:spLocks noGrp="1"/>
-          </p:cNvSpPr>
-          <p:nvPr>
-            <p:ph sz="quarter" idx="14"/>
+              <a:rPr lang="de-AT" sz="8000" dirty="0"/>
+              <a:t>Classification</a:t>
+            </a:r>
+            <a:endParaRPr lang="en-US" sz="8000" dirty="0"/>
+          </a:p>
+        </p:txBody>
+      </p:sp>
+      <p:sp>
+        <p:nvSpPr>
+          <p:cNvPr id="8" name="Subtitle 7">
+            <a:extLst>
+              <a:ext uri="{FF2B5EF4-FFF2-40B4-BE49-F238E27FC236}">
+                <a16:creationId xmlns:a16="http://schemas.microsoft.com/office/drawing/2014/main" id="{2DB7E58C-BBDC-07C0-6E67-B95029958554}"/>
+              </a:ext>
+            </a:extLst>
+          </p:cNvPr>
+          <p:cNvSpPr>
+            <a:spLocks noGrp="1"/>
+          </p:cNvSpPr>
+          <p:nvPr>
+            <p:ph type="subTitle" idx="1"/>
           </p:nvPr>
         </p:nvSpPr>
         <p:spPr/>
@@ -8019,301 +8028,27 @@
           <a:lstStyle/>
           <a:p>
             <a:r>
-              <a:rPr lang="de-AT" dirty="0"/>
-              <a:t>The </a:t>
-            </a:r>
-            <a:r>
-              <a:rPr lang="de-AT" dirty="0" err="1"/>
-              <a:t>probability</a:t>
-            </a:r>
-            <a:r>
-              <a:rPr lang="de-AT" dirty="0"/>
-              <a:t> </a:t>
-            </a:r>
-            <a:r>
-              <a:rPr lang="de-AT" dirty="0" err="1"/>
-              <a:t>of</a:t>
-            </a:r>
-            <a:r>
-              <a:rPr lang="de-AT" dirty="0"/>
-              <a:t> </a:t>
-            </a:r>
-            <a:r>
-              <a:rPr lang="de-AT" dirty="0" err="1"/>
-              <a:t>class</a:t>
-            </a:r>
-            <a:r>
-              <a:rPr lang="de-AT" dirty="0"/>
-              <a:t> </a:t>
-            </a:r>
-            <a:r>
-              <a:rPr lang="de-AT" i="1" dirty="0"/>
-              <a:t>C</a:t>
-            </a:r>
-            <a:r>
-              <a:rPr lang="de-AT" dirty="0"/>
-              <a:t> </a:t>
-            </a:r>
-            <a:r>
-              <a:rPr lang="de-AT" dirty="0" err="1"/>
-              <a:t>given</a:t>
-            </a:r>
-            <a:r>
-              <a:rPr lang="de-AT" dirty="0"/>
-              <a:t> feature </a:t>
-            </a:r>
-            <a:r>
-              <a:rPr lang="de-AT" i="1" dirty="0"/>
-              <a:t>F</a:t>
-            </a:r>
-            <a:r>
-              <a:rPr lang="de-AT" dirty="0"/>
-              <a:t> </a:t>
-            </a:r>
-            <a:r>
-              <a:rPr lang="de-AT" dirty="0" err="1"/>
-              <a:t>is</a:t>
-            </a:r>
-            <a:r>
-              <a:rPr lang="de-AT" dirty="0"/>
-              <a:t> </a:t>
-            </a:r>
-            <a:r>
-              <a:rPr lang="de-AT" dirty="0" err="1"/>
-              <a:t>according</a:t>
-            </a:r>
-            <a:r>
-              <a:rPr lang="de-AT" dirty="0"/>
-              <a:t> </a:t>
-            </a:r>
-            <a:r>
-              <a:rPr lang="de-AT" dirty="0" err="1"/>
-              <a:t>to</a:t>
-            </a:r>
-            <a:r>
-              <a:rPr lang="de-AT" dirty="0"/>
-              <a:t> Bayes Theorem </a:t>
-            </a:r>
-            <a:r>
-              <a:rPr lang="de-AT" dirty="0" err="1"/>
-              <a:t>given</a:t>
-            </a:r>
-            <a:r>
-              <a:rPr lang="de-AT" dirty="0"/>
-              <a:t> </a:t>
-            </a:r>
-            <a:r>
-              <a:rPr lang="de-AT" dirty="0" err="1"/>
-              <a:t>as</a:t>
-            </a:r>
-            <a:r>
-              <a:rPr lang="de-AT" dirty="0"/>
-              <a:t>: </a:t>
-            </a:r>
-          </a:p>
-          <a:p>
-            <a:pPr lvl="1"/>
+              <a:rPr lang="de-AT" dirty="0" err="1"/>
+              <a:t>kNN</a:t>
+            </a:r>
+            <a:r>
+              <a:rPr lang="de-AT" dirty="0"/>
+              <a:t>, </a:t>
+            </a:r>
+            <a:r>
+              <a:rPr lang="de-AT" dirty="0" err="1"/>
+              <a:t>naiveBayes</a:t>
+            </a:r>
             <a:endParaRPr lang="en-US" dirty="0"/>
-          </a:p>
-          <a:p>
-            <a:pPr lvl="1"/>
-            <a:endParaRPr lang="en-US" dirty="0"/>
-          </a:p>
-          <a:p>
-            <a:r>
-              <a:rPr lang="en-US" dirty="0"/>
-              <a:t>We want to predict the Class </a:t>
-            </a:r>
-            <a:r>
-              <a:rPr lang="en-US" i="1" dirty="0"/>
-              <a:t>C</a:t>
-            </a:r>
-            <a:r>
-              <a:rPr lang="en-US" i="1" baseline="-25000" dirty="0"/>
-              <a:t>MAP</a:t>
-            </a:r>
-            <a:r>
-              <a:rPr lang="en-US" dirty="0"/>
-              <a:t> that has the highest probability given </a:t>
-            </a:r>
-            <a:r>
-              <a:rPr lang="en-US" i="1" dirty="0"/>
-              <a:t>F</a:t>
-            </a:r>
-            <a:r>
-              <a:rPr lang="en-US" dirty="0"/>
-              <a:t>, we call that the class with the maximum a-posteriori probability</a:t>
-            </a:r>
-          </a:p>
-        </p:txBody>
-      </p:sp>
-      <p:sp>
-        <p:nvSpPr>
-          <p:cNvPr id="4" name="Footer Placeholder 3">
-            <a:extLst>
-              <a:ext uri="{FF2B5EF4-FFF2-40B4-BE49-F238E27FC236}">
-                <a16:creationId xmlns:a16="http://schemas.microsoft.com/office/drawing/2014/main" id="{D212FA7C-2A67-BAFA-F28B-1A2ACDA3D1E3}"/>
-              </a:ext>
-            </a:extLst>
-          </p:cNvPr>
-          <p:cNvSpPr>
-            <a:spLocks noGrp="1"/>
-          </p:cNvSpPr>
-          <p:nvPr>
-            <p:ph type="ftr" sz="quarter" idx="11"/>
-          </p:nvPr>
-        </p:nvSpPr>
-        <p:spPr/>
-        <p:txBody>
-          <a:bodyPr/>
-          <a:lstStyle/>
-          <a:p>
-            <a:r>
-              <a:rPr lang="de-AT" dirty="0">
-                <a:solidFill>
-                  <a:prstClr val="black"/>
-                </a:solidFill>
-              </a:rPr>
-              <a:t>Natural Language Processing</a:t>
-            </a:r>
-            <a:endParaRPr lang="en-US" dirty="0">
-              <a:solidFill>
-                <a:prstClr val="black"/>
-              </a:solidFill>
-            </a:endParaRPr>
-          </a:p>
-        </p:txBody>
-      </p:sp>
-      <p:sp>
-        <p:nvSpPr>
-          <p:cNvPr id="5" name="Date Placeholder 4">
-            <a:extLst>
-              <a:ext uri="{FF2B5EF4-FFF2-40B4-BE49-F238E27FC236}">
-                <a16:creationId xmlns:a16="http://schemas.microsoft.com/office/drawing/2014/main" id="{6422390A-8ABD-E9C4-11EE-99AB9E45BC46}"/>
-              </a:ext>
-            </a:extLst>
-          </p:cNvPr>
-          <p:cNvSpPr>
-            <a:spLocks noGrp="1"/>
-          </p:cNvSpPr>
-          <p:nvPr>
-            <p:ph type="dt" sz="half" idx="10"/>
-          </p:nvPr>
-        </p:nvSpPr>
-        <p:spPr/>
-        <p:txBody>
-          <a:bodyPr/>
-          <a:lstStyle/>
-          <a:p>
-            <a:pPr>
-              <a:defRPr/>
-            </a:pPr>
-            <a:r>
-              <a:rPr lang="en-US" dirty="0">
-                <a:solidFill>
-                  <a:prstClr val="black"/>
-                </a:solidFill>
-              </a:rPr>
-              <a:t>2022</a:t>
-            </a:r>
-          </a:p>
-        </p:txBody>
-      </p:sp>
-      <p:sp>
-        <p:nvSpPr>
-          <p:cNvPr id="6" name="Slide Number Placeholder 5">
-            <a:extLst>
-              <a:ext uri="{FF2B5EF4-FFF2-40B4-BE49-F238E27FC236}">
-                <a16:creationId xmlns:a16="http://schemas.microsoft.com/office/drawing/2014/main" id="{3AFC8D9B-A4D4-89FF-0020-18DBF7264CC7}"/>
-              </a:ext>
-            </a:extLst>
-          </p:cNvPr>
-          <p:cNvSpPr>
-            <a:spLocks noGrp="1"/>
-          </p:cNvSpPr>
-          <p:nvPr>
-            <p:ph type="sldNum" sz="quarter" idx="12"/>
-          </p:nvPr>
-        </p:nvSpPr>
-        <p:spPr/>
-        <p:txBody>
-          <a:bodyPr/>
-          <a:lstStyle/>
-          <a:p>
-            <a:pPr marL="0" marR="0" lvl="0" indent="0" algn="r" defTabSz="914400" rtl="0" eaLnBrk="1" fontAlgn="auto" latinLnBrk="0" hangingPunct="1">
-              <a:lnSpc>
-                <a:spcPct val="100000"/>
-              </a:lnSpc>
-              <a:spcBef>
-                <a:spcPts val="0"/>
-              </a:spcBef>
-              <a:spcAft>
-                <a:spcPts val="0"/>
-              </a:spcAft>
-              <a:buClrTx/>
-              <a:buSzTx/>
-              <a:buFontTx/>
-              <a:buNone/>
-              <a:tabLst/>
-              <a:defRPr/>
-            </a:pPr>
-            <a:fld id="{06B786C7-B8F9-4072-AAAA-17258464D730}" type="slidenum">
-              <a:rPr kumimoji="0" lang="en-US" sz="1050" b="0" i="0" u="none" strike="noStrike" kern="1200" cap="none" spc="0" normalizeH="0" baseline="0" noProof="0" smtClean="0">
-                <a:ln>
-                  <a:noFill/>
-                </a:ln>
-                <a:solidFill>
-                  <a:prstClr val="black"/>
-                </a:solidFill>
-                <a:effectLst/>
-                <a:uLnTx/>
-                <a:uFillTx/>
-                <a:latin typeface="Avenir Next LT Pro"/>
-                <a:ea typeface="+mn-ea"/>
-                <a:cs typeface="+mn-cs"/>
-              </a:rPr>
-              <a:pPr marL="0" marR="0" lvl="0" indent="0" algn="r" defTabSz="914400" rtl="0" eaLnBrk="1" fontAlgn="auto" latinLnBrk="0" hangingPunct="1">
-                <a:lnSpc>
-                  <a:spcPct val="100000"/>
-                </a:lnSpc>
-                <a:spcBef>
-                  <a:spcPts val="0"/>
-                </a:spcBef>
-                <a:spcAft>
-                  <a:spcPts val="0"/>
-                </a:spcAft>
-                <a:buClrTx/>
-                <a:buSzTx/>
-                <a:buFontTx/>
-                <a:buNone/>
-                <a:tabLst/>
-                <a:defRPr/>
-              </a:pPr>
-              <a:t>16</a:t>
-            </a:fld>
-            <a:endParaRPr kumimoji="0" lang="en-US" sz="1050" b="0" i="0" u="none" strike="noStrike" kern="1200" cap="none" spc="0" normalizeH="0" baseline="0" noProof="0" dirty="0">
-              <a:ln>
-                <a:noFill/>
-              </a:ln>
-              <a:solidFill>
-                <a:prstClr val="black"/>
-              </a:solidFill>
-              <a:effectLst/>
-              <a:uLnTx/>
-              <a:uFillTx/>
-              <a:latin typeface="Avenir Next LT Pro"/>
-              <a:ea typeface="+mn-ea"/>
-              <a:cs typeface="+mn-cs"/>
-            </a:endParaRPr>
           </a:p>
         </p:txBody>
       </p:sp>
       <p:pic>
         <p:nvPicPr>
-          <p:cNvPr id="8" name="Picture 7">
-            <a:extLst>
-              <a:ext uri="{FF2B5EF4-FFF2-40B4-BE49-F238E27FC236}">
-                <a16:creationId xmlns:a16="http://schemas.microsoft.com/office/drawing/2014/main" id="{A2DA75B7-DD11-12EB-2AB3-38AA1C4453E5}"/>
+          <p:cNvPr id="13" name="Graphic 12">
+            <a:extLst>
+              <a:ext uri="{FF2B5EF4-FFF2-40B4-BE49-F238E27FC236}">
+                <a16:creationId xmlns:a16="http://schemas.microsoft.com/office/drawing/2014/main" id="{9351729C-5EAE-30DF-9F20-03B70AE600C2}"/>
               </a:ext>
             </a:extLst>
           </p:cNvPr>
@@ -8323,75 +8058,21 @@
           <p:nvPr/>
         </p:nvPicPr>
         <p:blipFill>
-          <a:blip r:embed="rId2"/>
+          <a:blip r:embed="rId2">
+            <a:extLst>
+              <a:ext uri="{96DAC541-7B7A-43D3-8B79-37D633B846F1}">
+                <asvg:svgBlip xmlns:asvg="http://schemas.microsoft.com/office/drawing/2016/SVG/main" r:embed="rId3"/>
+              </a:ext>
+            </a:extLst>
+          </a:blip>
           <a:stretch>
             <a:fillRect/>
           </a:stretch>
         </p:blipFill>
         <p:spPr>
           <a:xfrm>
-            <a:off x="4646771" y="2538544"/>
-            <a:ext cx="2133600" cy="723900"/>
-          </a:xfrm>
-          <a:prstGeom prst="rect">
-            <a:avLst/>
-          </a:prstGeom>
-        </p:spPr>
-      </p:pic>
-      <p:pic>
-        <p:nvPicPr>
-          <p:cNvPr id="10" name="Picture 9">
-            <a:extLst>
-              <a:ext uri="{FF2B5EF4-FFF2-40B4-BE49-F238E27FC236}">
-                <a16:creationId xmlns:a16="http://schemas.microsoft.com/office/drawing/2014/main" id="{09E2F4BB-43EB-87EE-5976-32DF59E03E62}"/>
-              </a:ext>
-            </a:extLst>
-          </p:cNvPr>
-          <p:cNvPicPr>
-            <a:picLocks noChangeAspect="1"/>
-          </p:cNvPicPr>
-          <p:nvPr/>
-        </p:nvPicPr>
-        <p:blipFill>
-          <a:blip r:embed="rId3"/>
-          <a:stretch>
-            <a:fillRect/>
-          </a:stretch>
-        </p:blipFill>
-        <p:spPr>
-          <a:xfrm>
-            <a:off x="4410075" y="4457700"/>
-            <a:ext cx="3371850" cy="704850"/>
-          </a:xfrm>
-          <a:prstGeom prst="rect">
-            <a:avLst/>
-          </a:prstGeom>
-        </p:spPr>
-      </p:pic>
-      <p:pic>
-        <p:nvPicPr>
-          <p:cNvPr id="12" name="Picture 11">
-            <a:extLst>
-              <a:ext uri="{FF2B5EF4-FFF2-40B4-BE49-F238E27FC236}">
-                <a16:creationId xmlns:a16="http://schemas.microsoft.com/office/drawing/2014/main" id="{769DC8C9-7B3E-3A4C-9386-6678626D5357}"/>
-              </a:ext>
-            </a:extLst>
-          </p:cNvPr>
-          <p:cNvPicPr>
-            <a:picLocks noChangeAspect="1"/>
-          </p:cNvPicPr>
-          <p:nvPr/>
-        </p:nvPicPr>
-        <p:blipFill>
-          <a:blip r:embed="rId4"/>
-          <a:stretch>
-            <a:fillRect/>
-          </a:stretch>
-        </p:blipFill>
-        <p:spPr>
-          <a:xfrm>
-            <a:off x="4295775" y="5162550"/>
-            <a:ext cx="3600450" cy="990600"/>
+            <a:off x="8791575" y="2147887"/>
+            <a:ext cx="2838450" cy="2562225"/>
           </a:xfrm>
           <a:prstGeom prst="rect">
             <a:avLst/>
@@ -8401,7 +8082,7 @@
     </p:spTree>
     <p:extLst>
       <p:ext uri="{BB962C8B-B14F-4D97-AF65-F5344CB8AC3E}">
-        <p14:creationId xmlns:p14="http://schemas.microsoft.com/office/powerpoint/2010/main" val="1247544362"/>
+        <p14:creationId xmlns:p14="http://schemas.microsoft.com/office/powerpoint/2010/main" val="2659909966"/>
       </p:ext>
     </p:extLst>
   </p:cSld>
@@ -8430,10 +8111,10 @@
       </p:grpSpPr>
       <p:sp>
         <p:nvSpPr>
-          <p:cNvPr id="2" name="Title 1">
-            <a:extLst>
-              <a:ext uri="{FF2B5EF4-FFF2-40B4-BE49-F238E27FC236}">
-                <a16:creationId xmlns:a16="http://schemas.microsoft.com/office/drawing/2014/main" id="{18622484-3CE2-DCFE-3A32-5DE010020457}"/>
+          <p:cNvPr id="9" name="Title 8">
+            <a:extLst>
+              <a:ext uri="{FF2B5EF4-FFF2-40B4-BE49-F238E27FC236}">
+                <a16:creationId xmlns:a16="http://schemas.microsoft.com/office/drawing/2014/main" id="{A80BDB70-CF7E-F2F5-69DC-F8521A36BEF5}"/>
               </a:ext>
             </a:extLst>
           </p:cNvPr>
@@ -8453,7 +8134,7 @@
           <a:p>
             <a:r>
               <a:rPr lang="de-AT" dirty="0" err="1"/>
-              <a:t>naiveBayes</a:t>
+              <a:t>kNN</a:t>
             </a:r>
             <a:endParaRPr lang="en-US" dirty="0"/>
           </a:p>
@@ -8461,10 +8142,10 @@
       </p:sp>
       <p:sp>
         <p:nvSpPr>
-          <p:cNvPr id="3" name="Content Placeholder 2">
-            <a:extLst>
-              <a:ext uri="{FF2B5EF4-FFF2-40B4-BE49-F238E27FC236}">
-                <a16:creationId xmlns:a16="http://schemas.microsoft.com/office/drawing/2014/main" id="{37ADBA1E-9FFB-10A4-25E2-CCF65F02AF80}"/>
+          <p:cNvPr id="10" name="Content Placeholder 9">
+            <a:extLst>
+              <a:ext uri="{FF2B5EF4-FFF2-40B4-BE49-F238E27FC236}">
+                <a16:creationId xmlns:a16="http://schemas.microsoft.com/office/drawing/2014/main" id="{1191278D-B784-D8AB-B14F-38BC6FC1BA81}"/>
               </a:ext>
             </a:extLst>
           </p:cNvPr>
@@ -8482,31 +8163,63 @@
           <a:p>
             <a:r>
               <a:rPr lang="de-AT" dirty="0" err="1"/>
-              <a:t>For</a:t>
-            </a:r>
-            <a:r>
-              <a:rPr lang="de-AT" dirty="0"/>
-              <a:t> a finite </a:t>
-            </a:r>
-            <a:r>
-              <a:rPr lang="de-AT" dirty="0" err="1"/>
-              <a:t>set</a:t>
-            </a:r>
-            <a:r>
-              <a:rPr lang="de-AT" dirty="0"/>
-              <a:t> </a:t>
-            </a:r>
-            <a:r>
-              <a:rPr lang="de-AT" dirty="0" err="1"/>
-              <a:t>of</a:t>
-            </a:r>
-            <a:r>
-              <a:rPr lang="de-AT" dirty="0"/>
-              <a:t> </a:t>
-            </a:r>
-            <a:r>
-              <a:rPr lang="de-AT" dirty="0" err="1"/>
-              <a:t>features</a:t>
+              <a:t>Predict</a:t>
+            </a:r>
+            <a:r>
+              <a:rPr lang="de-AT" dirty="0"/>
+              <a:t> </a:t>
+            </a:r>
+            <a:r>
+              <a:rPr lang="de-AT" dirty="0" err="1"/>
+              <a:t>the</a:t>
+            </a:r>
+            <a:r>
+              <a:rPr lang="de-AT" dirty="0"/>
+              <a:t> </a:t>
+            </a:r>
+            <a:r>
+              <a:rPr lang="de-AT" dirty="0" err="1"/>
+              <a:t>class</a:t>
+            </a:r>
+            <a:r>
+              <a:rPr lang="de-AT" dirty="0"/>
+              <a:t> </a:t>
+            </a:r>
+            <a:r>
+              <a:rPr lang="de-AT" dirty="0" err="1"/>
+              <a:t>that</a:t>
+            </a:r>
+            <a:r>
+              <a:rPr lang="de-AT" dirty="0"/>
+              <a:t> </a:t>
+            </a:r>
+            <a:r>
+              <a:rPr lang="de-AT" dirty="0" err="1"/>
+              <a:t>is</a:t>
+            </a:r>
+            <a:r>
+              <a:rPr lang="de-AT" dirty="0"/>
+              <a:t> </a:t>
+            </a:r>
+            <a:r>
+              <a:rPr lang="de-AT" dirty="0" err="1"/>
+              <a:t>most</a:t>
+            </a:r>
+            <a:r>
+              <a:rPr lang="de-AT" dirty="0"/>
+              <a:t> frequent </a:t>
+            </a:r>
+            <a:r>
+              <a:rPr lang="de-AT" dirty="0" err="1"/>
+              <a:t>among</a:t>
+            </a:r>
+            <a:r>
+              <a:rPr lang="de-AT" dirty="0"/>
+              <a:t> </a:t>
+            </a:r>
+            <a:r>
+              <a:rPr lang="de-AT" dirty="0" err="1"/>
+              <a:t>the</a:t>
             </a:r>
             <a:r>
               <a:rPr lang="de-AT" dirty="0"/>
@@ -8514,143 +8227,45 @@
             </a:r>
             <a:r>
               <a:rPr lang="de-AT" i="1" dirty="0"/>
-              <a:t>F</a:t>
-            </a:r>
-            <a:r>
-              <a:rPr lang="de-AT" i="1" baseline="-25000" dirty="0"/>
-              <a:t>1</a:t>
-            </a:r>
-            <a:r>
-              <a:rPr lang="de-AT" i="1" dirty="0"/>
-              <a:t>, …, F</a:t>
-            </a:r>
-            <a:r>
-              <a:rPr lang="de-AT" i="1" baseline="-25000" dirty="0"/>
-              <a:t>n</a:t>
-            </a:r>
-            <a:r>
-              <a:rPr lang="de-AT" i="1" dirty="0"/>
-              <a:t> </a:t>
-            </a:r>
-            <a:r>
-              <a:rPr lang="de-AT" dirty="0" err="1"/>
-              <a:t>we</a:t>
-            </a:r>
-            <a:r>
-              <a:rPr lang="de-AT" dirty="0"/>
-              <a:t> </a:t>
-            </a:r>
-            <a:r>
-              <a:rPr lang="de-AT" dirty="0" err="1"/>
-              <a:t>can</a:t>
-            </a:r>
-            <a:r>
-              <a:rPr lang="de-AT" dirty="0"/>
-              <a:t> </a:t>
-            </a:r>
-            <a:r>
-              <a:rPr lang="de-AT" dirty="0" err="1"/>
-              <a:t>write</a:t>
-            </a:r>
-            <a:r>
-              <a:rPr lang="de-AT" dirty="0"/>
-              <a:t> </a:t>
-            </a:r>
-            <a:r>
-              <a:rPr lang="de-AT" dirty="0" err="1"/>
-              <a:t>this</a:t>
-            </a:r>
-            <a:r>
-              <a:rPr lang="de-AT" dirty="0"/>
-              <a:t> down </a:t>
-            </a:r>
-            <a:r>
-              <a:rPr lang="de-AT" dirty="0" err="1"/>
-              <a:t>as</a:t>
-            </a:r>
-            <a:r>
-              <a:rPr lang="de-AT" dirty="0"/>
-              <a:t>:</a:t>
-            </a:r>
-          </a:p>
-          <a:p>
-            <a:endParaRPr lang="de-AT" dirty="0"/>
-          </a:p>
-          <a:p>
-            <a:endParaRPr lang="de-AT" dirty="0"/>
-          </a:p>
-          <a:p>
-            <a:r>
-              <a:rPr lang="de-AT" dirty="0"/>
-              <a:t>The </a:t>
-            </a:r>
-            <a:r>
-              <a:rPr lang="de-AT" dirty="0" err="1"/>
-              <a:t>denominator</a:t>
-            </a:r>
-            <a:r>
-              <a:rPr lang="de-AT" dirty="0"/>
-              <a:t> </a:t>
-            </a:r>
-            <a:r>
-              <a:rPr lang="de-AT" dirty="0" err="1"/>
-              <a:t>is</a:t>
-            </a:r>
-            <a:r>
-              <a:rPr lang="de-AT" dirty="0"/>
-              <a:t> not </a:t>
-            </a:r>
-            <a:r>
-              <a:rPr lang="de-AT" dirty="0" err="1"/>
-              <a:t>dependent</a:t>
-            </a:r>
-            <a:r>
-              <a:rPr lang="de-AT" dirty="0"/>
-              <a:t> on </a:t>
-            </a:r>
-            <a:r>
-              <a:rPr lang="de-AT" i="1" dirty="0"/>
-              <a:t>C</a:t>
-            </a:r>
-            <a:r>
-              <a:rPr lang="de-AT" dirty="0"/>
-              <a:t> and </a:t>
-            </a:r>
-            <a:r>
-              <a:rPr lang="de-AT" dirty="0" err="1"/>
-              <a:t>therefore</a:t>
-            </a:r>
-            <a:r>
-              <a:rPr lang="de-AT" dirty="0"/>
-              <a:t> </a:t>
-            </a:r>
-            <a:r>
-              <a:rPr lang="de-AT" dirty="0" err="1"/>
-              <a:t>constant</a:t>
-            </a:r>
-            <a:r>
-              <a:rPr lang="de-AT" dirty="0"/>
-              <a:t> and </a:t>
-            </a:r>
-            <a:r>
-              <a:rPr lang="de-AT" dirty="0" err="1"/>
-              <a:t>we</a:t>
-            </a:r>
-            <a:r>
-              <a:rPr lang="de-AT" dirty="0"/>
-              <a:t> </a:t>
-            </a:r>
-            <a:r>
-              <a:rPr lang="de-AT" dirty="0" err="1"/>
-              <a:t>can</a:t>
-            </a:r>
-            <a:r>
-              <a:rPr lang="de-AT" dirty="0"/>
-              <a:t> </a:t>
-            </a:r>
-            <a:r>
-              <a:rPr lang="de-AT" dirty="0" err="1"/>
-              <a:t>eliminate</a:t>
+              <a:t>k</a:t>
+            </a:r>
+            <a:r>
+              <a:rPr lang="de-AT" dirty="0"/>
+              <a:t> </a:t>
+            </a:r>
+            <a:r>
+              <a:rPr lang="de-AT" dirty="0" err="1"/>
+              <a:t>closest</a:t>
+            </a:r>
+            <a:r>
+              <a:rPr lang="de-AT" dirty="0"/>
+              <a:t> </a:t>
+            </a:r>
+            <a:r>
+              <a:rPr lang="de-AT" dirty="0" err="1"/>
+              <a:t>datapoints</a:t>
+            </a:r>
+            <a:r>
+              <a:rPr lang="de-AT" dirty="0"/>
+              <a:t> (</a:t>
+            </a:r>
+            <a:r>
+              <a:rPr lang="de-AT" dirty="0" err="1"/>
+              <a:t>documents</a:t>
+            </a:r>
+            <a:r>
+              <a:rPr lang="de-AT" dirty="0"/>
+              <a:t>)</a:t>
+            </a:r>
+          </a:p>
+          <a:p>
+            <a:r>
+              <a:rPr lang="de-AT" dirty="0"/>
+              <a:t>(</a:t>
+            </a:r>
+            <a:r>
+              <a:rPr lang="de-AT" dirty="0" err="1"/>
+              <a:t>That‘s</a:t>
             </a:r>
             <a:r>
               <a:rPr lang="de-AT" dirty="0"/>
@@ -8662,50 +8277,18 @@
             </a:r>
             <a:r>
               <a:rPr lang="de-AT" dirty="0"/>
-              <a:t>:</a:t>
-            </a:r>
-          </a:p>
-          <a:p>
-            <a:endParaRPr lang="de-AT" dirty="0"/>
-          </a:p>
-          <a:p>
-            <a:r>
-              <a:rPr lang="en-US" dirty="0"/>
-              <a:t>If we can assume that all features </a:t>
-            </a:r>
-            <a:r>
-              <a:rPr lang="de-AT" i="1" dirty="0"/>
-              <a:t>F</a:t>
-            </a:r>
-            <a:r>
-              <a:rPr lang="de-AT" i="1" baseline="-25000" dirty="0"/>
-              <a:t>1</a:t>
-            </a:r>
-            <a:r>
-              <a:rPr lang="de-AT" i="1" dirty="0"/>
-              <a:t>, …, F</a:t>
-            </a:r>
-            <a:r>
-              <a:rPr lang="de-AT" i="1" baseline="-25000" dirty="0"/>
-              <a:t>n</a:t>
-            </a:r>
-            <a:r>
-              <a:rPr lang="de-AT" i="1" dirty="0"/>
-              <a:t> </a:t>
-            </a:r>
-            <a:r>
-              <a:rPr lang="en-US" dirty="0"/>
-              <a:t>are independent we can decompose the last part into:</a:t>
-            </a:r>
-          </a:p>
-        </p:txBody>
-      </p:sp>
-      <p:sp>
-        <p:nvSpPr>
-          <p:cNvPr id="4" name="Footer Placeholder 3">
-            <a:extLst>
-              <a:ext uri="{FF2B5EF4-FFF2-40B4-BE49-F238E27FC236}">
-                <a16:creationId xmlns:a16="http://schemas.microsoft.com/office/drawing/2014/main" id="{DF5CE8E9-732A-6271-BF13-5F0267FA7245}"/>
+              <a:t>…)</a:t>
+            </a:r>
+            <a:endParaRPr lang="en-US" dirty="0"/>
+          </a:p>
+        </p:txBody>
+      </p:sp>
+      <p:sp>
+        <p:nvSpPr>
+          <p:cNvPr id="3" name="Footer Placeholder 2">
+            <a:extLst>
+              <a:ext uri="{FF2B5EF4-FFF2-40B4-BE49-F238E27FC236}">
+                <a16:creationId xmlns:a16="http://schemas.microsoft.com/office/drawing/2014/main" id="{9FC5480B-2757-C6D2-9AEB-AB49DD6AD7B1}"/>
               </a:ext>
             </a:extLst>
           </p:cNvPr>
@@ -8721,58 +8304,54 @@
           <a:bodyPr/>
           <a:lstStyle/>
           <a:p>
+            <a:r>
+              <a:rPr lang="en-US" dirty="0"/>
+              <a:t>Natural Language Processing</a:t>
+            </a:r>
+          </a:p>
+        </p:txBody>
+      </p:sp>
+      <p:sp>
+        <p:nvSpPr>
+          <p:cNvPr id="7" name="Date Placeholder 6">
+            <a:extLst>
+              <a:ext uri="{FF2B5EF4-FFF2-40B4-BE49-F238E27FC236}">
+                <a16:creationId xmlns:a16="http://schemas.microsoft.com/office/drawing/2014/main" id="{706BF844-5DDE-78CA-5DE0-C2E824596A72}"/>
+              </a:ext>
+            </a:extLst>
+          </p:cNvPr>
+          <p:cNvSpPr>
+            <a:spLocks noGrp="1"/>
+          </p:cNvSpPr>
+          <p:nvPr>
+            <p:ph type="dt" sz="half" idx="10"/>
+          </p:nvPr>
+        </p:nvSpPr>
+        <p:spPr/>
+        <p:txBody>
+          <a:bodyPr/>
+          <a:lstStyle/>
+          <a:p>
+            <a:pPr>
+              <a:defRPr/>
+            </a:pPr>
             <a:r>
               <a:rPr lang="en-US" dirty="0">
                 <a:solidFill>
                   <a:prstClr val="black"/>
                 </a:solidFill>
               </a:rPr>
-              <a:t>Natural Language Processing</a:t>
-            </a:r>
-          </a:p>
-        </p:txBody>
-      </p:sp>
-      <p:sp>
-        <p:nvSpPr>
-          <p:cNvPr id="5" name="Date Placeholder 4">
-            <a:extLst>
-              <a:ext uri="{FF2B5EF4-FFF2-40B4-BE49-F238E27FC236}">
-                <a16:creationId xmlns:a16="http://schemas.microsoft.com/office/drawing/2014/main" id="{89B9E9FF-B59F-1710-58AD-11BF680FA846}"/>
-              </a:ext>
-            </a:extLst>
-          </p:cNvPr>
-          <p:cNvSpPr>
-            <a:spLocks noGrp="1"/>
-          </p:cNvSpPr>
-          <p:nvPr>
-            <p:ph type="dt" sz="half" idx="10"/>
-          </p:nvPr>
-        </p:nvSpPr>
-        <p:spPr/>
-        <p:txBody>
-          <a:bodyPr/>
-          <a:lstStyle/>
-          <a:p>
-            <a:pPr>
-              <a:defRPr/>
-            </a:pPr>
-            <a:r>
-              <a:rPr lang="en-US" dirty="0">
-                <a:solidFill>
-                  <a:prstClr val="black"/>
-                </a:solidFill>
-              </a:rPr>
-              <a:t>2022</a:t>
-            </a:r>
-          </a:p>
-        </p:txBody>
-      </p:sp>
-      <p:sp>
-        <p:nvSpPr>
-          <p:cNvPr id="6" name="Slide Number Placeholder 5">
-            <a:extLst>
-              <a:ext uri="{FF2B5EF4-FFF2-40B4-BE49-F238E27FC236}">
-                <a16:creationId xmlns:a16="http://schemas.microsoft.com/office/drawing/2014/main" id="{AE257739-3270-6471-A9BB-07FFAD71B773}"/>
+              <a:t>2023</a:t>
+            </a:r>
+          </a:p>
+        </p:txBody>
+      </p:sp>
+      <p:sp>
+        <p:nvSpPr>
+          <p:cNvPr id="8" name="Slide Number Placeholder 7">
+            <a:extLst>
+              <a:ext uri="{FF2B5EF4-FFF2-40B4-BE49-F238E27FC236}">
+                <a16:creationId xmlns:a16="http://schemas.microsoft.com/office/drawing/2014/main" id="{BBC0FE3C-1AC6-9A61-57D6-65FD9BA2E7A3}"/>
               </a:ext>
             </a:extLst>
           </p:cNvPr>
@@ -8805,7 +8384,7 @@
               <a:tabLst/>
               <a:defRPr/>
             </a:pPr>
-            <a:fld id="{06B786C7-B8F9-4072-AAAA-17258464D730}" type="slidenum">
+            <a:fld id="{244D815C-8BF3-4ECF-A945-A2A7C2983AF9}" type="slidenum">
               <a:rPr kumimoji="0" lang="en-US" sz="1050" b="0" i="0" u="none" strike="noStrike" kern="1200" cap="none" spc="0" normalizeH="0" baseline="0" noProof="0" smtClean="0">
                 <a:ln>
                   <a:noFill/>
@@ -8856,100 +8435,10 @@
           </a:p>
         </p:txBody>
       </p:sp>
-      <p:pic>
-        <p:nvPicPr>
-          <p:cNvPr id="8" name="Picture 7">
-            <a:extLst>
-              <a:ext uri="{FF2B5EF4-FFF2-40B4-BE49-F238E27FC236}">
-                <a16:creationId xmlns:a16="http://schemas.microsoft.com/office/drawing/2014/main" id="{811584CA-D713-4675-5931-99B96D2F1069}"/>
-              </a:ext>
-            </a:extLst>
-          </p:cNvPr>
-          <p:cNvPicPr>
-            <a:picLocks noChangeAspect="1"/>
-          </p:cNvPicPr>
-          <p:nvPr/>
-        </p:nvPicPr>
-        <p:blipFill>
-          <a:blip r:embed="rId2"/>
-          <a:stretch>
-            <a:fillRect/>
-          </a:stretch>
-        </p:blipFill>
-        <p:spPr>
-          <a:xfrm>
-            <a:off x="3775233" y="2169865"/>
-            <a:ext cx="3876675" cy="857250"/>
-          </a:xfrm>
-          <a:prstGeom prst="rect">
-            <a:avLst/>
-          </a:prstGeom>
-        </p:spPr>
-      </p:pic>
-      <p:pic>
-        <p:nvPicPr>
-          <p:cNvPr id="10" name="Picture 9">
-            <a:extLst>
-              <a:ext uri="{FF2B5EF4-FFF2-40B4-BE49-F238E27FC236}">
-                <a16:creationId xmlns:a16="http://schemas.microsoft.com/office/drawing/2014/main" id="{36D341BB-3E4E-41C0-5A31-974C43ECF332}"/>
-              </a:ext>
-            </a:extLst>
-          </p:cNvPr>
-          <p:cNvPicPr>
-            <a:picLocks noChangeAspect="1"/>
-          </p:cNvPicPr>
-          <p:nvPr/>
-        </p:nvPicPr>
-        <p:blipFill>
-          <a:blip r:embed="rId3"/>
-          <a:stretch>
-            <a:fillRect/>
-          </a:stretch>
-        </p:blipFill>
-        <p:spPr>
-          <a:xfrm>
-            <a:off x="3570445" y="4066257"/>
-            <a:ext cx="4286250" cy="638175"/>
-          </a:xfrm>
-          <a:prstGeom prst="rect">
-            <a:avLst/>
-          </a:prstGeom>
-        </p:spPr>
-      </p:pic>
-      <p:pic>
-        <p:nvPicPr>
-          <p:cNvPr id="12" name="Picture 11">
-            <a:extLst>
-              <a:ext uri="{FF2B5EF4-FFF2-40B4-BE49-F238E27FC236}">
-                <a16:creationId xmlns:a16="http://schemas.microsoft.com/office/drawing/2014/main" id="{9DD23282-A934-7F8C-D169-55E485349B75}"/>
-              </a:ext>
-            </a:extLst>
-          </p:cNvPr>
-          <p:cNvPicPr>
-            <a:picLocks noChangeAspect="1"/>
-          </p:cNvPicPr>
-          <p:nvPr/>
-        </p:nvPicPr>
-        <p:blipFill>
-          <a:blip r:embed="rId4"/>
-          <a:stretch>
-            <a:fillRect/>
-          </a:stretch>
-        </p:blipFill>
-        <p:spPr>
-          <a:xfrm>
-            <a:off x="1681162" y="5629910"/>
-            <a:ext cx="8829675" cy="762000"/>
-          </a:xfrm>
-          <a:prstGeom prst="rect">
-            <a:avLst/>
-          </a:prstGeom>
-        </p:spPr>
-      </p:pic>
     </p:spTree>
     <p:extLst>
       <p:ext uri="{BB962C8B-B14F-4D97-AF65-F5344CB8AC3E}">
-        <p14:creationId xmlns:p14="http://schemas.microsoft.com/office/powerpoint/2010/main" val="2192092264"/>
+        <p14:creationId xmlns:p14="http://schemas.microsoft.com/office/powerpoint/2010/main" val="973048834"/>
       </p:ext>
     </p:extLst>
   </p:cSld>
@@ -8981,7 +8470,7 @@
           <p:cNvPr id="2" name="Title 1">
             <a:extLst>
               <a:ext uri="{FF2B5EF4-FFF2-40B4-BE49-F238E27FC236}">
-                <a16:creationId xmlns:a16="http://schemas.microsoft.com/office/drawing/2014/main" id="{03937C37-F566-7DE7-A59C-570CDCCA0A18}"/>
+                <a16:creationId xmlns:a16="http://schemas.microsoft.com/office/drawing/2014/main" id="{E08E6234-D0DE-1B58-F458-CF35571E2F2E}"/>
               </a:ext>
             </a:extLst>
           </p:cNvPr>
@@ -9012,7 +8501,7 @@
           <p:cNvPr id="3" name="Content Placeholder 2">
             <a:extLst>
               <a:ext uri="{FF2B5EF4-FFF2-40B4-BE49-F238E27FC236}">
-                <a16:creationId xmlns:a16="http://schemas.microsoft.com/office/drawing/2014/main" id="{C4742CE0-7670-22C1-A17B-552CE37AD4A4}"/>
+                <a16:creationId xmlns:a16="http://schemas.microsoft.com/office/drawing/2014/main" id="{1A8EB986-02F1-F02B-2858-654E77D2BE28}"/>
               </a:ext>
             </a:extLst>
           </p:cNvPr>
@@ -9029,16 +8518,52 @@
           <a:lstStyle/>
           <a:p>
             <a:r>
-              <a:rPr lang="de-AT" dirty="0" err="1"/>
-              <a:t>Our</a:t>
-            </a:r>
-            <a:r>
-              <a:rPr lang="de-AT" dirty="0"/>
-              <a:t> final </a:t>
-            </a:r>
-            <a:r>
-              <a:rPr lang="de-AT" dirty="0" err="1"/>
-              <a:t>classifier</a:t>
+              <a:rPr lang="de-AT" dirty="0"/>
+              <a:t>The </a:t>
+            </a:r>
+            <a:r>
+              <a:rPr lang="de-AT" dirty="0" err="1"/>
+              <a:t>probability</a:t>
+            </a:r>
+            <a:r>
+              <a:rPr lang="de-AT" dirty="0"/>
+              <a:t> </a:t>
+            </a:r>
+            <a:r>
+              <a:rPr lang="de-AT" dirty="0" err="1"/>
+              <a:t>of</a:t>
+            </a:r>
+            <a:r>
+              <a:rPr lang="de-AT" dirty="0"/>
+              <a:t> </a:t>
+            </a:r>
+            <a:r>
+              <a:rPr lang="de-AT" dirty="0" err="1"/>
+              <a:t>class</a:t>
+            </a:r>
+            <a:r>
+              <a:rPr lang="de-AT" dirty="0"/>
+              <a:t> </a:t>
+            </a:r>
+            <a:r>
+              <a:rPr lang="de-AT" i="1" dirty="0"/>
+              <a:t>C</a:t>
+            </a:r>
+            <a:r>
+              <a:rPr lang="de-AT" dirty="0"/>
+              <a:t> </a:t>
+            </a:r>
+            <a:r>
+              <a:rPr lang="de-AT" dirty="0" err="1"/>
+              <a:t>given</a:t>
+            </a:r>
+            <a:r>
+              <a:rPr lang="de-AT" dirty="0"/>
+              <a:t> feature </a:t>
+            </a:r>
+            <a:r>
+              <a:rPr lang="de-AT" i="1" dirty="0"/>
+              <a:t>F</a:t>
             </a:r>
             <a:r>
               <a:rPr lang="de-AT" dirty="0"/>
@@ -9054,92 +8579,124 @@
             </a:r>
             <a:r>
               <a:rPr lang="de-AT" dirty="0" err="1"/>
-              <a:t>therefore</a:t>
-            </a:r>
-            <a:r>
-              <a:rPr lang="de-AT" dirty="0"/>
-              <a:t>:</a:t>
-            </a:r>
-          </a:p>
-          <a:p>
-            <a:endParaRPr lang="de-AT" dirty="0"/>
-          </a:p>
-          <a:p>
-            <a:endParaRPr lang="de-AT" dirty="0"/>
-          </a:p>
-          <a:p>
-            <a:pPr marL="0" indent="0">
-              <a:buNone/>
-            </a:pPr>
-            <a:r>
-              <a:rPr lang="de-AT" b="1" dirty="0" err="1"/>
-              <a:t>Exercise</a:t>
-            </a:r>
-            <a:r>
-              <a:rPr lang="de-AT" b="1" dirty="0"/>
-              <a:t> 4: </a:t>
-            </a:r>
+              <a:t>according</a:t>
+            </a:r>
+            <a:r>
+              <a:rPr lang="de-AT" dirty="0"/>
+              <a:t> </a:t>
+            </a:r>
+            <a:r>
+              <a:rPr lang="de-AT" dirty="0" err="1"/>
+              <a:t>to</a:t>
+            </a:r>
+            <a:r>
+              <a:rPr lang="de-AT" dirty="0"/>
+              <a:t> Bayes Theorem </a:t>
+            </a:r>
+            <a:r>
+              <a:rPr lang="de-AT" dirty="0" err="1"/>
+              <a:t>given</a:t>
+            </a:r>
+            <a:r>
+              <a:rPr lang="de-AT" dirty="0"/>
+              <a:t> </a:t>
+            </a:r>
+            <a:r>
+              <a:rPr lang="de-AT" dirty="0" err="1"/>
+              <a:t>as</a:t>
+            </a:r>
+            <a:r>
+              <a:rPr lang="de-AT" dirty="0"/>
+              <a:t>: </a:t>
+            </a:r>
+          </a:p>
+          <a:p>
+            <a:pPr lvl="1"/>
+            <a:endParaRPr lang="en-US" dirty="0"/>
+          </a:p>
+          <a:p>
+            <a:pPr lvl="1"/>
+            <a:endParaRPr lang="en-US" dirty="0"/>
+          </a:p>
+          <a:p>
+            <a:r>
+              <a:rPr lang="en-US" dirty="0"/>
+              <a:t>We want to predict the Class </a:t>
+            </a:r>
+            <a:r>
+              <a:rPr lang="en-US" i="1" dirty="0"/>
+              <a:t>C</a:t>
+            </a:r>
+            <a:r>
+              <a:rPr lang="en-US" i="1" baseline="-25000" dirty="0"/>
+              <a:t>MAP</a:t>
+            </a:r>
+            <a:r>
+              <a:rPr lang="en-US" dirty="0"/>
+              <a:t> that has the highest probability given </a:t>
+            </a:r>
+            <a:r>
+              <a:rPr lang="en-US" i="1" dirty="0"/>
+              <a:t>F</a:t>
+            </a:r>
+            <a:r>
+              <a:rPr lang="en-US" dirty="0"/>
+              <a:t>, we call that the class with the maximum a-posteriori probability</a:t>
+            </a:r>
+          </a:p>
+        </p:txBody>
+      </p:sp>
+      <p:sp>
+        <p:nvSpPr>
+          <p:cNvPr id="4" name="Footer Placeholder 3">
+            <a:extLst>
+              <a:ext uri="{FF2B5EF4-FFF2-40B4-BE49-F238E27FC236}">
+                <a16:creationId xmlns:a16="http://schemas.microsoft.com/office/drawing/2014/main" id="{D212FA7C-2A67-BAFA-F28B-1A2ACDA3D1E3}"/>
+              </a:ext>
+            </a:extLst>
+          </p:cNvPr>
+          <p:cNvSpPr>
+            <a:spLocks noGrp="1"/>
+          </p:cNvSpPr>
+          <p:nvPr>
+            <p:ph type="ftr" sz="quarter" idx="11"/>
+          </p:nvPr>
+        </p:nvSpPr>
+        <p:spPr/>
+        <p:txBody>
+          <a:bodyPr/>
+          <a:lstStyle/>
+          <a:p>
             <a:r>
               <a:rPr lang="de-AT" dirty="0">
                 <a:solidFill>
-                  <a:schemeClr val="accent1"/>
-                </a:solidFill>
-                <a:hlinkClick r:id="rId2">
-                  <a:extLst>
-                    <a:ext uri="{A12FA001-AC4F-418D-AE19-62706E023703}">
-                      <ahyp:hlinkClr xmlns:ahyp="http://schemas.microsoft.com/office/drawing/2018/hyperlinkcolor" val="tx"/>
-                    </a:ext>
-                  </a:extLst>
-                </a:hlinkClick>
-              </a:rPr>
-              <a:t>https://github.com/michabirklbauer/hgb_dse_text_mining/blob/master/Classification.ipynb</a:t>
-            </a:r>
-            <a:br>
-              <a:rPr lang="de-AT" dirty="0"/>
-            </a:br>
-            <a:r>
-              <a:rPr lang="de-AT" dirty="0">
-                <a:solidFill>
-                  <a:schemeClr val="accent1"/>
-                </a:solidFill>
-                <a:hlinkClick r:id="rId3">
-                  <a:extLst>
-                    <a:ext uri="{A12FA001-AC4F-418D-AE19-62706E023703}">
-                      <ahyp:hlinkClr xmlns:ahyp="http://schemas.microsoft.com/office/drawing/2018/hyperlinkcolor" val="tx"/>
-                    </a:ext>
-                  </a:extLst>
-                </a:hlinkClick>
-              </a:rPr>
-              <a:t>https://colab.research.google.com/github/michabirklbauer/hgb_dse_text_mining/blob/master/Classification.ipynb</a:t>
-            </a:r>
-            <a:r>
-              <a:rPr lang="de-AT" dirty="0">
-                <a:solidFill>
-                  <a:schemeClr val="accent1"/>
+                  <a:prstClr val="black"/>
                 </a:solidFill>
               </a:rPr>
-              <a:t> </a:t>
-            </a:r>
-          </a:p>
-          <a:p>
-            <a:endParaRPr lang="en-US" dirty="0"/>
-          </a:p>
-        </p:txBody>
-      </p:sp>
-      <p:sp>
-        <p:nvSpPr>
-          <p:cNvPr id="4" name="Footer Placeholder 3">
-            <a:extLst>
-              <a:ext uri="{FF2B5EF4-FFF2-40B4-BE49-F238E27FC236}">
-                <a16:creationId xmlns:a16="http://schemas.microsoft.com/office/drawing/2014/main" id="{F34E7399-AB59-C016-5797-F26AD808A158}"/>
-              </a:ext>
-            </a:extLst>
-          </p:cNvPr>
-          <p:cNvSpPr>
-            <a:spLocks noGrp="1"/>
-          </p:cNvSpPr>
-          <p:nvPr>
-            <p:ph type="ftr" sz="quarter" idx="11"/>
+              <a:t>Natural Language Processing</a:t>
+            </a:r>
+            <a:endParaRPr lang="en-US" dirty="0">
+              <a:solidFill>
+                <a:prstClr val="black"/>
+              </a:solidFill>
+            </a:endParaRPr>
+          </a:p>
+        </p:txBody>
+      </p:sp>
+      <p:sp>
+        <p:nvSpPr>
+          <p:cNvPr id="5" name="Date Placeholder 4">
+            <a:extLst>
+              <a:ext uri="{FF2B5EF4-FFF2-40B4-BE49-F238E27FC236}">
+                <a16:creationId xmlns:a16="http://schemas.microsoft.com/office/drawing/2014/main" id="{6422390A-8ABD-E9C4-11EE-99AB9E45BC46}"/>
+              </a:ext>
+            </a:extLst>
+          </p:cNvPr>
+          <p:cNvSpPr>
+            <a:spLocks noGrp="1"/>
+          </p:cNvSpPr>
+          <p:nvPr>
+            <p:ph type="dt" sz="half" idx="10"/>
           </p:nvPr>
         </p:nvSpPr>
         <p:spPr/>
@@ -9147,48 +8704,16 @@
           <a:bodyPr/>
           <a:lstStyle/>
           <a:p>
+            <a:pPr>
+              <a:defRPr/>
+            </a:pPr>
             <a:r>
               <a:rPr lang="en-US" dirty="0">
                 <a:solidFill>
                   <a:prstClr val="black"/>
                 </a:solidFill>
               </a:rPr>
-              <a:t>Natural Language Processing</a:t>
-            </a:r>
-          </a:p>
-        </p:txBody>
-      </p:sp>
-      <p:sp>
-        <p:nvSpPr>
-          <p:cNvPr id="5" name="Date Placeholder 4">
-            <a:extLst>
-              <a:ext uri="{FF2B5EF4-FFF2-40B4-BE49-F238E27FC236}">
-                <a16:creationId xmlns:a16="http://schemas.microsoft.com/office/drawing/2014/main" id="{B2A57854-6DF1-A84A-9EFE-69FD4A5536AA}"/>
-              </a:ext>
-            </a:extLst>
-          </p:cNvPr>
-          <p:cNvSpPr>
-            <a:spLocks noGrp="1"/>
-          </p:cNvSpPr>
-          <p:nvPr>
-            <p:ph type="dt" sz="half" idx="10"/>
-          </p:nvPr>
-        </p:nvSpPr>
-        <p:spPr/>
-        <p:txBody>
-          <a:bodyPr/>
-          <a:lstStyle/>
-          <a:p>
-            <a:pPr>
-              <a:defRPr/>
-            </a:pPr>
-            <a:r>
-              <a:rPr lang="en-US" dirty="0">
-                <a:solidFill>
-                  <a:prstClr val="black"/>
-                </a:solidFill>
-              </a:rPr>
-              <a:t>2022</a:t>
+              <a:t>2023</a:t>
             </a:r>
           </a:p>
         </p:txBody>
@@ -9198,7 +8723,7 @@
           <p:cNvPr id="6" name="Slide Number Placeholder 5">
             <a:extLst>
               <a:ext uri="{FF2B5EF4-FFF2-40B4-BE49-F238E27FC236}">
-                <a16:creationId xmlns:a16="http://schemas.microsoft.com/office/drawing/2014/main" id="{4F87E472-ED16-59A6-ADDF-834E600AB615}"/>
+                <a16:creationId xmlns:a16="http://schemas.microsoft.com/office/drawing/2014/main" id="{3AFC8D9B-A4D4-89FF-0020-18DBF7264CC7}"/>
               </a:ext>
             </a:extLst>
           </p:cNvPr>
@@ -9284,10 +8809,70 @@
       </p:sp>
       <p:pic>
         <p:nvPicPr>
+          <p:cNvPr id="8" name="Picture 7">
+            <a:extLst>
+              <a:ext uri="{FF2B5EF4-FFF2-40B4-BE49-F238E27FC236}">
+                <a16:creationId xmlns:a16="http://schemas.microsoft.com/office/drawing/2014/main" id="{A2DA75B7-DD11-12EB-2AB3-38AA1C4453E5}"/>
+              </a:ext>
+            </a:extLst>
+          </p:cNvPr>
+          <p:cNvPicPr>
+            <a:picLocks noChangeAspect="1"/>
+          </p:cNvPicPr>
+          <p:nvPr/>
+        </p:nvPicPr>
+        <p:blipFill>
+          <a:blip r:embed="rId2"/>
+          <a:stretch>
+            <a:fillRect/>
+          </a:stretch>
+        </p:blipFill>
+        <p:spPr>
+          <a:xfrm>
+            <a:off x="4646771" y="2538544"/>
+            <a:ext cx="2133600" cy="723900"/>
+          </a:xfrm>
+          <a:prstGeom prst="rect">
+            <a:avLst/>
+          </a:prstGeom>
+        </p:spPr>
+      </p:pic>
+      <p:pic>
+        <p:nvPicPr>
           <p:cNvPr id="10" name="Picture 9">
             <a:extLst>
               <a:ext uri="{FF2B5EF4-FFF2-40B4-BE49-F238E27FC236}">
-                <a16:creationId xmlns:a16="http://schemas.microsoft.com/office/drawing/2014/main" id="{8E510C80-9AC0-8BF6-4B65-D02A98C3C89E}"/>
+                <a16:creationId xmlns:a16="http://schemas.microsoft.com/office/drawing/2014/main" id="{09E2F4BB-43EB-87EE-5976-32DF59E03E62}"/>
+              </a:ext>
+            </a:extLst>
+          </p:cNvPr>
+          <p:cNvPicPr>
+            <a:picLocks noChangeAspect="1"/>
+          </p:cNvPicPr>
+          <p:nvPr/>
+        </p:nvPicPr>
+        <p:blipFill>
+          <a:blip r:embed="rId3"/>
+          <a:stretch>
+            <a:fillRect/>
+          </a:stretch>
+        </p:blipFill>
+        <p:spPr>
+          <a:xfrm>
+            <a:off x="4410075" y="4457700"/>
+            <a:ext cx="3371850" cy="704850"/>
+          </a:xfrm>
+          <a:prstGeom prst="rect">
+            <a:avLst/>
+          </a:prstGeom>
+        </p:spPr>
+      </p:pic>
+      <p:pic>
+        <p:nvPicPr>
+          <p:cNvPr id="12" name="Picture 11">
+            <a:extLst>
+              <a:ext uri="{FF2B5EF4-FFF2-40B4-BE49-F238E27FC236}">
+                <a16:creationId xmlns:a16="http://schemas.microsoft.com/office/drawing/2014/main" id="{769DC8C9-7B3E-3A4C-9386-6678626D5357}"/>
               </a:ext>
             </a:extLst>
           </p:cNvPr>
@@ -9304,8 +8889,8 @@
         </p:blipFill>
         <p:spPr>
           <a:xfrm>
-            <a:off x="3876675" y="2241388"/>
-            <a:ext cx="4438650" cy="714375"/>
+            <a:off x="4295775" y="5162550"/>
+            <a:ext cx="3600450" cy="990600"/>
           </a:xfrm>
           <a:prstGeom prst="rect">
             <a:avLst/>
@@ -9315,7 +8900,7 @@
     </p:spTree>
     <p:extLst>
       <p:ext uri="{BB962C8B-B14F-4D97-AF65-F5344CB8AC3E}">
-        <p14:creationId xmlns:p14="http://schemas.microsoft.com/office/powerpoint/2010/main" val="1667092704"/>
+        <p14:creationId xmlns:p14="http://schemas.microsoft.com/office/powerpoint/2010/main" val="1247544362"/>
       </p:ext>
     </p:extLst>
   </p:cSld>
@@ -9344,10 +8929,10 @@
       </p:grpSpPr>
       <p:sp>
         <p:nvSpPr>
-          <p:cNvPr id="9" name="Title 8">
-            <a:extLst>
-              <a:ext uri="{FF2B5EF4-FFF2-40B4-BE49-F238E27FC236}">
-                <a16:creationId xmlns:a16="http://schemas.microsoft.com/office/drawing/2014/main" id="{D6CD5863-9262-E43B-8A69-C181FC224D09}"/>
+          <p:cNvPr id="2" name="Title 1">
+            <a:extLst>
+              <a:ext uri="{FF2B5EF4-FFF2-40B4-BE49-F238E27FC236}">
+                <a16:creationId xmlns:a16="http://schemas.microsoft.com/office/drawing/2014/main" id="{18622484-3CE2-DCFE-3A32-5DE010020457}"/>
               </a:ext>
             </a:extLst>
           </p:cNvPr>
@@ -9366,66 +8951,27 @@
           <a:lstStyle/>
           <a:p>
             <a:r>
-              <a:rPr lang="de-AT" dirty="0"/>
-              <a:t>Feature </a:t>
-            </a:r>
-            <a:r>
-              <a:rPr lang="de-AT" dirty="0" err="1"/>
-              <a:t>Importance</a:t>
+              <a:rPr lang="de-AT" dirty="0" err="1"/>
+              <a:t>naiveBayes</a:t>
             </a:r>
             <a:endParaRPr lang="en-US" dirty="0"/>
           </a:p>
         </p:txBody>
       </p:sp>
-      <p:pic>
-        <p:nvPicPr>
-          <p:cNvPr id="12" name="Content Placeholder 11">
-            <a:extLst>
-              <a:ext uri="{FF2B5EF4-FFF2-40B4-BE49-F238E27FC236}">
-                <a16:creationId xmlns:a16="http://schemas.microsoft.com/office/drawing/2014/main" id="{ED52B86E-D805-3D18-B447-094D59D4A7E8}"/>
-              </a:ext>
-            </a:extLst>
-          </p:cNvPr>
-          <p:cNvPicPr>
-            <a:picLocks noGrp="1" noChangeAspect="1"/>
-          </p:cNvPicPr>
+      <p:sp>
+        <p:nvSpPr>
+          <p:cNvPr id="3" name="Content Placeholder 2">
+            <a:extLst>
+              <a:ext uri="{FF2B5EF4-FFF2-40B4-BE49-F238E27FC236}">
+                <a16:creationId xmlns:a16="http://schemas.microsoft.com/office/drawing/2014/main" id="{37ADBA1E-9FFB-10A4-25E2-CCF65F02AF80}"/>
+              </a:ext>
+            </a:extLst>
+          </p:cNvPr>
+          <p:cNvSpPr>
+            <a:spLocks noGrp="1"/>
+          </p:cNvSpPr>
           <p:nvPr>
             <p:ph sz="quarter" idx="14"/>
-          </p:nvPr>
-        </p:nvPicPr>
-        <p:blipFill>
-          <a:blip r:embed="rId2">
-            <a:extLst>
-              <a:ext uri="{96DAC541-7B7A-43D3-8B79-37D633B846F1}">
-                <asvg:svgBlip xmlns:asvg="http://schemas.microsoft.com/office/drawing/2016/SVG/main" r:embed="rId3"/>
-              </a:ext>
-            </a:extLst>
-          </a:blip>
-          <a:stretch>
-            <a:fillRect/>
-          </a:stretch>
-        </p:blipFill>
-        <p:spPr>
-          <a:xfrm>
-            <a:off x="2462213" y="1704975"/>
-            <a:ext cx="7267575" cy="4295775"/>
-          </a:xfrm>
-        </p:spPr>
-      </p:pic>
-      <p:sp>
-        <p:nvSpPr>
-          <p:cNvPr id="3" name="Footer Placeholder 2">
-            <a:extLst>
-              <a:ext uri="{FF2B5EF4-FFF2-40B4-BE49-F238E27FC236}">
-                <a16:creationId xmlns:a16="http://schemas.microsoft.com/office/drawing/2014/main" id="{E14EE165-4524-DED4-4661-6743E5126183}"/>
-              </a:ext>
-            </a:extLst>
-          </p:cNvPr>
-          <p:cNvSpPr>
-            <a:spLocks noGrp="1"/>
-          </p:cNvSpPr>
-          <p:nvPr>
-            <p:ph type="ftr" sz="quarter" idx="11"/>
           </p:nvPr>
         </p:nvSpPr>
         <p:spPr/>
@@ -9434,26 +8980,239 @@
           <a:lstStyle/>
           <a:p>
             <a:r>
+              <a:rPr lang="de-AT" dirty="0" err="1"/>
+              <a:t>For</a:t>
+            </a:r>
+            <a:r>
+              <a:rPr lang="de-AT" dirty="0"/>
+              <a:t> a finite </a:t>
+            </a:r>
+            <a:r>
+              <a:rPr lang="de-AT" dirty="0" err="1"/>
+              <a:t>set</a:t>
+            </a:r>
+            <a:r>
+              <a:rPr lang="de-AT" dirty="0"/>
+              <a:t> </a:t>
+            </a:r>
+            <a:r>
+              <a:rPr lang="de-AT" dirty="0" err="1"/>
+              <a:t>of</a:t>
+            </a:r>
+            <a:r>
+              <a:rPr lang="de-AT" dirty="0"/>
+              <a:t> </a:t>
+            </a:r>
+            <a:r>
+              <a:rPr lang="de-AT" dirty="0" err="1"/>
+              <a:t>features</a:t>
+            </a:r>
+            <a:r>
+              <a:rPr lang="de-AT" dirty="0"/>
+              <a:t> </a:t>
+            </a:r>
+            <a:r>
+              <a:rPr lang="de-AT" i="1" dirty="0"/>
+              <a:t>F</a:t>
+            </a:r>
+            <a:r>
+              <a:rPr lang="de-AT" i="1" baseline="-25000" dirty="0"/>
+              <a:t>1</a:t>
+            </a:r>
+            <a:r>
+              <a:rPr lang="de-AT" i="1" dirty="0"/>
+              <a:t>, …, F</a:t>
+            </a:r>
+            <a:r>
+              <a:rPr lang="de-AT" i="1" baseline="-25000" dirty="0"/>
+              <a:t>n</a:t>
+            </a:r>
+            <a:r>
+              <a:rPr lang="de-AT" i="1" dirty="0"/>
+              <a:t> </a:t>
+            </a:r>
+            <a:r>
+              <a:rPr lang="de-AT" dirty="0" err="1"/>
+              <a:t>we</a:t>
+            </a:r>
+            <a:r>
+              <a:rPr lang="de-AT" dirty="0"/>
+              <a:t> </a:t>
+            </a:r>
+            <a:r>
+              <a:rPr lang="de-AT" dirty="0" err="1"/>
+              <a:t>can</a:t>
+            </a:r>
+            <a:r>
+              <a:rPr lang="de-AT" dirty="0"/>
+              <a:t> </a:t>
+            </a:r>
+            <a:r>
+              <a:rPr lang="de-AT" dirty="0" err="1"/>
+              <a:t>write</a:t>
+            </a:r>
+            <a:r>
+              <a:rPr lang="de-AT" dirty="0"/>
+              <a:t> </a:t>
+            </a:r>
+            <a:r>
+              <a:rPr lang="de-AT" dirty="0" err="1"/>
+              <a:t>this</a:t>
+            </a:r>
+            <a:r>
+              <a:rPr lang="de-AT" dirty="0"/>
+              <a:t> down </a:t>
+            </a:r>
+            <a:r>
+              <a:rPr lang="de-AT" dirty="0" err="1"/>
+              <a:t>as</a:t>
+            </a:r>
+            <a:r>
+              <a:rPr lang="de-AT" dirty="0"/>
+              <a:t>:</a:t>
+            </a:r>
+          </a:p>
+          <a:p>
+            <a:endParaRPr lang="de-AT" dirty="0"/>
+          </a:p>
+          <a:p>
+            <a:endParaRPr lang="de-AT" dirty="0"/>
+          </a:p>
+          <a:p>
+            <a:r>
+              <a:rPr lang="de-AT" dirty="0"/>
+              <a:t>The </a:t>
+            </a:r>
+            <a:r>
+              <a:rPr lang="de-AT" dirty="0" err="1"/>
+              <a:t>denominator</a:t>
+            </a:r>
+            <a:r>
+              <a:rPr lang="de-AT" dirty="0"/>
+              <a:t> </a:t>
+            </a:r>
+            <a:r>
+              <a:rPr lang="de-AT" dirty="0" err="1"/>
+              <a:t>is</a:t>
+            </a:r>
+            <a:r>
+              <a:rPr lang="de-AT" dirty="0"/>
+              <a:t> not </a:t>
+            </a:r>
+            <a:r>
+              <a:rPr lang="de-AT" dirty="0" err="1"/>
+              <a:t>dependent</a:t>
+            </a:r>
+            <a:r>
+              <a:rPr lang="de-AT" dirty="0"/>
+              <a:t> on </a:t>
+            </a:r>
+            <a:r>
+              <a:rPr lang="de-AT" i="1" dirty="0"/>
+              <a:t>C</a:t>
+            </a:r>
+            <a:r>
+              <a:rPr lang="de-AT" dirty="0"/>
+              <a:t> and </a:t>
+            </a:r>
+            <a:r>
+              <a:rPr lang="de-AT" dirty="0" err="1"/>
+              <a:t>therefore</a:t>
+            </a:r>
+            <a:r>
+              <a:rPr lang="de-AT" dirty="0"/>
+              <a:t> </a:t>
+            </a:r>
+            <a:r>
+              <a:rPr lang="de-AT" dirty="0" err="1"/>
+              <a:t>constant</a:t>
+            </a:r>
+            <a:r>
+              <a:rPr lang="de-AT" dirty="0"/>
+              <a:t> and </a:t>
+            </a:r>
+            <a:r>
+              <a:rPr lang="de-AT" dirty="0" err="1"/>
+              <a:t>we</a:t>
+            </a:r>
+            <a:r>
+              <a:rPr lang="de-AT" dirty="0"/>
+              <a:t> </a:t>
+            </a:r>
+            <a:r>
+              <a:rPr lang="de-AT" dirty="0" err="1"/>
+              <a:t>can</a:t>
+            </a:r>
+            <a:r>
+              <a:rPr lang="de-AT" dirty="0"/>
+              <a:t> </a:t>
+            </a:r>
+            <a:r>
+              <a:rPr lang="de-AT" dirty="0" err="1"/>
+              <a:t>eliminate</a:t>
+            </a:r>
+            <a:r>
+              <a:rPr lang="de-AT" dirty="0"/>
+              <a:t> </a:t>
+            </a:r>
+            <a:r>
+              <a:rPr lang="de-AT" dirty="0" err="1"/>
+              <a:t>it</a:t>
+            </a:r>
+            <a:r>
+              <a:rPr lang="de-AT" dirty="0"/>
+              <a:t>:</a:t>
+            </a:r>
+          </a:p>
+          <a:p>
+            <a:endParaRPr lang="de-AT" dirty="0"/>
+          </a:p>
+          <a:p>
+            <a:r>
               <a:rPr lang="en-US" dirty="0"/>
-              <a:t>Natural Language Processing</a:t>
-            </a:r>
-          </a:p>
-        </p:txBody>
-      </p:sp>
-      <p:sp>
-        <p:nvSpPr>
-          <p:cNvPr id="7" name="Date Placeholder 6">
-            <a:extLst>
-              <a:ext uri="{FF2B5EF4-FFF2-40B4-BE49-F238E27FC236}">
-                <a16:creationId xmlns:a16="http://schemas.microsoft.com/office/drawing/2014/main" id="{E4891BCA-22C1-FED5-7E7E-8A2ABDDA11B1}"/>
-              </a:ext>
-            </a:extLst>
-          </p:cNvPr>
-          <p:cNvSpPr>
-            <a:spLocks noGrp="1"/>
-          </p:cNvSpPr>
-          <p:nvPr>
-            <p:ph type="dt" sz="half" idx="10"/>
+              <a:t>If we can assume that all features </a:t>
+            </a:r>
+            <a:r>
+              <a:rPr lang="de-AT" i="1" dirty="0"/>
+              <a:t>F</a:t>
+            </a:r>
+            <a:r>
+              <a:rPr lang="de-AT" i="1" baseline="-25000" dirty="0"/>
+              <a:t>1</a:t>
+            </a:r>
+            <a:r>
+              <a:rPr lang="de-AT" i="1" dirty="0"/>
+              <a:t>, …, F</a:t>
+            </a:r>
+            <a:r>
+              <a:rPr lang="de-AT" i="1" baseline="-25000" dirty="0"/>
+              <a:t>n</a:t>
+            </a:r>
+            <a:r>
+              <a:rPr lang="de-AT" i="1" dirty="0"/>
+              <a:t> </a:t>
+            </a:r>
+            <a:r>
+              <a:rPr lang="en-US" dirty="0"/>
+              <a:t>are independent we can decompose the last part into:</a:t>
+            </a:r>
+          </a:p>
+        </p:txBody>
+      </p:sp>
+      <p:sp>
+        <p:nvSpPr>
+          <p:cNvPr id="4" name="Footer Placeholder 3">
+            <a:extLst>
+              <a:ext uri="{FF2B5EF4-FFF2-40B4-BE49-F238E27FC236}">
+                <a16:creationId xmlns:a16="http://schemas.microsoft.com/office/drawing/2014/main" id="{DF5CE8E9-732A-6271-BF13-5F0267FA7245}"/>
+              </a:ext>
+            </a:extLst>
+          </p:cNvPr>
+          <p:cNvSpPr>
+            <a:spLocks noGrp="1"/>
+          </p:cNvSpPr>
+          <p:nvPr>
+            <p:ph type="ftr" sz="quarter" idx="11"/>
           </p:nvPr>
         </p:nvSpPr>
         <p:spPr/>
@@ -9461,26 +9220,58 @@
           <a:bodyPr/>
           <a:lstStyle/>
           <a:p>
-            <a:pPr>
-              <a:defRPr/>
-            </a:pPr>
             <a:r>
               <a:rPr lang="en-US" dirty="0">
                 <a:solidFill>
                   <a:prstClr val="black"/>
                 </a:solidFill>
               </a:rPr>
-              <a:t>2022</a:t>
-            </a:r>
-          </a:p>
-        </p:txBody>
-      </p:sp>
-      <p:sp>
-        <p:nvSpPr>
-          <p:cNvPr id="8" name="Slide Number Placeholder 7">
-            <a:extLst>
-              <a:ext uri="{FF2B5EF4-FFF2-40B4-BE49-F238E27FC236}">
-                <a16:creationId xmlns:a16="http://schemas.microsoft.com/office/drawing/2014/main" id="{F735D0E7-A261-D8C4-B61D-00575C1DF412}"/>
+              <a:t>Natural Language Processing</a:t>
+            </a:r>
+          </a:p>
+        </p:txBody>
+      </p:sp>
+      <p:sp>
+        <p:nvSpPr>
+          <p:cNvPr id="5" name="Date Placeholder 4">
+            <a:extLst>
+              <a:ext uri="{FF2B5EF4-FFF2-40B4-BE49-F238E27FC236}">
+                <a16:creationId xmlns:a16="http://schemas.microsoft.com/office/drawing/2014/main" id="{89B9E9FF-B59F-1710-58AD-11BF680FA846}"/>
+              </a:ext>
+            </a:extLst>
+          </p:cNvPr>
+          <p:cNvSpPr>
+            <a:spLocks noGrp="1"/>
+          </p:cNvSpPr>
+          <p:nvPr>
+            <p:ph type="dt" sz="half" idx="10"/>
+          </p:nvPr>
+        </p:nvSpPr>
+        <p:spPr/>
+        <p:txBody>
+          <a:bodyPr/>
+          <a:lstStyle/>
+          <a:p>
+            <a:pPr>
+              <a:defRPr/>
+            </a:pPr>
+            <a:r>
+              <a:rPr lang="en-US" dirty="0">
+                <a:solidFill>
+                  <a:prstClr val="black"/>
+                </a:solidFill>
+              </a:rPr>
+              <a:t>2023</a:t>
+            </a:r>
+          </a:p>
+        </p:txBody>
+      </p:sp>
+      <p:sp>
+        <p:nvSpPr>
+          <p:cNvPr id="6" name="Slide Number Placeholder 5">
+            <a:extLst>
+              <a:ext uri="{FF2B5EF4-FFF2-40B4-BE49-F238E27FC236}">
+                <a16:creationId xmlns:a16="http://schemas.microsoft.com/office/drawing/2014/main" id="{AE257739-3270-6471-A9BB-07FFAD71B773}"/>
               </a:ext>
             </a:extLst>
           </p:cNvPr>
@@ -9513,7 +9304,7 @@
               <a:tabLst/>
               <a:defRPr/>
             </a:pPr>
-            <a:fld id="{244D815C-8BF3-4ECF-A945-A2A7C2983AF9}" type="slidenum">
+            <a:fld id="{06B786C7-B8F9-4072-AAAA-17258464D730}" type="slidenum">
               <a:rPr kumimoji="0" lang="en-US" sz="1050" b="0" i="0" u="none" strike="noStrike" kern="1200" cap="none" spc="0" normalizeH="0" baseline="0" noProof="0" smtClean="0">
                 <a:ln>
                   <a:noFill/>
@@ -9564,10 +9355,100 @@
           </a:p>
         </p:txBody>
       </p:sp>
+      <p:pic>
+        <p:nvPicPr>
+          <p:cNvPr id="8" name="Picture 7">
+            <a:extLst>
+              <a:ext uri="{FF2B5EF4-FFF2-40B4-BE49-F238E27FC236}">
+                <a16:creationId xmlns:a16="http://schemas.microsoft.com/office/drawing/2014/main" id="{811584CA-D713-4675-5931-99B96D2F1069}"/>
+              </a:ext>
+            </a:extLst>
+          </p:cNvPr>
+          <p:cNvPicPr>
+            <a:picLocks noChangeAspect="1"/>
+          </p:cNvPicPr>
+          <p:nvPr/>
+        </p:nvPicPr>
+        <p:blipFill>
+          <a:blip r:embed="rId2"/>
+          <a:stretch>
+            <a:fillRect/>
+          </a:stretch>
+        </p:blipFill>
+        <p:spPr>
+          <a:xfrm>
+            <a:off x="3775233" y="2169865"/>
+            <a:ext cx="3876675" cy="857250"/>
+          </a:xfrm>
+          <a:prstGeom prst="rect">
+            <a:avLst/>
+          </a:prstGeom>
+        </p:spPr>
+      </p:pic>
+      <p:pic>
+        <p:nvPicPr>
+          <p:cNvPr id="10" name="Picture 9">
+            <a:extLst>
+              <a:ext uri="{FF2B5EF4-FFF2-40B4-BE49-F238E27FC236}">
+                <a16:creationId xmlns:a16="http://schemas.microsoft.com/office/drawing/2014/main" id="{36D341BB-3E4E-41C0-5A31-974C43ECF332}"/>
+              </a:ext>
+            </a:extLst>
+          </p:cNvPr>
+          <p:cNvPicPr>
+            <a:picLocks noChangeAspect="1"/>
+          </p:cNvPicPr>
+          <p:nvPr/>
+        </p:nvPicPr>
+        <p:blipFill>
+          <a:blip r:embed="rId3"/>
+          <a:stretch>
+            <a:fillRect/>
+          </a:stretch>
+        </p:blipFill>
+        <p:spPr>
+          <a:xfrm>
+            <a:off x="3570445" y="4066257"/>
+            <a:ext cx="4286250" cy="638175"/>
+          </a:xfrm>
+          <a:prstGeom prst="rect">
+            <a:avLst/>
+          </a:prstGeom>
+        </p:spPr>
+      </p:pic>
+      <p:pic>
+        <p:nvPicPr>
+          <p:cNvPr id="12" name="Picture 11">
+            <a:extLst>
+              <a:ext uri="{FF2B5EF4-FFF2-40B4-BE49-F238E27FC236}">
+                <a16:creationId xmlns:a16="http://schemas.microsoft.com/office/drawing/2014/main" id="{9DD23282-A934-7F8C-D169-55E485349B75}"/>
+              </a:ext>
+            </a:extLst>
+          </p:cNvPr>
+          <p:cNvPicPr>
+            <a:picLocks noChangeAspect="1"/>
+          </p:cNvPicPr>
+          <p:nvPr/>
+        </p:nvPicPr>
+        <p:blipFill>
+          <a:blip r:embed="rId4"/>
+          <a:stretch>
+            <a:fillRect/>
+          </a:stretch>
+        </p:blipFill>
+        <p:spPr>
+          <a:xfrm>
+            <a:off x="1681162" y="5629910"/>
+            <a:ext cx="8829675" cy="762000"/>
+          </a:xfrm>
+          <a:prstGeom prst="rect">
+            <a:avLst/>
+          </a:prstGeom>
+        </p:spPr>
+      </p:pic>
     </p:spTree>
     <p:extLst>
       <p:ext uri="{BB962C8B-B14F-4D97-AF65-F5344CB8AC3E}">
-        <p14:creationId xmlns:p14="http://schemas.microsoft.com/office/powerpoint/2010/main" val="292775045"/>
+        <p14:creationId xmlns:p14="http://schemas.microsoft.com/office/powerpoint/2010/main" val="2192092264"/>
       </p:ext>
     </p:extLst>
   </p:cSld>
@@ -9618,8 +9499,20 @@
           <a:lstStyle/>
           <a:p>
             <a:r>
-              <a:rPr lang="de-AT" dirty="0"/>
-              <a:t>Contents</a:t>
+              <a:rPr lang="de-AT" dirty="0" err="1"/>
+              <a:t>Introduction</a:t>
+            </a:r>
+            <a:r>
+              <a:rPr lang="de-AT" dirty="0"/>
+              <a:t> </a:t>
+            </a:r>
+            <a:r>
+              <a:rPr lang="de-AT" dirty="0" err="1"/>
+              <a:t>to</a:t>
+            </a:r>
+            <a:r>
+              <a:rPr lang="de-AT" dirty="0"/>
+              <a:t> NLP</a:t>
             </a:r>
             <a:endParaRPr lang="en-US" dirty="0"/>
           </a:p>
@@ -9644,35 +9537,440 @@
         <p:spPr/>
         <p:txBody>
           <a:bodyPr>
-            <a:normAutofit/>
+            <a:normAutofit fontScale="85000" lnSpcReduction="10000"/>
           </a:bodyPr>
           <a:lstStyle/>
           <a:p>
             <a:r>
               <a:rPr lang="de-AT" dirty="0" err="1"/>
-              <a:t>Preprocessing</a:t>
+              <a:t>Two</a:t>
+            </a:r>
+            <a:r>
+              <a:rPr lang="de-AT" dirty="0"/>
+              <a:t> </a:t>
+            </a:r>
+            <a:r>
+              <a:rPr lang="de-AT" dirty="0" err="1"/>
+              <a:t>blocks</a:t>
+            </a:r>
+            <a:r>
+              <a:rPr lang="de-AT" dirty="0"/>
+              <a:t>:</a:t>
+            </a:r>
+          </a:p>
+          <a:p>
+            <a:pPr lvl="1"/>
+            <a:r>
+              <a:rPr lang="de-AT" dirty="0"/>
+              <a:t>Basics in NLP</a:t>
+            </a:r>
+          </a:p>
+          <a:p>
+            <a:pPr lvl="1"/>
+            <a:r>
+              <a:rPr lang="de-AT" dirty="0" err="1"/>
+              <a:t>Machine</a:t>
+            </a:r>
+            <a:r>
+              <a:rPr lang="de-AT" dirty="0"/>
+              <a:t> Learning in NLP</a:t>
+            </a:r>
+          </a:p>
+          <a:p>
+            <a:r>
+              <a:rPr lang="de-AT" dirty="0" err="1"/>
+              <a:t>Aim</a:t>
+            </a:r>
+            <a:r>
+              <a:rPr lang="de-AT" dirty="0"/>
+              <a:t>:</a:t>
+            </a:r>
+          </a:p>
+          <a:p>
+            <a:pPr lvl="1"/>
+            <a:r>
+              <a:rPr lang="de-AT" dirty="0"/>
+              <a:t>At </a:t>
+            </a:r>
+            <a:r>
+              <a:rPr lang="de-AT" dirty="0" err="1"/>
+              <a:t>the</a:t>
+            </a:r>
+            <a:r>
+              <a:rPr lang="de-AT" dirty="0"/>
+              <a:t> end </a:t>
+            </a:r>
+            <a:r>
+              <a:rPr lang="de-AT" dirty="0" err="1"/>
+              <a:t>of</a:t>
+            </a:r>
+            <a:r>
+              <a:rPr lang="de-AT" dirty="0"/>
+              <a:t> </a:t>
+            </a:r>
+            <a:r>
+              <a:rPr lang="de-AT" dirty="0" err="1"/>
+              <a:t>these</a:t>
+            </a:r>
+            <a:r>
+              <a:rPr lang="de-AT" dirty="0"/>
+              <a:t> </a:t>
+            </a:r>
+            <a:r>
+              <a:rPr lang="de-AT" dirty="0" err="1"/>
+              <a:t>two</a:t>
+            </a:r>
+            <a:r>
+              <a:rPr lang="de-AT" dirty="0"/>
+              <a:t> </a:t>
+            </a:r>
+            <a:r>
+              <a:rPr lang="de-AT" dirty="0" err="1"/>
+              <a:t>blocks</a:t>
+            </a:r>
+            <a:r>
+              <a:rPr lang="de-AT" dirty="0"/>
+              <a:t> </a:t>
+            </a:r>
+            <a:r>
+              <a:rPr lang="de-AT" dirty="0" err="1"/>
+              <a:t>you</a:t>
+            </a:r>
+            <a:r>
+              <a:rPr lang="de-AT" dirty="0"/>
+              <a:t> </a:t>
+            </a:r>
+            <a:r>
+              <a:rPr lang="de-AT" dirty="0" err="1"/>
+              <a:t>should</a:t>
+            </a:r>
+            <a:r>
+              <a:rPr lang="de-AT" dirty="0"/>
+              <a:t> </a:t>
+            </a:r>
+            <a:r>
+              <a:rPr lang="de-AT" dirty="0" err="1"/>
+              <a:t>know</a:t>
+            </a:r>
+            <a:r>
+              <a:rPr lang="de-AT" dirty="0"/>
+              <a:t> </a:t>
+            </a:r>
+            <a:r>
+              <a:rPr lang="de-AT" dirty="0" err="1"/>
+              <a:t>how</a:t>
+            </a:r>
+            <a:r>
+              <a:rPr lang="de-AT" dirty="0"/>
+              <a:t> </a:t>
+            </a:r>
+            <a:r>
+              <a:rPr lang="de-AT" dirty="0" err="1"/>
+              <a:t>to</a:t>
+            </a:r>
+            <a:r>
+              <a:rPr lang="de-AT" dirty="0"/>
+              <a:t> </a:t>
+            </a:r>
+            <a:r>
+              <a:rPr lang="de-AT" dirty="0" err="1"/>
+              <a:t>efficiently</a:t>
+            </a:r>
+            <a:r>
+              <a:rPr lang="de-AT" dirty="0"/>
+              <a:t> deal </a:t>
+            </a:r>
+            <a:r>
+              <a:rPr lang="de-AT" dirty="0" err="1"/>
+              <a:t>with</a:t>
+            </a:r>
+            <a:r>
+              <a:rPr lang="de-AT" dirty="0"/>
+              <a:t> </a:t>
+            </a:r>
+            <a:r>
+              <a:rPr lang="de-AT" dirty="0" err="1"/>
+              <a:t>textual</a:t>
+            </a:r>
+            <a:r>
+              <a:rPr lang="de-AT" dirty="0"/>
+              <a:t> </a:t>
+            </a:r>
+            <a:r>
+              <a:rPr lang="de-AT" dirty="0" err="1"/>
+              <a:t>data</a:t>
+            </a:r>
+            <a:r>
+              <a:rPr lang="de-AT" dirty="0"/>
+              <a:t>, </a:t>
+            </a:r>
+            <a:r>
+              <a:rPr lang="de-AT" dirty="0" err="1"/>
+              <a:t>understand</a:t>
+            </a:r>
+            <a:r>
+              <a:rPr lang="de-AT" dirty="0"/>
+              <a:t> and </a:t>
+            </a:r>
+            <a:r>
+              <a:rPr lang="de-AT" dirty="0" err="1"/>
+              <a:t>know</a:t>
+            </a:r>
+            <a:r>
+              <a:rPr lang="de-AT" dirty="0"/>
+              <a:t> </a:t>
+            </a:r>
+            <a:r>
+              <a:rPr lang="de-AT" dirty="0" err="1"/>
+              <a:t>how</a:t>
+            </a:r>
+            <a:r>
+              <a:rPr lang="de-AT" dirty="0"/>
+              <a:t> </a:t>
+            </a:r>
+            <a:r>
+              <a:rPr lang="de-AT" dirty="0" err="1"/>
+              <a:t>to</a:t>
+            </a:r>
+            <a:r>
+              <a:rPr lang="de-AT" dirty="0"/>
+              <a:t> </a:t>
+            </a:r>
+            <a:r>
+              <a:rPr lang="de-AT" dirty="0" err="1"/>
+              <a:t>apply</a:t>
+            </a:r>
+            <a:r>
+              <a:rPr lang="de-AT" dirty="0"/>
+              <a:t> </a:t>
+            </a:r>
+            <a:r>
+              <a:rPr lang="de-AT" dirty="0" err="1"/>
+              <a:t>common</a:t>
+            </a:r>
+            <a:r>
+              <a:rPr lang="de-AT" dirty="0"/>
+              <a:t> </a:t>
+            </a:r>
+            <a:r>
+              <a:rPr lang="de-AT" dirty="0" err="1"/>
+              <a:t>concepts</a:t>
+            </a:r>
+            <a:r>
+              <a:rPr lang="de-AT" dirty="0"/>
+              <a:t> &amp; </a:t>
+            </a:r>
+            <a:r>
+              <a:rPr lang="de-AT" dirty="0" err="1"/>
+              <a:t>be</a:t>
+            </a:r>
+            <a:r>
+              <a:rPr lang="de-AT" dirty="0"/>
+              <a:t> </a:t>
+            </a:r>
+            <a:r>
+              <a:rPr lang="de-AT" dirty="0" err="1"/>
+              <a:t>able</a:t>
+            </a:r>
+            <a:r>
+              <a:rPr lang="de-AT" dirty="0"/>
+              <a:t> </a:t>
+            </a:r>
+            <a:r>
+              <a:rPr lang="de-AT" dirty="0" err="1"/>
+              <a:t>to</a:t>
+            </a:r>
+            <a:r>
+              <a:rPr lang="de-AT" dirty="0"/>
+              <a:t> </a:t>
+            </a:r>
+            <a:r>
+              <a:rPr lang="de-AT" dirty="0" err="1"/>
+              <a:t>solve</a:t>
+            </a:r>
+            <a:r>
+              <a:rPr lang="de-AT" dirty="0"/>
+              <a:t> </a:t>
+            </a:r>
+            <a:r>
+              <a:rPr lang="de-AT" dirty="0" err="1"/>
+              <a:t>common</a:t>
+            </a:r>
+            <a:r>
+              <a:rPr lang="de-AT" dirty="0"/>
+              <a:t> NLP </a:t>
+            </a:r>
+            <a:r>
+              <a:rPr lang="de-AT" dirty="0" err="1"/>
+              <a:t>tasks</a:t>
             </a:r>
             <a:endParaRPr lang="de-AT" dirty="0"/>
           </a:p>
           <a:p>
             <a:r>
-              <a:rPr lang="de-AT" dirty="0"/>
-              <a:t>Feature </a:t>
-            </a:r>
-            <a:r>
-              <a:rPr lang="de-AT" dirty="0" err="1"/>
-              <a:t>representations</a:t>
+              <a:rPr lang="de-AT" dirty="0" err="1"/>
+              <a:t>What</a:t>
+            </a:r>
+            <a:r>
+              <a:rPr lang="de-AT" dirty="0"/>
+              <a:t> </a:t>
+            </a:r>
+            <a:r>
+              <a:rPr lang="de-AT" dirty="0" err="1"/>
+              <a:t>to</a:t>
+            </a:r>
+            <a:r>
+              <a:rPr lang="de-AT" dirty="0"/>
+              <a:t> not </a:t>
+            </a:r>
+            <a:r>
+              <a:rPr lang="de-AT" dirty="0" err="1"/>
+              <a:t>expect</a:t>
+            </a:r>
+            <a:r>
+              <a:rPr lang="de-AT" dirty="0"/>
+              <a:t>:</a:t>
+            </a:r>
+          </a:p>
+          <a:p>
+            <a:pPr lvl="1"/>
+            <a:r>
+              <a:rPr lang="de-AT" dirty="0"/>
+              <a:t>This </a:t>
+            </a:r>
+            <a:r>
+              <a:rPr lang="de-AT" dirty="0" err="1"/>
+              <a:t>is</a:t>
+            </a:r>
+            <a:r>
+              <a:rPr lang="de-AT" dirty="0"/>
+              <a:t> not a </a:t>
+            </a:r>
+            <a:r>
+              <a:rPr lang="de-AT" dirty="0" err="1"/>
+              <a:t>machine</a:t>
+            </a:r>
+            <a:r>
+              <a:rPr lang="de-AT" dirty="0"/>
+              <a:t> </a:t>
+            </a:r>
+            <a:r>
+              <a:rPr lang="de-AT" dirty="0" err="1"/>
+              <a:t>learning</a:t>
+            </a:r>
+            <a:r>
+              <a:rPr lang="de-AT" dirty="0"/>
+              <a:t> </a:t>
+            </a:r>
+            <a:r>
+              <a:rPr lang="de-AT" dirty="0" err="1"/>
+              <a:t>course</a:t>
+            </a:r>
+            <a:r>
+              <a:rPr lang="de-AT" dirty="0"/>
+              <a:t>, </a:t>
+            </a:r>
+            <a:r>
+              <a:rPr lang="de-AT" dirty="0" err="1"/>
+              <a:t>we</a:t>
+            </a:r>
+            <a:r>
+              <a:rPr lang="de-AT" dirty="0"/>
+              <a:t> will </a:t>
+            </a:r>
+            <a:r>
+              <a:rPr lang="de-AT" dirty="0" err="1"/>
+              <a:t>use</a:t>
+            </a:r>
+            <a:r>
+              <a:rPr lang="de-AT" dirty="0"/>
+              <a:t> ML </a:t>
+            </a:r>
+            <a:r>
+              <a:rPr lang="de-AT" dirty="0" err="1"/>
+              <a:t>methods</a:t>
+            </a:r>
+            <a:r>
+              <a:rPr lang="de-AT" dirty="0"/>
+              <a:t> but </a:t>
+            </a:r>
+            <a:r>
+              <a:rPr lang="de-AT" dirty="0" err="1"/>
+              <a:t>they</a:t>
+            </a:r>
+            <a:r>
+              <a:rPr lang="de-AT" dirty="0"/>
+              <a:t> will NOT </a:t>
+            </a:r>
+            <a:r>
+              <a:rPr lang="de-AT" dirty="0" err="1"/>
+              <a:t>be</a:t>
+            </a:r>
+            <a:r>
+              <a:rPr lang="de-AT" dirty="0"/>
+              <a:t> </a:t>
+            </a:r>
+            <a:r>
+              <a:rPr lang="de-AT" dirty="0" err="1"/>
+              <a:t>explained</a:t>
+            </a:r>
+            <a:r>
+              <a:rPr lang="de-AT" dirty="0"/>
+              <a:t> in-</a:t>
+            </a:r>
+            <a:r>
+              <a:rPr lang="de-AT" dirty="0" err="1"/>
+              <a:t>depth</a:t>
             </a:r>
             <a:endParaRPr lang="de-AT" dirty="0"/>
           </a:p>
           <a:p>
             <a:r>
-              <a:rPr lang="de-AT" dirty="0"/>
-              <a:t>Popular NLP </a:t>
-            </a:r>
-            <a:r>
-              <a:rPr lang="de-AT" dirty="0" err="1"/>
-              <a:t>packages</a:t>
+              <a:rPr lang="de-AT" dirty="0" err="1"/>
+              <a:t>Grading</a:t>
+            </a:r>
+            <a:r>
+              <a:rPr lang="de-AT" dirty="0"/>
+              <a:t> </a:t>
+            </a:r>
+            <a:r>
+              <a:rPr lang="de-AT" dirty="0" err="1"/>
+              <a:t>for</a:t>
+            </a:r>
+            <a:r>
+              <a:rPr lang="de-AT" dirty="0"/>
+              <a:t> </a:t>
+            </a:r>
+            <a:r>
+              <a:rPr lang="de-AT" dirty="0" err="1"/>
+              <a:t>these</a:t>
+            </a:r>
+            <a:r>
+              <a:rPr lang="de-AT" dirty="0"/>
+              <a:t> </a:t>
+            </a:r>
+            <a:r>
+              <a:rPr lang="de-AT" dirty="0" err="1"/>
+              <a:t>two</a:t>
+            </a:r>
+            <a:r>
+              <a:rPr lang="de-AT" dirty="0"/>
+              <a:t> </a:t>
+            </a:r>
+            <a:r>
+              <a:rPr lang="de-AT" dirty="0" err="1"/>
+              <a:t>blocks</a:t>
+            </a:r>
+            <a:r>
+              <a:rPr lang="de-AT" dirty="0"/>
+              <a:t>:</a:t>
+            </a:r>
+          </a:p>
+          <a:p>
+            <a:pPr lvl="1"/>
+            <a:r>
+              <a:rPr lang="de-AT" dirty="0" err="1"/>
+              <a:t>Attendance</a:t>
             </a:r>
             <a:endParaRPr lang="de-AT" dirty="0"/>
           </a:p>
@@ -9680,36 +9978,65 @@
             <a:pPr lvl="1"/>
             <a:r>
               <a:rPr lang="de-AT" dirty="0" err="1"/>
-              <a:t>spaCy</a:t>
+              <a:t>Two</a:t>
+            </a:r>
+            <a:r>
+              <a:rPr lang="de-AT" dirty="0"/>
+              <a:t> (</a:t>
+            </a:r>
+            <a:r>
+              <a:rPr lang="de-AT" dirty="0" err="1"/>
+              <a:t>small</a:t>
+            </a:r>
+            <a:r>
+              <a:rPr lang="de-AT" dirty="0"/>
+              <a:t>) </a:t>
+            </a:r>
+            <a:r>
+              <a:rPr lang="de-AT" dirty="0" err="1"/>
+              <a:t>homeworks</a:t>
+            </a:r>
+            <a:r>
+              <a:rPr lang="de-AT" dirty="0"/>
+              <a:t> </a:t>
+            </a:r>
+            <a:r>
+              <a:rPr lang="de-AT" dirty="0" err="1"/>
+              <a:t>until</a:t>
+            </a:r>
+            <a:r>
+              <a:rPr lang="de-AT" dirty="0"/>
+              <a:t> </a:t>
+            </a:r>
+            <a:r>
+              <a:rPr lang="de-AT" dirty="0" err="1"/>
+              <a:t>the</a:t>
+            </a:r>
+            <a:r>
+              <a:rPr lang="de-AT" dirty="0"/>
+              <a:t> end </a:t>
+            </a:r>
+            <a:r>
+              <a:rPr lang="de-AT" dirty="0" err="1"/>
+              <a:t>of</a:t>
+            </a:r>
+            <a:r>
+              <a:rPr lang="de-AT" dirty="0"/>
+              <a:t> </a:t>
+            </a:r>
+            <a:r>
+              <a:rPr lang="de-AT" dirty="0" err="1"/>
+              <a:t>the</a:t>
+            </a:r>
+            <a:r>
+              <a:rPr lang="de-AT" dirty="0"/>
+              <a:t> </a:t>
+            </a:r>
+            <a:r>
+              <a:rPr lang="de-AT" dirty="0" err="1"/>
+              <a:t>semester</a:t>
             </a:r>
             <a:endParaRPr lang="de-AT" dirty="0"/>
-          </a:p>
-          <a:p>
-            <a:pPr lvl="1"/>
-            <a:r>
-              <a:rPr lang="de-AT" dirty="0"/>
-              <a:t>NLTK</a:t>
-            </a:r>
-          </a:p>
-          <a:p>
-            <a:pPr lvl="1"/>
-            <a:r>
-              <a:rPr lang="de-AT" dirty="0" err="1"/>
-              <a:t>Gensim</a:t>
-            </a:r>
-            <a:endParaRPr lang="de-AT" dirty="0"/>
-          </a:p>
-          <a:p>
-            <a:r>
-              <a:rPr lang="de-AT" dirty="0"/>
-              <a:t>Clustering</a:t>
-            </a:r>
-          </a:p>
-          <a:p>
-            <a:r>
-              <a:rPr lang="de-AT" dirty="0"/>
-              <a:t>Classification</a:t>
-            </a:r>
           </a:p>
         </p:txBody>
       </p:sp>
@@ -9772,7 +10099,7 @@
                   <a:prstClr val="black"/>
                 </a:solidFill>
               </a:rPr>
-              <a:t>2022</a:t>
+              <a:t>2023</a:t>
             </a:r>
           </a:p>
         </p:txBody>
@@ -9869,7 +10196,7 @@
     </p:spTree>
     <p:extLst>
       <p:ext uri="{BB962C8B-B14F-4D97-AF65-F5344CB8AC3E}">
-        <p14:creationId xmlns:p14="http://schemas.microsoft.com/office/powerpoint/2010/main" val="476857048"/>
+        <p14:creationId xmlns:p14="http://schemas.microsoft.com/office/powerpoint/2010/main" val="1673877297"/>
       </p:ext>
     </p:extLst>
   </p:cSld>
@@ -9901,7 +10228,7 @@
           <p:cNvPr id="2" name="Title 1">
             <a:extLst>
               <a:ext uri="{FF2B5EF4-FFF2-40B4-BE49-F238E27FC236}">
-                <a16:creationId xmlns:a16="http://schemas.microsoft.com/office/drawing/2014/main" id="{E059E7F5-396E-8CF9-1226-67DF25110BB6}"/>
+                <a16:creationId xmlns:a16="http://schemas.microsoft.com/office/drawing/2014/main" id="{03937C37-F566-7DE7-A59C-570CDCCA0A18}"/>
               </a:ext>
             </a:extLst>
           </p:cNvPr>
@@ -9921,47 +10248,137 @@
           <a:p>
             <a:r>
               <a:rPr lang="de-AT" dirty="0" err="1"/>
-              <a:t>Homework</a:t>
+              <a:t>naiveBayes</a:t>
             </a:r>
             <a:endParaRPr lang="en-US" dirty="0"/>
           </a:p>
         </p:txBody>
       </p:sp>
-      <p:pic>
-        <p:nvPicPr>
-          <p:cNvPr id="8" name="Content Placeholder 7" descr="Graphical user interface, text, application&#10;&#10;Description automatically generated">
-            <a:extLst>
-              <a:ext uri="{FF2B5EF4-FFF2-40B4-BE49-F238E27FC236}">
-                <a16:creationId xmlns:a16="http://schemas.microsoft.com/office/drawing/2014/main" id="{8C199CAA-7FB4-59AB-8D73-5D76B9FABA3A}"/>
-              </a:ext>
-            </a:extLst>
-          </p:cNvPr>
-          <p:cNvPicPr>
-            <a:picLocks noGrp="1" noChangeAspect="1"/>
-          </p:cNvPicPr>
+      <p:sp>
+        <p:nvSpPr>
+          <p:cNvPr id="3" name="Content Placeholder 2">
+            <a:extLst>
+              <a:ext uri="{FF2B5EF4-FFF2-40B4-BE49-F238E27FC236}">
+                <a16:creationId xmlns:a16="http://schemas.microsoft.com/office/drawing/2014/main" id="{C4742CE0-7670-22C1-A17B-552CE37AD4A4}"/>
+              </a:ext>
+            </a:extLst>
+          </p:cNvPr>
+          <p:cNvSpPr>
+            <a:spLocks noGrp="1"/>
+          </p:cNvSpPr>
           <p:nvPr>
             <p:ph sz="quarter" idx="14"/>
           </p:nvPr>
-        </p:nvPicPr>
-        <p:blipFill>
-          <a:blip r:embed="rId2"/>
-          <a:stretch>
-            <a:fillRect/>
-          </a:stretch>
-        </p:blipFill>
-        <p:spPr>
-          <a:xfrm>
-            <a:off x="2696952" y="1695450"/>
-            <a:ext cx="6798096" cy="4314825"/>
-          </a:xfrm>
-        </p:spPr>
-      </p:pic>
+        </p:nvSpPr>
+        <p:spPr/>
+        <p:txBody>
+          <a:bodyPr/>
+          <a:lstStyle/>
+          <a:p>
+            <a:r>
+              <a:rPr lang="de-AT" dirty="0" err="1"/>
+              <a:t>Our</a:t>
+            </a:r>
+            <a:r>
+              <a:rPr lang="de-AT" dirty="0"/>
+              <a:t> final </a:t>
+            </a:r>
+            <a:r>
+              <a:rPr lang="de-AT" dirty="0" err="1"/>
+              <a:t>classifier</a:t>
+            </a:r>
+            <a:r>
+              <a:rPr lang="de-AT" dirty="0"/>
+              <a:t> </a:t>
+            </a:r>
+            <a:r>
+              <a:rPr lang="de-AT" dirty="0" err="1"/>
+              <a:t>is</a:t>
+            </a:r>
+            <a:r>
+              <a:rPr lang="de-AT" dirty="0"/>
+              <a:t> </a:t>
+            </a:r>
+            <a:r>
+              <a:rPr lang="de-AT" dirty="0" err="1"/>
+              <a:t>therefore</a:t>
+            </a:r>
+            <a:r>
+              <a:rPr lang="de-AT" dirty="0"/>
+              <a:t>:</a:t>
+            </a:r>
+          </a:p>
+          <a:p>
+            <a:endParaRPr lang="de-AT" dirty="0"/>
+          </a:p>
+          <a:p>
+            <a:endParaRPr lang="de-AT" dirty="0"/>
+          </a:p>
+          <a:p>
+            <a:pPr marL="0" indent="0">
+              <a:buNone/>
+            </a:pPr>
+            <a:r>
+              <a:rPr lang="de-AT" b="1" dirty="0" err="1"/>
+              <a:t>Exercise</a:t>
+            </a:r>
+            <a:r>
+              <a:rPr lang="de-AT" b="1" dirty="0"/>
+              <a:t> 4: </a:t>
+            </a:r>
+            <a:r>
+              <a:rPr lang="de-AT" dirty="0">
+                <a:solidFill>
+                  <a:schemeClr val="accent1"/>
+                </a:solidFill>
+                <a:hlinkClick r:id="rId2">
+                  <a:extLst>
+                    <a:ext uri="{A12FA001-AC4F-418D-AE19-62706E023703}">
+                      <ahyp:hlinkClr xmlns:ahyp="http://schemas.microsoft.com/office/drawing/2018/hyperlinkcolor" val="tx"/>
+                    </a:ext>
+                  </a:extLst>
+                </a:hlinkClick>
+              </a:rPr>
+              <a:t>https://github.com/michabirklbauer/hgb_dse_text_mining/blob/master/Classification.ipynb</a:t>
+            </a:r>
+            <a:br>
+              <a:rPr lang="de-AT" dirty="0"/>
+            </a:br>
+            <a:r>
+              <a:rPr lang="de-AT" dirty="0">
+                <a:solidFill>
+                  <a:schemeClr val="accent1"/>
+                </a:solidFill>
+                <a:hlinkClick r:id="rId3">
+                  <a:extLst>
+                    <a:ext uri="{A12FA001-AC4F-418D-AE19-62706E023703}">
+                      <ahyp:hlinkClr xmlns:ahyp="http://schemas.microsoft.com/office/drawing/2018/hyperlinkcolor" val="tx"/>
+                    </a:ext>
+                  </a:extLst>
+                </a:hlinkClick>
+              </a:rPr>
+              <a:t>https://colab.research.google.com/github/michabirklbauer/hgb_dse_text_mining/blob/master/Classification.ipynb</a:t>
+            </a:r>
+            <a:r>
+              <a:rPr lang="de-AT" dirty="0">
+                <a:solidFill>
+                  <a:schemeClr val="accent1"/>
+                </a:solidFill>
+              </a:rPr>
+              <a:t> </a:t>
+            </a:r>
+          </a:p>
+          <a:p>
+            <a:endParaRPr lang="en-US" dirty="0"/>
+          </a:p>
+        </p:txBody>
+      </p:sp>
       <p:sp>
         <p:nvSpPr>
           <p:cNvPr id="4" name="Footer Placeholder 3">
             <a:extLst>
               <a:ext uri="{FF2B5EF4-FFF2-40B4-BE49-F238E27FC236}">
-                <a16:creationId xmlns:a16="http://schemas.microsoft.com/office/drawing/2014/main" id="{70BA03A1-7B49-0B76-7D32-DB3A413717B5}"/>
+                <a16:creationId xmlns:a16="http://schemas.microsoft.com/office/drawing/2014/main" id="{F34E7399-AB59-C016-5797-F26AD808A158}"/>
               </a:ext>
             </a:extLst>
           </p:cNvPr>
@@ -9993,7 +10410,7 @@
           <p:cNvPr id="5" name="Date Placeholder 4">
             <a:extLst>
               <a:ext uri="{FF2B5EF4-FFF2-40B4-BE49-F238E27FC236}">
-                <a16:creationId xmlns:a16="http://schemas.microsoft.com/office/drawing/2014/main" id="{18EBAEDD-3518-30C0-EFEF-CAFC7864986E}"/>
+                <a16:creationId xmlns:a16="http://schemas.microsoft.com/office/drawing/2014/main" id="{B2A57854-6DF1-A84A-9EFE-69FD4A5536AA}"/>
               </a:ext>
             </a:extLst>
           </p:cNvPr>
@@ -10018,7 +10435,7 @@
                   <a:prstClr val="black"/>
                 </a:solidFill>
               </a:rPr>
-              <a:t>2022</a:t>
+              <a:t>2023</a:t>
             </a:r>
           </a:p>
         </p:txBody>
@@ -10028,7 +10445,7 @@
           <p:cNvPr id="6" name="Slide Number Placeholder 5">
             <a:extLst>
               <a:ext uri="{FF2B5EF4-FFF2-40B4-BE49-F238E27FC236}">
-                <a16:creationId xmlns:a16="http://schemas.microsoft.com/office/drawing/2014/main" id="{28886EE7-89B7-017F-06AC-D176FDF8DA04}"/>
+                <a16:creationId xmlns:a16="http://schemas.microsoft.com/office/drawing/2014/main" id="{4F87E472-ED16-59A6-ADDF-834E600AB615}"/>
               </a:ext>
             </a:extLst>
           </p:cNvPr>
@@ -10112,10 +10529,40 @@
           </a:p>
         </p:txBody>
       </p:sp>
+      <p:pic>
+        <p:nvPicPr>
+          <p:cNvPr id="10" name="Picture 9">
+            <a:extLst>
+              <a:ext uri="{FF2B5EF4-FFF2-40B4-BE49-F238E27FC236}">
+                <a16:creationId xmlns:a16="http://schemas.microsoft.com/office/drawing/2014/main" id="{8E510C80-9AC0-8BF6-4B65-D02A98C3C89E}"/>
+              </a:ext>
+            </a:extLst>
+          </p:cNvPr>
+          <p:cNvPicPr>
+            <a:picLocks noChangeAspect="1"/>
+          </p:cNvPicPr>
+          <p:nvPr/>
+        </p:nvPicPr>
+        <p:blipFill>
+          <a:blip r:embed="rId4"/>
+          <a:stretch>
+            <a:fillRect/>
+          </a:stretch>
+        </p:blipFill>
+        <p:spPr>
+          <a:xfrm>
+            <a:off x="3876675" y="2241388"/>
+            <a:ext cx="4438650" cy="714375"/>
+          </a:xfrm>
+          <a:prstGeom prst="rect">
+            <a:avLst/>
+          </a:prstGeom>
+        </p:spPr>
+      </p:pic>
     </p:spTree>
     <p:extLst>
       <p:ext uri="{BB962C8B-B14F-4D97-AF65-F5344CB8AC3E}">
-        <p14:creationId xmlns:p14="http://schemas.microsoft.com/office/powerpoint/2010/main" val="439047946"/>
+        <p14:creationId xmlns:p14="http://schemas.microsoft.com/office/powerpoint/2010/main" val="1667092704"/>
       </p:ext>
     </p:extLst>
   </p:cSld>
@@ -10144,239 +10591,222 @@
       </p:grpSpPr>
       <p:sp>
         <p:nvSpPr>
-          <p:cNvPr id="7" name="Title 6">
-            <a:extLst>
-              <a:ext uri="{FF2B5EF4-FFF2-40B4-BE49-F238E27FC236}">
-                <a16:creationId xmlns:a16="http://schemas.microsoft.com/office/drawing/2014/main" id="{E9C0B9D1-D153-882C-ECBF-B981C604B115}"/>
-              </a:ext>
-            </a:extLst>
-          </p:cNvPr>
-          <p:cNvSpPr>
-            <a:spLocks noGrp="1"/>
-          </p:cNvSpPr>
-          <p:nvPr>
-            <p:ph type="ctrTitle"/>
-          </p:nvPr>
-        </p:nvSpPr>
-        <p:spPr>
-          <a:xfrm>
-            <a:off x="649044" y="753034"/>
-            <a:ext cx="5802090" cy="765373"/>
-          </a:xfrm>
-        </p:spPr>
+          <p:cNvPr id="9" name="Title 8">
+            <a:extLst>
+              <a:ext uri="{FF2B5EF4-FFF2-40B4-BE49-F238E27FC236}">
+                <a16:creationId xmlns:a16="http://schemas.microsoft.com/office/drawing/2014/main" id="{D6CD5863-9262-E43B-8A69-C181FC224D09}"/>
+              </a:ext>
+            </a:extLst>
+          </p:cNvPr>
+          <p:cNvSpPr>
+            <a:spLocks noGrp="1"/>
+          </p:cNvSpPr>
+          <p:nvPr>
+            <p:ph type="title"/>
+          </p:nvPr>
+        </p:nvSpPr>
+        <p:spPr/>
         <p:txBody>
           <a:bodyPr>
-            <a:normAutofit/>
+            <a:normAutofit fontScale="90000"/>
           </a:bodyPr>
           <a:lstStyle/>
           <a:p>
             <a:r>
-              <a:rPr lang="de-AT" sz="3600" dirty="0"/>
-              <a:t>2. Block – Outlook:</a:t>
+              <a:rPr lang="de-AT" dirty="0"/>
+              <a:t>Feature </a:t>
+            </a:r>
+            <a:r>
+              <a:rPr lang="de-AT" dirty="0" err="1"/>
+              <a:t>Importance</a:t>
             </a:r>
             <a:endParaRPr lang="en-US" dirty="0"/>
-          </a:p>
-        </p:txBody>
-      </p:sp>
-      <p:sp>
-        <p:nvSpPr>
-          <p:cNvPr id="8" name="Subtitle 7">
-            <a:extLst>
-              <a:ext uri="{FF2B5EF4-FFF2-40B4-BE49-F238E27FC236}">
-                <a16:creationId xmlns:a16="http://schemas.microsoft.com/office/drawing/2014/main" id="{D8370FC6-BFF8-1A37-559E-28732D9B8FFD}"/>
-              </a:ext>
-            </a:extLst>
-          </p:cNvPr>
-          <p:cNvSpPr>
-            <a:spLocks noGrp="1"/>
-          </p:cNvSpPr>
-          <p:nvPr>
-            <p:ph type="subTitle" idx="1"/>
-          </p:nvPr>
-        </p:nvSpPr>
-        <p:spPr>
-          <a:xfrm>
-            <a:off x="649045" y="4640424"/>
-            <a:ext cx="5446955" cy="1303176"/>
-          </a:xfrm>
-        </p:spPr>
-        <p:txBody>
-          <a:bodyPr>
-            <a:normAutofit fontScale="92500"/>
-          </a:bodyPr>
-          <a:lstStyle/>
-          <a:p>
-            <a:r>
-              <a:rPr lang="de-AT" dirty="0"/>
-              <a:t>Feedback &amp; Questions:</a:t>
-            </a:r>
-          </a:p>
-          <a:p>
-            <a:r>
-              <a:rPr lang="de-AT" sz="2600" dirty="0"/>
-              <a:t>micha.birklbauer@fh-hagenberg.at</a:t>
-            </a:r>
-            <a:endParaRPr lang="en-US" sz="2600" dirty="0"/>
           </a:p>
         </p:txBody>
       </p:sp>
       <p:pic>
         <p:nvPicPr>
-          <p:cNvPr id="15" name="Picture 14" descr="Graphical user interface, website&#10;&#10;Description automatically generated">
-            <a:extLst>
-              <a:ext uri="{FF2B5EF4-FFF2-40B4-BE49-F238E27FC236}">
-                <a16:creationId xmlns:a16="http://schemas.microsoft.com/office/drawing/2014/main" id="{38401F39-B5EF-009D-D090-1EEB63980315}"/>
+          <p:cNvPr id="12" name="Content Placeholder 11">
+            <a:extLst>
+              <a:ext uri="{FF2B5EF4-FFF2-40B4-BE49-F238E27FC236}">
+                <a16:creationId xmlns:a16="http://schemas.microsoft.com/office/drawing/2014/main" id="{ED52B86E-D805-3D18-B447-094D59D4A7E8}"/>
               </a:ext>
             </a:extLst>
           </p:cNvPr>
           <p:cNvPicPr>
-            <a:picLocks noChangeAspect="1"/>
+            <a:picLocks noGrp="1" noChangeAspect="1"/>
           </p:cNvPicPr>
-          <p:nvPr/>
+          <p:nvPr>
+            <p:ph sz="quarter" idx="14"/>
+          </p:nvPr>
         </p:nvPicPr>
         <p:blipFill>
-          <a:blip r:embed="rId2"/>
+          <a:blip r:embed="rId2">
+            <a:extLst>
+              <a:ext uri="{96DAC541-7B7A-43D3-8B79-37D633B846F1}">
+                <asvg:svgBlip xmlns:asvg="http://schemas.microsoft.com/office/drawing/2016/SVG/main" r:embed="rId3"/>
+              </a:ext>
+            </a:extLst>
+          </a:blip>
           <a:stretch>
             <a:fillRect/>
           </a:stretch>
         </p:blipFill>
         <p:spPr>
           <a:xfrm>
-            <a:off x="6706973" y="0"/>
-            <a:ext cx="5485027" cy="6858000"/>
+            <a:off x="2462213" y="1704975"/>
+            <a:ext cx="7267575" cy="4295775"/>
           </a:xfrm>
-          <a:prstGeom prst="rect">
-            <a:avLst/>
-          </a:prstGeom>
         </p:spPr>
       </p:pic>
       <p:sp>
         <p:nvSpPr>
-          <p:cNvPr id="16" name="TextBox 15">
-            <a:extLst>
-              <a:ext uri="{FF2B5EF4-FFF2-40B4-BE49-F238E27FC236}">
-                <a16:creationId xmlns:a16="http://schemas.microsoft.com/office/drawing/2014/main" id="{532C87E0-5000-ED7D-8D9D-EAE4C59A2BD0}"/>
-              </a:ext>
-            </a:extLst>
-          </p:cNvPr>
-          <p:cNvSpPr txBox="1"/>
-          <p:nvPr/>
-        </p:nvSpPr>
-        <p:spPr>
-          <a:xfrm>
-            <a:off x="649044" y="1577130"/>
-            <a:ext cx="5446956" cy="1569660"/>
-          </a:xfrm>
-          <a:prstGeom prst="rect">
-            <a:avLst/>
-          </a:prstGeom>
-          <a:noFill/>
-        </p:spPr>
-        <p:txBody>
-          <a:bodyPr wrap="square" rtlCol="0">
-            <a:spAutoFit/>
-          </a:bodyPr>
+          <p:cNvPr id="3" name="Footer Placeholder 2">
+            <a:extLst>
+              <a:ext uri="{FF2B5EF4-FFF2-40B4-BE49-F238E27FC236}">
+                <a16:creationId xmlns:a16="http://schemas.microsoft.com/office/drawing/2014/main" id="{E14EE165-4524-DED4-4661-6743E5126183}"/>
+              </a:ext>
+            </a:extLst>
+          </p:cNvPr>
+          <p:cNvSpPr>
+            <a:spLocks noGrp="1"/>
+          </p:cNvSpPr>
+          <p:nvPr>
+            <p:ph type="ftr" sz="quarter" idx="11"/>
+          </p:nvPr>
+        </p:nvSpPr>
+        <p:spPr/>
+        <p:txBody>
+          <a:bodyPr/>
           <a:lstStyle/>
           <a:p>
-            <a:pPr marL="285750" indent="-285750">
-              <a:buFont typeface="Arial" panose="020B0604020202020204" pitchFamily="34" charset="0"/>
-              <a:buChar char="•"/>
+            <a:r>
+              <a:rPr lang="en-US" dirty="0"/>
+              <a:t>Natural Language Processing</a:t>
+            </a:r>
+          </a:p>
+        </p:txBody>
+      </p:sp>
+      <p:sp>
+        <p:nvSpPr>
+          <p:cNvPr id="7" name="Date Placeholder 6">
+            <a:extLst>
+              <a:ext uri="{FF2B5EF4-FFF2-40B4-BE49-F238E27FC236}">
+                <a16:creationId xmlns:a16="http://schemas.microsoft.com/office/drawing/2014/main" id="{E4891BCA-22C1-FED5-7E7E-8A2ABDDA11B1}"/>
+              </a:ext>
+            </a:extLst>
+          </p:cNvPr>
+          <p:cNvSpPr>
+            <a:spLocks noGrp="1"/>
+          </p:cNvSpPr>
+          <p:nvPr>
+            <p:ph type="dt" sz="half" idx="10"/>
+          </p:nvPr>
+        </p:nvSpPr>
+        <p:spPr/>
+        <p:txBody>
+          <a:bodyPr/>
+          <a:lstStyle/>
+          <a:p>
+            <a:pPr>
+              <a:defRPr/>
             </a:pPr>
             <a:r>
-              <a:rPr lang="de-AT" sz="2400" b="1" dirty="0" err="1">
+              <a:rPr lang="en-US" dirty="0">
                 <a:solidFill>
-                  <a:schemeClr val="bg1"/>
+                  <a:prstClr val="black"/>
                 </a:solidFill>
-                <a:latin typeface="+mj-lt"/>
               </a:rPr>
-              <a:t>Artificial</a:t>
-            </a:r>
-            <a:r>
-              <a:rPr lang="de-AT" sz="2400" b="1" dirty="0">
+              <a:t>2023</a:t>
+            </a:r>
+          </a:p>
+        </p:txBody>
+      </p:sp>
+      <p:sp>
+        <p:nvSpPr>
+          <p:cNvPr id="8" name="Slide Number Placeholder 7">
+            <a:extLst>
+              <a:ext uri="{FF2B5EF4-FFF2-40B4-BE49-F238E27FC236}">
+                <a16:creationId xmlns:a16="http://schemas.microsoft.com/office/drawing/2014/main" id="{F735D0E7-A261-D8C4-B61D-00575C1DF412}"/>
+              </a:ext>
+            </a:extLst>
+          </p:cNvPr>
+          <p:cNvSpPr>
+            <a:spLocks noGrp="1"/>
+          </p:cNvSpPr>
+          <p:nvPr>
+            <p:ph type="sldNum" sz="quarter" idx="12"/>
+          </p:nvPr>
+        </p:nvSpPr>
+        <p:spPr/>
+        <p:txBody>
+          <a:bodyPr/>
+          <a:lstStyle/>
+          <a:p>
+            <a:pPr marL="0" marR="0" lvl="0" indent="0" algn="r" defTabSz="914400" rtl="0" eaLnBrk="1" fontAlgn="auto" latinLnBrk="0" hangingPunct="1">
+              <a:lnSpc>
+                <a:spcPct val="100000"/>
+              </a:lnSpc>
+              <a:spcBef>
+                <a:spcPts val="0"/>
+              </a:spcBef>
+              <a:spcAft>
+                <a:spcPts val="0"/>
+              </a:spcAft>
+              <a:buClrTx/>
+              <a:buSzTx/>
+              <a:buFontTx/>
+              <a:buNone/>
+              <a:tabLst/>
+              <a:defRPr/>
+            </a:pPr>
+            <a:fld id="{244D815C-8BF3-4ECF-A945-A2A7C2983AF9}" type="slidenum">
+              <a:rPr kumimoji="0" lang="en-US" sz="1050" b="0" i="0" u="none" strike="noStrike" kern="1200" cap="none" spc="0" normalizeH="0" baseline="0" noProof="0" smtClean="0">
+                <a:ln>
+                  <a:noFill/>
+                </a:ln>
                 <a:solidFill>
-                  <a:schemeClr val="bg1"/>
+                  <a:prstClr val="black"/>
                 </a:solidFill>
-                <a:latin typeface="+mj-lt"/>
+                <a:effectLst/>
+                <a:uLnTx/>
+                <a:uFillTx/>
+                <a:latin typeface="Avenir Next LT Pro"/>
+                <a:ea typeface="+mn-ea"/>
+                <a:cs typeface="+mn-cs"/>
               </a:rPr>
-              <a:t> </a:t>
-            </a:r>
-            <a:r>
-              <a:rPr lang="de-AT" sz="2400" b="1" dirty="0" err="1">
-                <a:solidFill>
-                  <a:schemeClr val="bg1"/>
-                </a:solidFill>
-                <a:latin typeface="+mj-lt"/>
-              </a:rPr>
-              <a:t>Neural</a:t>
-            </a:r>
-            <a:r>
-              <a:rPr lang="de-AT" sz="2400" b="1" dirty="0">
-                <a:solidFill>
-                  <a:schemeClr val="bg1"/>
-                </a:solidFill>
-                <a:latin typeface="+mj-lt"/>
-              </a:rPr>
-              <a:t> Networks</a:t>
-            </a:r>
-          </a:p>
-          <a:p>
-            <a:pPr marL="285750" indent="-285750">
-              <a:buFont typeface="Arial" panose="020B0604020202020204" pitchFamily="34" charset="0"/>
-              <a:buChar char="•"/>
-            </a:pPr>
-            <a:r>
-              <a:rPr lang="de-AT" sz="2400" b="1" dirty="0">
-                <a:solidFill>
-                  <a:schemeClr val="bg1"/>
-                </a:solidFill>
-                <a:latin typeface="+mj-lt"/>
-              </a:rPr>
-              <a:t>Generative Models</a:t>
-            </a:r>
-          </a:p>
-          <a:p>
-            <a:pPr marL="285750" indent="-285750">
-              <a:buFont typeface="Arial" panose="020B0604020202020204" pitchFamily="34" charset="0"/>
-              <a:buChar char="•"/>
-            </a:pPr>
-            <a:r>
-              <a:rPr lang="de-AT" sz="2400" b="1" dirty="0">
-                <a:solidFill>
-                  <a:schemeClr val="bg1"/>
-                </a:solidFill>
-                <a:latin typeface="+mj-lt"/>
-              </a:rPr>
-              <a:t>Hands-on: Sentiment Analysis</a:t>
-            </a:r>
-          </a:p>
-          <a:p>
-            <a:pPr marL="285750" indent="-285750">
-              <a:buFont typeface="Arial" panose="020B0604020202020204" pitchFamily="34" charset="0"/>
-              <a:buChar char="•"/>
-            </a:pPr>
-            <a:r>
-              <a:rPr lang="de-AT" sz="2400" b="1" dirty="0">
-                <a:solidFill>
-                  <a:schemeClr val="bg1"/>
-                </a:solidFill>
-                <a:latin typeface="+mj-lt"/>
-              </a:rPr>
-              <a:t>Hands-on: Show-and-Tell </a:t>
-            </a:r>
-            <a:r>
-              <a:rPr lang="de-AT" sz="2400" b="1" dirty="0" err="1">
-                <a:solidFill>
-                  <a:schemeClr val="bg1"/>
-                </a:solidFill>
-                <a:latin typeface="+mj-lt"/>
-              </a:rPr>
-              <a:t>models</a:t>
-            </a:r>
-            <a:endParaRPr lang="en-US" sz="2400" b="1" dirty="0">
+              <a:pPr marL="0" marR="0" lvl="0" indent="0" algn="r" defTabSz="914400" rtl="0" eaLnBrk="1" fontAlgn="auto" latinLnBrk="0" hangingPunct="1">
+                <a:lnSpc>
+                  <a:spcPct val="100000"/>
+                </a:lnSpc>
+                <a:spcBef>
+                  <a:spcPts val="0"/>
+                </a:spcBef>
+                <a:spcAft>
+                  <a:spcPts val="0"/>
+                </a:spcAft>
+                <a:buClrTx/>
+                <a:buSzTx/>
+                <a:buFontTx/>
+                <a:buNone/>
+                <a:tabLst/>
+                <a:defRPr/>
+              </a:pPr>
+              <a:t>21</a:t>
+            </a:fld>
+            <a:endParaRPr kumimoji="0" lang="en-US" sz="1050" b="0" i="0" u="none" strike="noStrike" kern="1200" cap="none" spc="0" normalizeH="0" baseline="0" noProof="0" dirty="0">
+              <a:ln>
+                <a:noFill/>
+              </a:ln>
               <a:solidFill>
-                <a:schemeClr val="bg1"/>
+                <a:prstClr val="black"/>
               </a:solidFill>
-              <a:latin typeface="+mj-lt"/>
+              <a:effectLst/>
+              <a:uLnTx/>
+              <a:uFillTx/>
+              <a:latin typeface="Avenir Next LT Pro"/>
+              <a:ea typeface="+mn-ea"/>
+              <a:cs typeface="+mn-cs"/>
             </a:endParaRPr>
           </a:p>
         </p:txBody>
@@ -10384,7 +10814,7 @@
     </p:spTree>
     <p:extLst>
       <p:ext uri="{BB962C8B-B14F-4D97-AF65-F5344CB8AC3E}">
-        <p14:creationId xmlns:p14="http://schemas.microsoft.com/office/powerpoint/2010/main" val="2242409878"/>
+        <p14:creationId xmlns:p14="http://schemas.microsoft.com/office/powerpoint/2010/main" val="292775045"/>
       </p:ext>
     </p:extLst>
   </p:cSld>
@@ -10394,7 +10824,7 @@
 </p:sld>
 </file>
 
-<file path=ppt/slides/slide3.xml><?xml version="1.0" encoding="utf-8"?>
+<file path=ppt/slides/slide22.xml><?xml version="1.0" encoding="utf-8"?>
 <p:sld xmlns:a="http://schemas.openxmlformats.org/drawingml/2006/main" xmlns:r="http://schemas.openxmlformats.org/officeDocument/2006/relationships" xmlns:p="http://schemas.openxmlformats.org/presentationml/2006/main">
   <p:cSld>
     <p:spTree>
@@ -10416,7 +10846,7 @@
           <p:cNvPr id="2" name="Title 1">
             <a:extLst>
               <a:ext uri="{FF2B5EF4-FFF2-40B4-BE49-F238E27FC236}">
-                <a16:creationId xmlns:a16="http://schemas.microsoft.com/office/drawing/2014/main" id="{63AAC175-7913-D632-FD16-A58F3D45712C}"/>
+                <a16:creationId xmlns:a16="http://schemas.microsoft.com/office/drawing/2014/main" id="{E059E7F5-396E-8CF9-1226-67DF25110BB6}"/>
               </a:ext>
             </a:extLst>
           </p:cNvPr>
@@ -10436,7 +10866,7 @@
           <a:p>
             <a:r>
               <a:rPr lang="de-AT" dirty="0" err="1"/>
-              <a:t>Preprocessing</a:t>
+              <a:t>Homework</a:t>
             </a:r>
             <a:endParaRPr lang="en-US" dirty="0"/>
           </a:p>
@@ -10444,18 +10874,18 @@
       </p:sp>
       <p:sp>
         <p:nvSpPr>
-          <p:cNvPr id="3" name="Content Placeholder 2">
-            <a:extLst>
-              <a:ext uri="{FF2B5EF4-FFF2-40B4-BE49-F238E27FC236}">
-                <a16:creationId xmlns:a16="http://schemas.microsoft.com/office/drawing/2014/main" id="{F3B3B8D3-E486-E4DD-4D73-EF65463F8B70}"/>
-              </a:ext>
-            </a:extLst>
-          </p:cNvPr>
-          <p:cNvSpPr>
-            <a:spLocks noGrp="1"/>
-          </p:cNvSpPr>
-          <p:nvPr>
-            <p:ph sz="quarter" idx="14"/>
+          <p:cNvPr id="4" name="Footer Placeholder 3">
+            <a:extLst>
+              <a:ext uri="{FF2B5EF4-FFF2-40B4-BE49-F238E27FC236}">
+                <a16:creationId xmlns:a16="http://schemas.microsoft.com/office/drawing/2014/main" id="{70BA03A1-7B49-0B76-7D32-DB3A413717B5}"/>
+              </a:ext>
+            </a:extLst>
+          </p:cNvPr>
+          <p:cNvSpPr>
+            <a:spLocks noGrp="1"/>
+          </p:cNvSpPr>
+          <p:nvPr>
+            <p:ph type="ftr" sz="quarter" idx="11"/>
           </p:nvPr>
         </p:nvSpPr>
         <p:spPr/>
@@ -10464,84 +10894,13 @@
           <a:lstStyle/>
           <a:p>
             <a:r>
-              <a:rPr lang="de-AT" dirty="0" err="1"/>
-              <a:t>Tokenization</a:t>
-            </a:r>
-            <a:r>
-              <a:rPr lang="de-AT" dirty="0"/>
-              <a:t>:</a:t>
-            </a:r>
-          </a:p>
-          <a:p>
-            <a:pPr lvl="1"/>
-            <a:r>
-              <a:rPr lang="en-US" dirty="0"/>
-              <a:t>Process of breaking a stream of text up into (key)words, symbols, or other meaningful elements called tokens</a:t>
-            </a:r>
-          </a:p>
-          <a:p>
-            <a:pPr lvl="1"/>
-            <a:r>
-              <a:rPr lang="en-US" dirty="0"/>
-              <a:t>Tokens are small units of (meaningful) text, such that a comparison between a token in the query and a token in a document can take place</a:t>
-            </a:r>
-          </a:p>
-          <a:p>
-            <a:pPr lvl="1"/>
-            <a:r>
-              <a:rPr lang="en-US" dirty="0"/>
-              <a:t>Usually tokenization based on whitespace, but we will see that that doesn’t always work very well</a:t>
-            </a:r>
-          </a:p>
-          <a:p>
-            <a:pPr lvl="1"/>
-            <a:r>
-              <a:rPr lang="en-US" dirty="0"/>
-              <a:t>Removing punctuation may or may not be useful depending on further transformations, good for TF-IDF but may lose information for 2Vec models</a:t>
-            </a:r>
-          </a:p>
-          <a:p>
-            <a:r>
-              <a:rPr lang="en-US" dirty="0"/>
-              <a:t>The quick brown fox jumps over the lazy dog = the, quick, brown, fox, …</a:t>
-            </a:r>
-          </a:p>
-        </p:txBody>
-      </p:sp>
-      <p:sp>
-        <p:nvSpPr>
-          <p:cNvPr id="4" name="Footer Placeholder 3">
-            <a:extLst>
-              <a:ext uri="{FF2B5EF4-FFF2-40B4-BE49-F238E27FC236}">
-                <a16:creationId xmlns:a16="http://schemas.microsoft.com/office/drawing/2014/main" id="{4FE7ED34-485F-A9CC-73A9-769A9A243485}"/>
-              </a:ext>
-            </a:extLst>
-          </p:cNvPr>
-          <p:cNvSpPr>
-            <a:spLocks noGrp="1"/>
-          </p:cNvSpPr>
-          <p:nvPr>
-            <p:ph type="ftr" sz="quarter" idx="11"/>
-          </p:nvPr>
-        </p:nvSpPr>
-        <p:spPr/>
-        <p:txBody>
-          <a:bodyPr/>
-          <a:lstStyle/>
-          <a:p>
-            <a:r>
-              <a:rPr lang="de-AT" dirty="0">
+              <a:rPr lang="en-US" dirty="0">
                 <a:solidFill>
                   <a:prstClr val="black"/>
                 </a:solidFill>
               </a:rPr>
               <a:t>Natural Language Processing</a:t>
             </a:r>
-            <a:endParaRPr lang="en-US" dirty="0">
-              <a:solidFill>
-                <a:prstClr val="black"/>
-              </a:solidFill>
-            </a:endParaRPr>
           </a:p>
         </p:txBody>
       </p:sp>
@@ -10550,7 +10909,7 @@
           <p:cNvPr id="5" name="Date Placeholder 4">
             <a:extLst>
               <a:ext uri="{FF2B5EF4-FFF2-40B4-BE49-F238E27FC236}">
-                <a16:creationId xmlns:a16="http://schemas.microsoft.com/office/drawing/2014/main" id="{2103EAE7-97F4-AF8C-1994-33F7822E2D22}"/>
+                <a16:creationId xmlns:a16="http://schemas.microsoft.com/office/drawing/2014/main" id="{18EBAEDD-3518-30C0-EFEF-CAFC7864986E}"/>
               </a:ext>
             </a:extLst>
           </p:cNvPr>
@@ -10575,7 +10934,7 @@
                   <a:prstClr val="black"/>
                 </a:solidFill>
               </a:rPr>
-              <a:t>2022</a:t>
+              <a:t>2023</a:t>
             </a:r>
           </a:p>
         </p:txBody>
@@ -10585,7 +10944,7 @@
           <p:cNvPr id="6" name="Slide Number Placeholder 5">
             <a:extLst>
               <a:ext uri="{FF2B5EF4-FFF2-40B4-BE49-F238E27FC236}">
-                <a16:creationId xmlns:a16="http://schemas.microsoft.com/office/drawing/2014/main" id="{32A8944E-42C0-54E9-D295-0B1414CD0116}"/>
+                <a16:creationId xmlns:a16="http://schemas.microsoft.com/office/drawing/2014/main" id="{28886EE7-89B7-017F-06AC-D176FDF8DA04}"/>
               </a:ext>
             </a:extLst>
           </p:cNvPr>
@@ -10650,6 +11009,607 @@
                 <a:tabLst/>
                 <a:defRPr/>
               </a:pPr>
+              <a:t>22</a:t>
+            </a:fld>
+            <a:endParaRPr kumimoji="0" lang="en-US" sz="1050" b="0" i="0" u="none" strike="noStrike" kern="1200" cap="none" spc="0" normalizeH="0" baseline="0" noProof="0" dirty="0">
+              <a:ln>
+                <a:noFill/>
+              </a:ln>
+              <a:solidFill>
+                <a:prstClr val="black"/>
+              </a:solidFill>
+              <a:effectLst/>
+              <a:uLnTx/>
+              <a:uFillTx/>
+              <a:latin typeface="Avenir Next LT Pro"/>
+              <a:ea typeface="+mn-ea"/>
+              <a:cs typeface="+mn-cs"/>
+            </a:endParaRPr>
+          </a:p>
+        </p:txBody>
+      </p:sp>
+      <p:pic>
+        <p:nvPicPr>
+          <p:cNvPr id="12" name="Picture 11">
+            <a:extLst>
+              <a:ext uri="{FF2B5EF4-FFF2-40B4-BE49-F238E27FC236}">
+                <a16:creationId xmlns:a16="http://schemas.microsoft.com/office/drawing/2014/main" id="{A846D870-C367-4308-F57E-CD692B3DD186}"/>
+              </a:ext>
+            </a:extLst>
+          </p:cNvPr>
+          <p:cNvPicPr>
+            <a:picLocks noChangeAspect="1"/>
+          </p:cNvPicPr>
+          <p:nvPr/>
+        </p:nvPicPr>
+        <p:blipFill>
+          <a:blip r:embed="rId2"/>
+          <a:stretch>
+            <a:fillRect/>
+          </a:stretch>
+        </p:blipFill>
+        <p:spPr>
+          <a:xfrm>
+            <a:off x="3071390" y="1532223"/>
+            <a:ext cx="6049219" cy="4734586"/>
+          </a:xfrm>
+          <a:prstGeom prst="rect">
+            <a:avLst/>
+          </a:prstGeom>
+        </p:spPr>
+      </p:pic>
+    </p:spTree>
+    <p:extLst>
+      <p:ext uri="{BB962C8B-B14F-4D97-AF65-F5344CB8AC3E}">
+        <p14:creationId xmlns:p14="http://schemas.microsoft.com/office/powerpoint/2010/main" val="439047946"/>
+      </p:ext>
+    </p:extLst>
+  </p:cSld>
+  <p:clrMapOvr>
+    <a:masterClrMapping/>
+  </p:clrMapOvr>
+</p:sld>
+</file>
+
+<file path=ppt/slides/slide23.xml><?xml version="1.0" encoding="utf-8"?>
+<p:sld xmlns:a="http://schemas.openxmlformats.org/drawingml/2006/main" xmlns:r="http://schemas.openxmlformats.org/officeDocument/2006/relationships" xmlns:p="http://schemas.openxmlformats.org/presentationml/2006/main">
+  <p:cSld>
+    <p:spTree>
+      <p:nvGrpSpPr>
+        <p:cNvPr id="1" name=""/>
+        <p:cNvGrpSpPr/>
+        <p:nvPr/>
+      </p:nvGrpSpPr>
+      <p:grpSpPr>
+        <a:xfrm>
+          <a:off x="0" y="0"/>
+          <a:ext cx="0" cy="0"/>
+          <a:chOff x="0" y="0"/>
+          <a:chExt cx="0" cy="0"/>
+        </a:xfrm>
+      </p:grpSpPr>
+      <p:sp>
+        <p:nvSpPr>
+          <p:cNvPr id="7" name="Title 6">
+            <a:extLst>
+              <a:ext uri="{FF2B5EF4-FFF2-40B4-BE49-F238E27FC236}">
+                <a16:creationId xmlns:a16="http://schemas.microsoft.com/office/drawing/2014/main" id="{E9C0B9D1-D153-882C-ECBF-B981C604B115}"/>
+              </a:ext>
+            </a:extLst>
+          </p:cNvPr>
+          <p:cNvSpPr>
+            <a:spLocks noGrp="1"/>
+          </p:cNvSpPr>
+          <p:nvPr>
+            <p:ph type="ctrTitle"/>
+          </p:nvPr>
+        </p:nvSpPr>
+        <p:spPr>
+          <a:xfrm>
+            <a:off x="649044" y="753034"/>
+            <a:ext cx="5802090" cy="765373"/>
+          </a:xfrm>
+        </p:spPr>
+        <p:txBody>
+          <a:bodyPr>
+            <a:normAutofit/>
+          </a:bodyPr>
+          <a:lstStyle/>
+          <a:p>
+            <a:r>
+              <a:rPr lang="de-AT" sz="3600" dirty="0"/>
+              <a:t>2. Block – Outlook:</a:t>
+            </a:r>
+            <a:endParaRPr lang="en-US" dirty="0"/>
+          </a:p>
+        </p:txBody>
+      </p:sp>
+      <p:sp>
+        <p:nvSpPr>
+          <p:cNvPr id="8" name="Subtitle 7">
+            <a:extLst>
+              <a:ext uri="{FF2B5EF4-FFF2-40B4-BE49-F238E27FC236}">
+                <a16:creationId xmlns:a16="http://schemas.microsoft.com/office/drawing/2014/main" id="{D8370FC6-BFF8-1A37-559E-28732D9B8FFD}"/>
+              </a:ext>
+            </a:extLst>
+          </p:cNvPr>
+          <p:cNvSpPr>
+            <a:spLocks noGrp="1"/>
+          </p:cNvSpPr>
+          <p:nvPr>
+            <p:ph type="subTitle" idx="1"/>
+          </p:nvPr>
+        </p:nvSpPr>
+        <p:spPr>
+          <a:xfrm>
+            <a:off x="649045" y="4640424"/>
+            <a:ext cx="5446955" cy="1303176"/>
+          </a:xfrm>
+        </p:spPr>
+        <p:txBody>
+          <a:bodyPr>
+            <a:normAutofit fontScale="92500"/>
+          </a:bodyPr>
+          <a:lstStyle/>
+          <a:p>
+            <a:r>
+              <a:rPr lang="de-AT" dirty="0"/>
+              <a:t>Feedback &amp; Questions:</a:t>
+            </a:r>
+          </a:p>
+          <a:p>
+            <a:r>
+              <a:rPr lang="de-AT" sz="2600" dirty="0"/>
+              <a:t>micha.birklbauer@fh-hagenberg.at</a:t>
+            </a:r>
+            <a:endParaRPr lang="en-US" sz="2600" dirty="0"/>
+          </a:p>
+        </p:txBody>
+      </p:sp>
+      <p:pic>
+        <p:nvPicPr>
+          <p:cNvPr id="15" name="Picture 14" descr="Graphical user interface, website&#10;&#10;Description automatically generated">
+            <a:extLst>
+              <a:ext uri="{FF2B5EF4-FFF2-40B4-BE49-F238E27FC236}">
+                <a16:creationId xmlns:a16="http://schemas.microsoft.com/office/drawing/2014/main" id="{38401F39-B5EF-009D-D090-1EEB63980315}"/>
+              </a:ext>
+            </a:extLst>
+          </p:cNvPr>
+          <p:cNvPicPr>
+            <a:picLocks noChangeAspect="1"/>
+          </p:cNvPicPr>
+          <p:nvPr/>
+        </p:nvPicPr>
+        <p:blipFill>
+          <a:blip r:embed="rId2"/>
+          <a:stretch>
+            <a:fillRect/>
+          </a:stretch>
+        </p:blipFill>
+        <p:spPr>
+          <a:xfrm>
+            <a:off x="6706973" y="0"/>
+            <a:ext cx="5485027" cy="6858000"/>
+          </a:xfrm>
+          <a:prstGeom prst="rect">
+            <a:avLst/>
+          </a:prstGeom>
+        </p:spPr>
+      </p:pic>
+      <p:sp>
+        <p:nvSpPr>
+          <p:cNvPr id="16" name="TextBox 15">
+            <a:extLst>
+              <a:ext uri="{FF2B5EF4-FFF2-40B4-BE49-F238E27FC236}">
+                <a16:creationId xmlns:a16="http://schemas.microsoft.com/office/drawing/2014/main" id="{532C87E0-5000-ED7D-8D9D-EAE4C59A2BD0}"/>
+              </a:ext>
+            </a:extLst>
+          </p:cNvPr>
+          <p:cNvSpPr txBox="1"/>
+          <p:nvPr/>
+        </p:nvSpPr>
+        <p:spPr>
+          <a:xfrm>
+            <a:off x="649044" y="1577130"/>
+            <a:ext cx="5446956" cy="1569660"/>
+          </a:xfrm>
+          <a:prstGeom prst="rect">
+            <a:avLst/>
+          </a:prstGeom>
+          <a:noFill/>
+        </p:spPr>
+        <p:txBody>
+          <a:bodyPr wrap="square" rtlCol="0">
+            <a:spAutoFit/>
+          </a:bodyPr>
+          <a:lstStyle/>
+          <a:p>
+            <a:pPr marL="285750" indent="-285750">
+              <a:buFont typeface="Arial" panose="020B0604020202020204" pitchFamily="34" charset="0"/>
+              <a:buChar char="•"/>
+            </a:pPr>
+            <a:r>
+              <a:rPr lang="de-AT" sz="2400" b="1" dirty="0" err="1">
+                <a:solidFill>
+                  <a:schemeClr val="bg1"/>
+                </a:solidFill>
+                <a:latin typeface="+mj-lt"/>
+              </a:rPr>
+              <a:t>Artificial</a:t>
+            </a:r>
+            <a:r>
+              <a:rPr lang="de-AT" sz="2400" b="1" dirty="0">
+                <a:solidFill>
+                  <a:schemeClr val="bg1"/>
+                </a:solidFill>
+                <a:latin typeface="+mj-lt"/>
+              </a:rPr>
+              <a:t> </a:t>
+            </a:r>
+            <a:r>
+              <a:rPr lang="de-AT" sz="2400" b="1" dirty="0" err="1">
+                <a:solidFill>
+                  <a:schemeClr val="bg1"/>
+                </a:solidFill>
+                <a:latin typeface="+mj-lt"/>
+              </a:rPr>
+              <a:t>Neural</a:t>
+            </a:r>
+            <a:r>
+              <a:rPr lang="de-AT" sz="2400" b="1" dirty="0">
+                <a:solidFill>
+                  <a:schemeClr val="bg1"/>
+                </a:solidFill>
+                <a:latin typeface="+mj-lt"/>
+              </a:rPr>
+              <a:t> Networks</a:t>
+            </a:r>
+          </a:p>
+          <a:p>
+            <a:pPr marL="285750" indent="-285750">
+              <a:buFont typeface="Arial" panose="020B0604020202020204" pitchFamily="34" charset="0"/>
+              <a:buChar char="•"/>
+            </a:pPr>
+            <a:r>
+              <a:rPr lang="de-AT" sz="2400" b="1" dirty="0">
+                <a:solidFill>
+                  <a:schemeClr val="bg1"/>
+                </a:solidFill>
+                <a:latin typeface="+mj-lt"/>
+              </a:rPr>
+              <a:t>Generative Models</a:t>
+            </a:r>
+          </a:p>
+          <a:p>
+            <a:pPr marL="285750" indent="-285750">
+              <a:buFont typeface="Arial" panose="020B0604020202020204" pitchFamily="34" charset="0"/>
+              <a:buChar char="•"/>
+            </a:pPr>
+            <a:r>
+              <a:rPr lang="de-AT" sz="2400" b="1" dirty="0">
+                <a:solidFill>
+                  <a:schemeClr val="bg1"/>
+                </a:solidFill>
+                <a:latin typeface="+mj-lt"/>
+              </a:rPr>
+              <a:t>Hands-on: Sentiment Analysis</a:t>
+            </a:r>
+          </a:p>
+          <a:p>
+            <a:pPr marL="285750" indent="-285750">
+              <a:buFont typeface="Arial" panose="020B0604020202020204" pitchFamily="34" charset="0"/>
+              <a:buChar char="•"/>
+            </a:pPr>
+            <a:r>
+              <a:rPr lang="de-AT" sz="2400" b="1" dirty="0">
+                <a:solidFill>
+                  <a:schemeClr val="bg1"/>
+                </a:solidFill>
+                <a:latin typeface="+mj-lt"/>
+              </a:rPr>
+              <a:t>Hands-on: Show-and-Tell </a:t>
+            </a:r>
+            <a:r>
+              <a:rPr lang="de-AT" sz="2400" b="1" dirty="0" err="1">
+                <a:solidFill>
+                  <a:schemeClr val="bg1"/>
+                </a:solidFill>
+                <a:latin typeface="+mj-lt"/>
+              </a:rPr>
+              <a:t>models</a:t>
+            </a:r>
+            <a:endParaRPr lang="en-US" sz="2400" b="1" dirty="0">
+              <a:solidFill>
+                <a:schemeClr val="bg1"/>
+              </a:solidFill>
+              <a:latin typeface="+mj-lt"/>
+            </a:endParaRPr>
+          </a:p>
+        </p:txBody>
+      </p:sp>
+    </p:spTree>
+    <p:extLst>
+      <p:ext uri="{BB962C8B-B14F-4D97-AF65-F5344CB8AC3E}">
+        <p14:creationId xmlns:p14="http://schemas.microsoft.com/office/powerpoint/2010/main" val="2242409878"/>
+      </p:ext>
+    </p:extLst>
+  </p:cSld>
+  <p:clrMapOvr>
+    <a:masterClrMapping/>
+  </p:clrMapOvr>
+</p:sld>
+</file>
+
+<file path=ppt/slides/slide3.xml><?xml version="1.0" encoding="utf-8"?>
+<p:sld xmlns:a="http://schemas.openxmlformats.org/drawingml/2006/main" xmlns:r="http://schemas.openxmlformats.org/officeDocument/2006/relationships" xmlns:p="http://schemas.openxmlformats.org/presentationml/2006/main">
+  <p:cSld>
+    <p:spTree>
+      <p:nvGrpSpPr>
+        <p:cNvPr id="1" name=""/>
+        <p:cNvGrpSpPr/>
+        <p:nvPr/>
+      </p:nvGrpSpPr>
+      <p:grpSpPr>
+        <a:xfrm>
+          <a:off x="0" y="0"/>
+          <a:ext cx="0" cy="0"/>
+          <a:chOff x="0" y="0"/>
+          <a:chExt cx="0" cy="0"/>
+        </a:xfrm>
+      </p:grpSpPr>
+      <p:sp>
+        <p:nvSpPr>
+          <p:cNvPr id="14" name="Title 13">
+            <a:extLst>
+              <a:ext uri="{FF2B5EF4-FFF2-40B4-BE49-F238E27FC236}">
+                <a16:creationId xmlns:a16="http://schemas.microsoft.com/office/drawing/2014/main" id="{862899E0-DB30-D4FA-480C-4C39B8F78CAF}"/>
+              </a:ext>
+            </a:extLst>
+          </p:cNvPr>
+          <p:cNvSpPr>
+            <a:spLocks noGrp="1"/>
+          </p:cNvSpPr>
+          <p:nvPr>
+            <p:ph type="title"/>
+          </p:nvPr>
+        </p:nvSpPr>
+        <p:spPr/>
+        <p:txBody>
+          <a:bodyPr>
+            <a:normAutofit fontScale="90000"/>
+          </a:bodyPr>
+          <a:lstStyle/>
+          <a:p>
+            <a:r>
+              <a:rPr lang="de-AT" dirty="0"/>
+              <a:t>Contents</a:t>
+            </a:r>
+            <a:endParaRPr lang="en-US" dirty="0"/>
+          </a:p>
+        </p:txBody>
+      </p:sp>
+      <p:sp>
+        <p:nvSpPr>
+          <p:cNvPr id="15" name="Content Placeholder 14">
+            <a:extLst>
+              <a:ext uri="{FF2B5EF4-FFF2-40B4-BE49-F238E27FC236}">
+                <a16:creationId xmlns:a16="http://schemas.microsoft.com/office/drawing/2014/main" id="{376F24CA-3087-29E1-19FC-56DF97D7C5EB}"/>
+              </a:ext>
+            </a:extLst>
+          </p:cNvPr>
+          <p:cNvSpPr>
+            <a:spLocks noGrp="1"/>
+          </p:cNvSpPr>
+          <p:nvPr>
+            <p:ph sz="quarter" idx="14"/>
+          </p:nvPr>
+        </p:nvSpPr>
+        <p:spPr/>
+        <p:txBody>
+          <a:bodyPr>
+            <a:normAutofit/>
+          </a:bodyPr>
+          <a:lstStyle/>
+          <a:p>
+            <a:r>
+              <a:rPr lang="de-AT" dirty="0" err="1"/>
+              <a:t>Preprocessing</a:t>
+            </a:r>
+            <a:endParaRPr lang="de-AT" dirty="0"/>
+          </a:p>
+          <a:p>
+            <a:r>
+              <a:rPr lang="de-AT" dirty="0"/>
+              <a:t>Feature </a:t>
+            </a:r>
+            <a:r>
+              <a:rPr lang="de-AT" dirty="0" err="1"/>
+              <a:t>representations</a:t>
+            </a:r>
+            <a:endParaRPr lang="de-AT" dirty="0"/>
+          </a:p>
+          <a:p>
+            <a:r>
+              <a:rPr lang="de-AT" dirty="0"/>
+              <a:t>Popular NLP </a:t>
+            </a:r>
+            <a:r>
+              <a:rPr lang="de-AT" dirty="0" err="1"/>
+              <a:t>packages</a:t>
+            </a:r>
+            <a:endParaRPr lang="de-AT" dirty="0"/>
+          </a:p>
+          <a:p>
+            <a:pPr lvl="1"/>
+            <a:r>
+              <a:rPr lang="de-AT" dirty="0" err="1"/>
+              <a:t>spaCy</a:t>
+            </a:r>
+            <a:endParaRPr lang="de-AT" dirty="0"/>
+          </a:p>
+          <a:p>
+            <a:pPr lvl="1"/>
+            <a:r>
+              <a:rPr lang="de-AT" dirty="0"/>
+              <a:t>NLTK</a:t>
+            </a:r>
+          </a:p>
+          <a:p>
+            <a:pPr lvl="1"/>
+            <a:r>
+              <a:rPr lang="de-AT" dirty="0" err="1"/>
+              <a:t>Gensim</a:t>
+            </a:r>
+            <a:endParaRPr lang="de-AT" dirty="0"/>
+          </a:p>
+          <a:p>
+            <a:r>
+              <a:rPr lang="de-AT" dirty="0"/>
+              <a:t>Clustering</a:t>
+            </a:r>
+          </a:p>
+          <a:p>
+            <a:r>
+              <a:rPr lang="de-AT" dirty="0"/>
+              <a:t>Classification</a:t>
+            </a:r>
+          </a:p>
+        </p:txBody>
+      </p:sp>
+      <p:sp>
+        <p:nvSpPr>
+          <p:cNvPr id="3" name="Footer Placeholder 2">
+            <a:extLst>
+              <a:ext uri="{FF2B5EF4-FFF2-40B4-BE49-F238E27FC236}">
+                <a16:creationId xmlns:a16="http://schemas.microsoft.com/office/drawing/2014/main" id="{F66F59ED-3461-C4F5-DFA8-DC889B37AA9A}"/>
+              </a:ext>
+            </a:extLst>
+          </p:cNvPr>
+          <p:cNvSpPr>
+            <a:spLocks noGrp="1"/>
+          </p:cNvSpPr>
+          <p:nvPr>
+            <p:ph type="ftr" sz="quarter" idx="11"/>
+          </p:nvPr>
+        </p:nvSpPr>
+        <p:spPr/>
+        <p:txBody>
+          <a:bodyPr/>
+          <a:lstStyle/>
+          <a:p>
+            <a:r>
+              <a:rPr lang="de-AT" dirty="0"/>
+              <a:t>Natural Language Processing</a:t>
+            </a:r>
+            <a:endParaRPr lang="en-US" dirty="0"/>
+          </a:p>
+        </p:txBody>
+      </p:sp>
+      <p:sp>
+        <p:nvSpPr>
+          <p:cNvPr id="7" name="Date Placeholder 6">
+            <a:extLst>
+              <a:ext uri="{FF2B5EF4-FFF2-40B4-BE49-F238E27FC236}">
+                <a16:creationId xmlns:a16="http://schemas.microsoft.com/office/drawing/2014/main" id="{9216B58B-5769-ADEA-1D33-F5AA1D9AC208}"/>
+              </a:ext>
+            </a:extLst>
+          </p:cNvPr>
+          <p:cNvSpPr>
+            <a:spLocks noGrp="1"/>
+          </p:cNvSpPr>
+          <p:nvPr>
+            <p:ph type="dt" sz="half" idx="10"/>
+          </p:nvPr>
+        </p:nvSpPr>
+        <p:spPr/>
+        <p:txBody>
+          <a:bodyPr/>
+          <a:lstStyle/>
+          <a:p>
+            <a:pPr>
+              <a:defRPr/>
+            </a:pPr>
+            <a:r>
+              <a:rPr lang="en-US" dirty="0">
+                <a:solidFill>
+                  <a:prstClr val="black"/>
+                </a:solidFill>
+              </a:rPr>
+              <a:t>2023</a:t>
+            </a:r>
+          </a:p>
+        </p:txBody>
+      </p:sp>
+      <p:sp>
+        <p:nvSpPr>
+          <p:cNvPr id="8" name="Slide Number Placeholder 7">
+            <a:extLst>
+              <a:ext uri="{FF2B5EF4-FFF2-40B4-BE49-F238E27FC236}">
+                <a16:creationId xmlns:a16="http://schemas.microsoft.com/office/drawing/2014/main" id="{461FAFCA-8B9B-9D14-EE7A-BB926BF5333A}"/>
+              </a:ext>
+            </a:extLst>
+          </p:cNvPr>
+          <p:cNvSpPr>
+            <a:spLocks noGrp="1"/>
+          </p:cNvSpPr>
+          <p:nvPr>
+            <p:ph type="sldNum" sz="quarter" idx="12"/>
+          </p:nvPr>
+        </p:nvSpPr>
+        <p:spPr/>
+        <p:txBody>
+          <a:bodyPr/>
+          <a:lstStyle/>
+          <a:p>
+            <a:pPr marL="0" marR="0" lvl="0" indent="0" algn="r" defTabSz="914400" rtl="0" eaLnBrk="1" fontAlgn="auto" latinLnBrk="0" hangingPunct="1">
+              <a:lnSpc>
+                <a:spcPct val="100000"/>
+              </a:lnSpc>
+              <a:spcBef>
+                <a:spcPts val="0"/>
+              </a:spcBef>
+              <a:spcAft>
+                <a:spcPts val="0"/>
+              </a:spcAft>
+              <a:buClrTx/>
+              <a:buSzTx/>
+              <a:buFontTx/>
+              <a:buNone/>
+              <a:tabLst/>
+              <a:defRPr/>
+            </a:pPr>
+            <a:fld id="{244D815C-8BF3-4ECF-A945-A2A7C2983AF9}" type="slidenum">
+              <a:rPr kumimoji="0" lang="en-US" sz="1050" b="0" i="0" u="none" strike="noStrike" kern="1200" cap="none" spc="0" normalizeH="0" baseline="0" noProof="0" smtClean="0">
+                <a:ln>
+                  <a:noFill/>
+                </a:ln>
+                <a:solidFill>
+                  <a:prstClr val="black"/>
+                </a:solidFill>
+                <a:effectLst/>
+                <a:uLnTx/>
+                <a:uFillTx/>
+                <a:latin typeface="Avenir Next LT Pro"/>
+                <a:ea typeface="+mn-ea"/>
+                <a:cs typeface="+mn-cs"/>
+              </a:rPr>
+              <a:pPr marL="0" marR="0" lvl="0" indent="0" algn="r" defTabSz="914400" rtl="0" eaLnBrk="1" fontAlgn="auto" latinLnBrk="0" hangingPunct="1">
+                <a:lnSpc>
+                  <a:spcPct val="100000"/>
+                </a:lnSpc>
+                <a:spcBef>
+                  <a:spcPts val="0"/>
+                </a:spcBef>
+                <a:spcAft>
+                  <a:spcPts val="0"/>
+                </a:spcAft>
+                <a:buClrTx/>
+                <a:buSzTx/>
+                <a:buFontTx/>
+                <a:buNone/>
+                <a:tabLst/>
+                <a:defRPr/>
+              </a:pPr>
               <a:t>3</a:t>
             </a:fld>
             <a:endParaRPr kumimoji="0" lang="en-US" sz="1050" b="0" i="0" u="none" strike="noStrike" kern="1200" cap="none" spc="0" normalizeH="0" baseline="0" noProof="0" dirty="0">
@@ -10672,7 +11632,7 @@
     </p:spTree>
     <p:extLst>
       <p:ext uri="{BB962C8B-B14F-4D97-AF65-F5344CB8AC3E}">
-        <p14:creationId xmlns:p14="http://schemas.microsoft.com/office/powerpoint/2010/main" val="829488861"/>
+        <p14:creationId xmlns:p14="http://schemas.microsoft.com/office/powerpoint/2010/main" val="476857048"/>
       </p:ext>
     </p:extLst>
   </p:cSld>
@@ -10701,10 +11661,10 @@
       </p:grpSpPr>
       <p:sp>
         <p:nvSpPr>
-          <p:cNvPr id="2" name="Title 1">
-            <a:extLst>
-              <a:ext uri="{FF2B5EF4-FFF2-40B4-BE49-F238E27FC236}">
-                <a16:creationId xmlns:a16="http://schemas.microsoft.com/office/drawing/2014/main" id="{8EA99292-AC85-6EBF-D1A9-8F4CD9219841}"/>
+          <p:cNvPr id="14" name="Title 13">
+            <a:extLst>
+              <a:ext uri="{FF2B5EF4-FFF2-40B4-BE49-F238E27FC236}">
+                <a16:creationId xmlns:a16="http://schemas.microsoft.com/office/drawing/2014/main" id="{862899E0-DB30-D4FA-480C-4C39B8F78CAF}"/>
               </a:ext>
             </a:extLst>
           </p:cNvPr>
@@ -10732,10 +11692,10 @@
       </p:sp>
       <p:sp>
         <p:nvSpPr>
-          <p:cNvPr id="3" name="Content Placeholder 2">
-            <a:extLst>
-              <a:ext uri="{FF2B5EF4-FFF2-40B4-BE49-F238E27FC236}">
-                <a16:creationId xmlns:a16="http://schemas.microsoft.com/office/drawing/2014/main" id="{8C9B3A4A-ADF0-B9A8-801D-5AA728FCF14D}"/>
+          <p:cNvPr id="15" name="Content Placeholder 14">
+            <a:extLst>
+              <a:ext uri="{FF2B5EF4-FFF2-40B4-BE49-F238E27FC236}">
+                <a16:creationId xmlns:a16="http://schemas.microsoft.com/office/drawing/2014/main" id="{376F24CA-3087-29E1-19FC-56DF97D7C5EB}"/>
               </a:ext>
             </a:extLst>
           </p:cNvPr>
@@ -10744,6 +11704,499 @@
           </p:cNvSpPr>
           <p:nvPr>
             <p:ph sz="quarter" idx="14"/>
+          </p:nvPr>
+        </p:nvSpPr>
+        <p:spPr/>
+        <p:txBody>
+          <a:bodyPr>
+            <a:normAutofit/>
+          </a:bodyPr>
+          <a:lstStyle/>
+          <a:p>
+            <a:r>
+              <a:rPr lang="de-AT" dirty="0"/>
+              <a:t>Data </a:t>
+            </a:r>
+            <a:r>
+              <a:rPr lang="de-AT" dirty="0" err="1"/>
+              <a:t>cleaning</a:t>
+            </a:r>
+            <a:endParaRPr lang="de-AT" dirty="0"/>
+          </a:p>
+          <a:p>
+            <a:pPr lvl="1"/>
+            <a:r>
+              <a:rPr lang="de-AT" dirty="0" err="1"/>
+              <a:t>Probably</a:t>
+            </a:r>
+            <a:r>
+              <a:rPr lang="de-AT" dirty="0"/>
+              <a:t> </a:t>
+            </a:r>
+            <a:r>
+              <a:rPr lang="de-AT" dirty="0" err="1"/>
+              <a:t>the</a:t>
+            </a:r>
+            <a:r>
+              <a:rPr lang="de-AT" dirty="0"/>
+              <a:t> </a:t>
+            </a:r>
+            <a:r>
+              <a:rPr lang="de-AT" dirty="0" err="1"/>
+              <a:t>most</a:t>
+            </a:r>
+            <a:r>
+              <a:rPr lang="de-AT" dirty="0"/>
+              <a:t> </a:t>
+            </a:r>
+            <a:r>
+              <a:rPr lang="de-AT" dirty="0" err="1"/>
+              <a:t>important</a:t>
+            </a:r>
+            <a:r>
+              <a:rPr lang="de-AT" dirty="0"/>
+              <a:t> </a:t>
+            </a:r>
+            <a:r>
+              <a:rPr lang="de-AT" dirty="0" err="1"/>
+              <a:t>step</a:t>
+            </a:r>
+            <a:r>
+              <a:rPr lang="de-AT" dirty="0"/>
+              <a:t> in NLP</a:t>
+            </a:r>
+          </a:p>
+          <a:p>
+            <a:pPr lvl="1"/>
+            <a:r>
+              <a:rPr lang="de-AT" dirty="0" err="1"/>
+              <a:t>Ideally</a:t>
+            </a:r>
+            <a:r>
+              <a:rPr lang="de-AT" dirty="0"/>
+              <a:t> </a:t>
+            </a:r>
+            <a:r>
+              <a:rPr lang="de-AT" dirty="0" err="1"/>
+              <a:t>your</a:t>
+            </a:r>
+            <a:r>
+              <a:rPr lang="de-AT" dirty="0"/>
+              <a:t> </a:t>
+            </a:r>
+            <a:r>
+              <a:rPr lang="de-AT" dirty="0" err="1"/>
+              <a:t>data</a:t>
+            </a:r>
+            <a:r>
+              <a:rPr lang="de-AT" dirty="0"/>
+              <a:t> </a:t>
+            </a:r>
+            <a:r>
+              <a:rPr lang="de-AT" dirty="0" err="1"/>
+              <a:t>quality</a:t>
+            </a:r>
+            <a:r>
+              <a:rPr lang="de-AT" dirty="0"/>
+              <a:t> </a:t>
+            </a:r>
+            <a:r>
+              <a:rPr lang="de-AT" dirty="0" err="1"/>
+              <a:t>is</a:t>
+            </a:r>
+            <a:r>
+              <a:rPr lang="de-AT" dirty="0"/>
+              <a:t> </a:t>
+            </a:r>
+            <a:r>
+              <a:rPr lang="de-AT" dirty="0" err="1"/>
+              <a:t>already</a:t>
+            </a:r>
+            <a:r>
+              <a:rPr lang="de-AT" dirty="0"/>
+              <a:t> </a:t>
+            </a:r>
+            <a:r>
+              <a:rPr lang="de-AT" dirty="0" err="1"/>
+              <a:t>good</a:t>
+            </a:r>
+            <a:r>
+              <a:rPr lang="de-AT" dirty="0"/>
+              <a:t> and </a:t>
+            </a:r>
+            <a:r>
+              <a:rPr lang="de-AT" dirty="0" err="1"/>
+              <a:t>no</a:t>
+            </a:r>
+            <a:r>
+              <a:rPr lang="de-AT" dirty="0"/>
+              <a:t> </a:t>
+            </a:r>
+            <a:r>
+              <a:rPr lang="de-AT" dirty="0" err="1"/>
+              <a:t>data</a:t>
+            </a:r>
+            <a:r>
+              <a:rPr lang="de-AT" dirty="0"/>
+              <a:t> </a:t>
+            </a:r>
+            <a:r>
+              <a:rPr lang="de-AT" dirty="0" err="1"/>
+              <a:t>cleaning</a:t>
+            </a:r>
+            <a:r>
+              <a:rPr lang="de-AT" dirty="0"/>
+              <a:t> </a:t>
+            </a:r>
+            <a:r>
+              <a:rPr lang="de-AT" dirty="0" err="1"/>
+              <a:t>is</a:t>
+            </a:r>
+            <a:r>
+              <a:rPr lang="de-AT" dirty="0"/>
+              <a:t> </a:t>
+            </a:r>
+            <a:r>
+              <a:rPr lang="de-AT" dirty="0" err="1"/>
+              <a:t>needed</a:t>
+            </a:r>
+            <a:r>
+              <a:rPr lang="de-AT" dirty="0"/>
+              <a:t>, </a:t>
+            </a:r>
+            <a:r>
+              <a:rPr lang="de-AT" dirty="0" err="1"/>
+              <a:t>however</a:t>
+            </a:r>
+            <a:r>
+              <a:rPr lang="de-AT" dirty="0"/>
+              <a:t> in </a:t>
+            </a:r>
+            <a:r>
+              <a:rPr lang="de-AT" dirty="0" err="1"/>
+              <a:t>reality</a:t>
+            </a:r>
+            <a:r>
+              <a:rPr lang="de-AT" dirty="0"/>
+              <a:t> </a:t>
+            </a:r>
+            <a:r>
+              <a:rPr lang="de-AT" dirty="0" err="1"/>
+              <a:t>that</a:t>
+            </a:r>
+            <a:r>
+              <a:rPr lang="de-AT" dirty="0"/>
+              <a:t> </a:t>
+            </a:r>
+            <a:r>
+              <a:rPr lang="de-AT" dirty="0" err="1"/>
+              <a:t>is</a:t>
+            </a:r>
+            <a:r>
+              <a:rPr lang="de-AT" dirty="0"/>
+              <a:t> </a:t>
+            </a:r>
+            <a:r>
+              <a:rPr lang="de-AT" dirty="0" err="1"/>
+              <a:t>rarely</a:t>
+            </a:r>
+            <a:r>
+              <a:rPr lang="de-AT" dirty="0"/>
+              <a:t> </a:t>
+            </a:r>
+            <a:r>
+              <a:rPr lang="de-AT" dirty="0" err="1"/>
+              <a:t>the</a:t>
+            </a:r>
+            <a:r>
+              <a:rPr lang="de-AT" dirty="0"/>
+              <a:t> </a:t>
+            </a:r>
+            <a:r>
+              <a:rPr lang="de-AT" dirty="0" err="1"/>
+              <a:t>case</a:t>
+            </a:r>
+            <a:endParaRPr lang="de-AT" dirty="0"/>
+          </a:p>
+          <a:p>
+            <a:pPr lvl="1"/>
+            <a:r>
+              <a:rPr lang="de-AT" dirty="0"/>
+              <a:t>In </a:t>
+            </a:r>
+            <a:r>
+              <a:rPr lang="de-AT" dirty="0" err="1"/>
+              <a:t>some</a:t>
+            </a:r>
+            <a:r>
+              <a:rPr lang="de-AT" dirty="0"/>
+              <a:t> </a:t>
+            </a:r>
+            <a:r>
+              <a:rPr lang="de-AT" dirty="0" err="1"/>
+              <a:t>cases</a:t>
+            </a:r>
+            <a:r>
+              <a:rPr lang="de-AT" dirty="0"/>
+              <a:t> a simple </a:t>
+            </a:r>
+            <a:r>
+              <a:rPr lang="de-AT" dirty="0" err="1"/>
+              <a:t>regex</a:t>
+            </a:r>
+            <a:r>
+              <a:rPr lang="de-AT" dirty="0"/>
+              <a:t> </a:t>
+            </a:r>
+            <a:r>
+              <a:rPr lang="de-AT" dirty="0" err="1"/>
+              <a:t>pattern</a:t>
+            </a:r>
+            <a:r>
+              <a:rPr lang="de-AT" dirty="0"/>
+              <a:t> </a:t>
+            </a:r>
+            <a:r>
+              <a:rPr lang="de-AT" dirty="0" err="1"/>
+              <a:t>suffices</a:t>
+            </a:r>
+            <a:r>
+              <a:rPr lang="de-AT" dirty="0"/>
+              <a:t>, in </a:t>
+            </a:r>
+            <a:r>
+              <a:rPr lang="de-AT" dirty="0" err="1"/>
+              <a:t>other</a:t>
+            </a:r>
+            <a:r>
+              <a:rPr lang="de-AT" dirty="0"/>
+              <a:t> </a:t>
+            </a:r>
+            <a:r>
+              <a:rPr lang="de-AT" dirty="0" err="1"/>
+              <a:t>cases</a:t>
+            </a:r>
+            <a:r>
+              <a:rPr lang="de-AT" dirty="0"/>
+              <a:t> </a:t>
+            </a:r>
+            <a:r>
+              <a:rPr lang="de-AT" dirty="0" err="1"/>
+              <a:t>it‘s</a:t>
+            </a:r>
+            <a:r>
+              <a:rPr lang="de-AT" dirty="0"/>
+              <a:t> a </a:t>
+            </a:r>
+            <a:r>
+              <a:rPr lang="de-AT" dirty="0" err="1"/>
+              <a:t>really</a:t>
+            </a:r>
+            <a:r>
+              <a:rPr lang="de-AT" dirty="0"/>
+              <a:t> </a:t>
+            </a:r>
+            <a:r>
+              <a:rPr lang="de-AT" dirty="0" err="1"/>
+              <a:t>cumbersome</a:t>
+            </a:r>
+            <a:r>
+              <a:rPr lang="de-AT" dirty="0"/>
+              <a:t> </a:t>
+            </a:r>
+            <a:r>
+              <a:rPr lang="de-AT" dirty="0" err="1"/>
+              <a:t>process</a:t>
+            </a:r>
+            <a:endParaRPr lang="de-AT" dirty="0"/>
+          </a:p>
+          <a:p>
+            <a:pPr lvl="1"/>
+            <a:r>
+              <a:rPr lang="de-AT" dirty="0" err="1"/>
+              <a:t>When</a:t>
+            </a:r>
+            <a:r>
+              <a:rPr lang="de-AT" dirty="0"/>
+              <a:t> </a:t>
+            </a:r>
+            <a:r>
+              <a:rPr lang="de-AT" dirty="0" err="1"/>
+              <a:t>doing</a:t>
+            </a:r>
+            <a:r>
+              <a:rPr lang="de-AT" dirty="0"/>
+              <a:t> </a:t>
+            </a:r>
+            <a:r>
+              <a:rPr lang="de-AT" dirty="0" err="1"/>
+              <a:t>machine</a:t>
+            </a:r>
+            <a:r>
+              <a:rPr lang="de-AT" dirty="0"/>
+              <a:t> </a:t>
+            </a:r>
+            <a:r>
+              <a:rPr lang="de-AT" dirty="0" err="1"/>
+              <a:t>learning</a:t>
+            </a:r>
+            <a:r>
+              <a:rPr lang="de-AT" dirty="0"/>
+              <a:t>, </a:t>
+            </a:r>
+            <a:r>
+              <a:rPr lang="de-AT" dirty="0" err="1"/>
+              <a:t>data</a:t>
+            </a:r>
+            <a:r>
+              <a:rPr lang="de-AT" dirty="0"/>
+              <a:t> </a:t>
+            </a:r>
+            <a:r>
+              <a:rPr lang="de-AT" dirty="0" err="1"/>
+              <a:t>cleaning</a:t>
+            </a:r>
+            <a:r>
+              <a:rPr lang="de-AT" dirty="0"/>
+              <a:t> </a:t>
+            </a:r>
+            <a:r>
+              <a:rPr lang="de-AT" dirty="0" err="1"/>
+              <a:t>becomes</a:t>
+            </a:r>
+            <a:r>
+              <a:rPr lang="de-AT" dirty="0"/>
+              <a:t> </a:t>
+            </a:r>
+            <a:r>
+              <a:rPr lang="de-AT" dirty="0" err="1"/>
+              <a:t>increasingly</a:t>
+            </a:r>
+            <a:r>
+              <a:rPr lang="de-AT" dirty="0"/>
+              <a:t> </a:t>
+            </a:r>
+            <a:r>
+              <a:rPr lang="de-AT" dirty="0" err="1"/>
+              <a:t>more</a:t>
+            </a:r>
+            <a:r>
+              <a:rPr lang="de-AT"/>
+              <a:t> important</a:t>
+            </a:r>
+            <a:r>
+              <a:rPr lang="de-AT" dirty="0"/>
+              <a:t> </a:t>
+            </a:r>
+            <a:r>
+              <a:rPr lang="de-AT" dirty="0" err="1"/>
+              <a:t>the</a:t>
+            </a:r>
+            <a:r>
+              <a:rPr lang="de-AT" dirty="0"/>
+              <a:t> </a:t>
+            </a:r>
+            <a:r>
+              <a:rPr lang="de-AT" dirty="0" err="1"/>
+              <a:t>less</a:t>
+            </a:r>
+            <a:r>
+              <a:rPr lang="de-AT" dirty="0"/>
+              <a:t> </a:t>
+            </a:r>
+            <a:r>
+              <a:rPr lang="de-AT" dirty="0" err="1"/>
+              <a:t>data</a:t>
+            </a:r>
+            <a:r>
+              <a:rPr lang="de-AT" dirty="0"/>
+              <a:t> </a:t>
+            </a:r>
+            <a:r>
+              <a:rPr lang="de-AT" dirty="0" err="1"/>
+              <a:t>you</a:t>
+            </a:r>
+            <a:r>
+              <a:rPr lang="de-AT" dirty="0"/>
+              <a:t> </a:t>
+            </a:r>
+            <a:r>
+              <a:rPr lang="de-AT" dirty="0" err="1"/>
+              <a:t>have</a:t>
+            </a:r>
+            <a:r>
+              <a:rPr lang="de-AT" dirty="0"/>
+              <a:t> and </a:t>
+            </a:r>
+            <a:r>
+              <a:rPr lang="de-AT" dirty="0" err="1"/>
+              <a:t>the</a:t>
+            </a:r>
+            <a:r>
+              <a:rPr lang="de-AT" dirty="0"/>
+              <a:t> simpler </a:t>
+            </a:r>
+            <a:r>
+              <a:rPr lang="de-AT" dirty="0" err="1"/>
+              <a:t>your</a:t>
+            </a:r>
+            <a:r>
+              <a:rPr lang="de-AT" dirty="0"/>
+              <a:t> </a:t>
+            </a:r>
+            <a:r>
+              <a:rPr lang="de-AT" dirty="0" err="1"/>
+              <a:t>model</a:t>
+            </a:r>
+            <a:r>
+              <a:rPr lang="de-AT" dirty="0"/>
+              <a:t> </a:t>
+            </a:r>
+            <a:r>
+              <a:rPr lang="de-AT" dirty="0" err="1"/>
+              <a:t>is</a:t>
+            </a:r>
+            <a:endParaRPr lang="de-AT" dirty="0"/>
+          </a:p>
+          <a:p>
+            <a:pPr lvl="1"/>
+            <a:r>
+              <a:rPr lang="de-AT" dirty="0"/>
+              <a:t>Generally „</a:t>
+            </a:r>
+            <a:r>
+              <a:rPr lang="de-AT" dirty="0" err="1"/>
+              <a:t>Crap</a:t>
+            </a:r>
+            <a:r>
+              <a:rPr lang="de-AT" dirty="0"/>
+              <a:t> in = </a:t>
+            </a:r>
+            <a:r>
+              <a:rPr lang="de-AT" dirty="0" err="1"/>
+              <a:t>Crap</a:t>
+            </a:r>
+            <a:r>
+              <a:rPr lang="de-AT" dirty="0"/>
+              <a:t> out“</a:t>
+            </a:r>
+          </a:p>
+        </p:txBody>
+      </p:sp>
+      <p:sp>
+        <p:nvSpPr>
+          <p:cNvPr id="3" name="Footer Placeholder 2">
+            <a:extLst>
+              <a:ext uri="{FF2B5EF4-FFF2-40B4-BE49-F238E27FC236}">
+                <a16:creationId xmlns:a16="http://schemas.microsoft.com/office/drawing/2014/main" id="{F66F59ED-3461-C4F5-DFA8-DC889B37AA9A}"/>
+              </a:ext>
+            </a:extLst>
+          </p:cNvPr>
+          <p:cNvSpPr>
+            <a:spLocks noGrp="1"/>
+          </p:cNvSpPr>
+          <p:nvPr>
+            <p:ph type="ftr" sz="quarter" idx="11"/>
           </p:nvPr>
         </p:nvSpPr>
         <p:spPr/>
@@ -10752,258 +12205,8 @@
           <a:lstStyle/>
           <a:p>
             <a:r>
-              <a:rPr lang="de-AT" dirty="0" err="1"/>
-              <a:t>Stopword</a:t>
-            </a:r>
-            <a:r>
-              <a:rPr lang="de-AT" dirty="0"/>
-              <a:t> </a:t>
-            </a:r>
-            <a:r>
-              <a:rPr lang="de-AT" dirty="0" err="1"/>
-              <a:t>removal</a:t>
-            </a:r>
-            <a:r>
-              <a:rPr lang="de-AT" dirty="0"/>
-              <a:t>:</a:t>
-            </a:r>
-          </a:p>
-          <a:p>
-            <a:pPr lvl="1"/>
-            <a:r>
-              <a:rPr lang="de-AT" dirty="0" err="1"/>
-              <a:t>Stopwords</a:t>
-            </a:r>
-            <a:r>
-              <a:rPr lang="de-AT" dirty="0"/>
-              <a:t> </a:t>
-            </a:r>
-            <a:r>
-              <a:rPr lang="de-AT" dirty="0" err="1"/>
-              <a:t>are</a:t>
-            </a:r>
-            <a:r>
-              <a:rPr lang="de-AT" dirty="0"/>
-              <a:t> </a:t>
-            </a:r>
-            <a:r>
-              <a:rPr lang="de-AT" dirty="0" err="1"/>
-              <a:t>words</a:t>
-            </a:r>
-            <a:r>
-              <a:rPr lang="de-AT" dirty="0"/>
-              <a:t> </a:t>
-            </a:r>
-            <a:r>
-              <a:rPr lang="de-AT" dirty="0" err="1"/>
-              <a:t>that</a:t>
-            </a:r>
-            <a:r>
-              <a:rPr lang="de-AT" dirty="0"/>
-              <a:t> </a:t>
-            </a:r>
-            <a:r>
-              <a:rPr lang="de-AT" dirty="0" err="1"/>
-              <a:t>are</a:t>
-            </a:r>
-            <a:r>
-              <a:rPr lang="de-AT" dirty="0"/>
-              <a:t> </a:t>
-            </a:r>
-            <a:r>
-              <a:rPr lang="de-AT" dirty="0" err="1"/>
-              <a:t>too</a:t>
-            </a:r>
-            <a:r>
-              <a:rPr lang="de-AT" dirty="0"/>
-              <a:t> frequent in a </a:t>
-            </a:r>
-            <a:r>
-              <a:rPr lang="de-AT" dirty="0" err="1"/>
-              <a:t>language</a:t>
-            </a:r>
-            <a:r>
-              <a:rPr lang="de-AT" dirty="0"/>
-              <a:t> </a:t>
-            </a:r>
-            <a:r>
-              <a:rPr lang="de-AT" dirty="0" err="1"/>
-              <a:t>or</a:t>
-            </a:r>
-            <a:r>
-              <a:rPr lang="de-AT" dirty="0"/>
-              <a:t> </a:t>
-            </a:r>
-            <a:r>
-              <a:rPr lang="de-AT" dirty="0" err="1"/>
-              <a:t>document</a:t>
-            </a:r>
-            <a:r>
-              <a:rPr lang="de-AT" dirty="0"/>
-              <a:t> </a:t>
-            </a:r>
-            <a:r>
-              <a:rPr lang="de-AT" dirty="0" err="1"/>
-              <a:t>collection</a:t>
-            </a:r>
-            <a:r>
-              <a:rPr lang="de-AT" dirty="0"/>
-              <a:t> and </a:t>
-            </a:r>
-            <a:r>
-              <a:rPr lang="de-AT" dirty="0" err="1"/>
-              <a:t>have</a:t>
-            </a:r>
-            <a:r>
-              <a:rPr lang="de-AT" dirty="0"/>
-              <a:t> </a:t>
-            </a:r>
-            <a:r>
-              <a:rPr lang="de-AT" dirty="0" err="1"/>
-              <a:t>very</a:t>
-            </a:r>
-            <a:r>
-              <a:rPr lang="de-AT" dirty="0"/>
-              <a:t> </a:t>
-            </a:r>
-            <a:r>
-              <a:rPr lang="de-AT" dirty="0" err="1"/>
-              <a:t>little</a:t>
-            </a:r>
-            <a:r>
-              <a:rPr lang="de-AT" dirty="0"/>
-              <a:t> </a:t>
-            </a:r>
-            <a:r>
-              <a:rPr lang="de-AT" dirty="0" err="1"/>
-              <a:t>semantic</a:t>
-            </a:r>
-            <a:r>
-              <a:rPr lang="de-AT" dirty="0"/>
-              <a:t> </a:t>
-            </a:r>
-            <a:r>
-              <a:rPr lang="de-AT" dirty="0" err="1"/>
-              <a:t>meaning</a:t>
-            </a:r>
-            <a:endParaRPr lang="de-AT" dirty="0"/>
-          </a:p>
-          <a:p>
-            <a:pPr lvl="1"/>
-            <a:r>
-              <a:rPr lang="de-AT" dirty="0" err="1"/>
-              <a:t>Removing</a:t>
-            </a:r>
-            <a:r>
-              <a:rPr lang="de-AT" dirty="0"/>
-              <a:t> </a:t>
-            </a:r>
-            <a:r>
-              <a:rPr lang="de-AT" dirty="0" err="1"/>
-              <a:t>them</a:t>
-            </a:r>
-            <a:r>
-              <a:rPr lang="de-AT" dirty="0"/>
-              <a:t> </a:t>
-            </a:r>
-            <a:r>
-              <a:rPr lang="de-AT" dirty="0" err="1"/>
-              <a:t>reduces</a:t>
-            </a:r>
-            <a:r>
-              <a:rPr lang="de-AT" dirty="0"/>
-              <a:t> </a:t>
-            </a:r>
-            <a:r>
-              <a:rPr lang="de-AT" dirty="0" err="1"/>
-              <a:t>the</a:t>
-            </a:r>
-            <a:r>
-              <a:rPr lang="de-AT" dirty="0"/>
-              <a:t> feature </a:t>
-            </a:r>
-            <a:r>
-              <a:rPr lang="de-AT" dirty="0" err="1"/>
-              <a:t>space</a:t>
-            </a:r>
-            <a:endParaRPr lang="de-AT" dirty="0"/>
-          </a:p>
-          <a:p>
-            <a:r>
-              <a:rPr lang="de-AT" dirty="0"/>
-              <a:t>The quick </a:t>
-            </a:r>
-            <a:r>
-              <a:rPr lang="de-AT" dirty="0" err="1"/>
-              <a:t>brown</a:t>
-            </a:r>
-            <a:r>
-              <a:rPr lang="de-AT" dirty="0"/>
-              <a:t> </a:t>
-            </a:r>
-            <a:r>
-              <a:rPr lang="de-AT" dirty="0" err="1"/>
-              <a:t>fox</a:t>
-            </a:r>
-            <a:r>
-              <a:rPr lang="de-AT" dirty="0"/>
-              <a:t> </a:t>
-            </a:r>
-            <a:r>
-              <a:rPr lang="de-AT" dirty="0" err="1"/>
-              <a:t>jumps</a:t>
-            </a:r>
-            <a:r>
-              <a:rPr lang="de-AT" dirty="0"/>
-              <a:t> </a:t>
-            </a:r>
-            <a:r>
-              <a:rPr lang="de-AT" dirty="0" err="1"/>
-              <a:t>over</a:t>
-            </a:r>
-            <a:r>
-              <a:rPr lang="de-AT" dirty="0"/>
-              <a:t> </a:t>
-            </a:r>
-            <a:r>
-              <a:rPr lang="de-AT" dirty="0" err="1"/>
-              <a:t>the</a:t>
-            </a:r>
-            <a:r>
-              <a:rPr lang="de-AT" dirty="0"/>
-              <a:t> </a:t>
-            </a:r>
-            <a:r>
-              <a:rPr lang="de-AT" dirty="0" err="1"/>
-              <a:t>lazy</a:t>
-            </a:r>
-            <a:r>
-              <a:rPr lang="de-AT" dirty="0"/>
-              <a:t> </a:t>
-            </a:r>
-            <a:r>
-              <a:rPr lang="de-AT" dirty="0" err="1"/>
-              <a:t>dog</a:t>
-            </a:r>
-            <a:r>
-              <a:rPr lang="de-AT" dirty="0"/>
-              <a:t> = quick, </a:t>
-            </a:r>
-            <a:r>
-              <a:rPr lang="de-AT" dirty="0" err="1"/>
-              <a:t>brown</a:t>
-            </a:r>
-            <a:r>
-              <a:rPr lang="de-AT" dirty="0"/>
-              <a:t>, </a:t>
-            </a:r>
-            <a:r>
-              <a:rPr lang="de-AT" dirty="0" err="1"/>
-              <a:t>fox</a:t>
-            </a:r>
-            <a:r>
-              <a:rPr lang="de-AT" dirty="0"/>
-              <a:t>, …</a:t>
+              <a:rPr lang="de-AT" dirty="0"/>
+              <a:t>Natural Language Processing</a:t>
             </a:r>
             <a:endParaRPr lang="en-US" dirty="0"/>
           </a:p>
@@ -11011,18 +12214,18 @@
       </p:sp>
       <p:sp>
         <p:nvSpPr>
-          <p:cNvPr id="4" name="Footer Placeholder 3">
-            <a:extLst>
-              <a:ext uri="{FF2B5EF4-FFF2-40B4-BE49-F238E27FC236}">
-                <a16:creationId xmlns:a16="http://schemas.microsoft.com/office/drawing/2014/main" id="{A97C701B-6ADB-E236-D696-1780072C5A63}"/>
-              </a:ext>
-            </a:extLst>
-          </p:cNvPr>
-          <p:cNvSpPr>
-            <a:spLocks noGrp="1"/>
-          </p:cNvSpPr>
-          <p:nvPr>
-            <p:ph type="ftr" sz="quarter" idx="11"/>
+          <p:cNvPr id="7" name="Date Placeholder 6">
+            <a:extLst>
+              <a:ext uri="{FF2B5EF4-FFF2-40B4-BE49-F238E27FC236}">
+                <a16:creationId xmlns:a16="http://schemas.microsoft.com/office/drawing/2014/main" id="{9216B58B-5769-ADEA-1D33-F5AA1D9AC208}"/>
+              </a:ext>
+            </a:extLst>
+          </p:cNvPr>
+          <p:cNvSpPr>
+            <a:spLocks noGrp="1"/>
+          </p:cNvSpPr>
+          <p:nvPr>
+            <p:ph type="dt" sz="half" idx="10"/>
           </p:nvPr>
         </p:nvSpPr>
         <p:spPr/>
@@ -11030,58 +12233,26 @@
           <a:bodyPr/>
           <a:lstStyle/>
           <a:p>
+            <a:pPr>
+              <a:defRPr/>
+            </a:pPr>
             <a:r>
               <a:rPr lang="en-US" dirty="0">
                 <a:solidFill>
                   <a:prstClr val="black"/>
                 </a:solidFill>
               </a:rPr>
-              <a:t>Natural Language Processing</a:t>
-            </a:r>
-          </a:p>
-        </p:txBody>
-      </p:sp>
-      <p:sp>
-        <p:nvSpPr>
-          <p:cNvPr id="5" name="Date Placeholder 4">
-            <a:extLst>
-              <a:ext uri="{FF2B5EF4-FFF2-40B4-BE49-F238E27FC236}">
-                <a16:creationId xmlns:a16="http://schemas.microsoft.com/office/drawing/2014/main" id="{A5EB4830-77F7-E995-3C7A-870F9B6CD924}"/>
-              </a:ext>
-            </a:extLst>
-          </p:cNvPr>
-          <p:cNvSpPr>
-            <a:spLocks noGrp="1"/>
-          </p:cNvSpPr>
-          <p:nvPr>
-            <p:ph type="dt" sz="half" idx="10"/>
-          </p:nvPr>
-        </p:nvSpPr>
-        <p:spPr/>
-        <p:txBody>
-          <a:bodyPr/>
-          <a:lstStyle/>
-          <a:p>
-            <a:pPr>
-              <a:defRPr/>
-            </a:pPr>
-            <a:r>
-              <a:rPr lang="en-US" dirty="0">
-                <a:solidFill>
-                  <a:prstClr val="black"/>
-                </a:solidFill>
-              </a:rPr>
-              <a:t>2022</a:t>
-            </a:r>
-          </a:p>
-        </p:txBody>
-      </p:sp>
-      <p:sp>
-        <p:nvSpPr>
-          <p:cNvPr id="6" name="Slide Number Placeholder 5">
-            <a:extLst>
-              <a:ext uri="{FF2B5EF4-FFF2-40B4-BE49-F238E27FC236}">
-                <a16:creationId xmlns:a16="http://schemas.microsoft.com/office/drawing/2014/main" id="{5AD9B4EA-3A7F-8E80-8AC2-5E6AF0E1251C}"/>
+              <a:t>2023</a:t>
+            </a:r>
+          </a:p>
+        </p:txBody>
+      </p:sp>
+      <p:sp>
+        <p:nvSpPr>
+          <p:cNvPr id="8" name="Slide Number Placeholder 7">
+            <a:extLst>
+              <a:ext uri="{FF2B5EF4-FFF2-40B4-BE49-F238E27FC236}">
+                <a16:creationId xmlns:a16="http://schemas.microsoft.com/office/drawing/2014/main" id="{461FAFCA-8B9B-9D14-EE7A-BB926BF5333A}"/>
               </a:ext>
             </a:extLst>
           </p:cNvPr>
@@ -11114,7 +12285,7 @@
               <a:tabLst/>
               <a:defRPr/>
             </a:pPr>
-            <a:fld id="{06B786C7-B8F9-4072-AAAA-17258464D730}" type="slidenum">
+            <a:fld id="{244D815C-8BF3-4ECF-A945-A2A7C2983AF9}" type="slidenum">
               <a:rPr kumimoji="0" lang="en-US" sz="1050" b="0" i="0" u="none" strike="noStrike" kern="1200" cap="none" spc="0" normalizeH="0" baseline="0" noProof="0" smtClean="0">
                 <a:ln>
                   <a:noFill/>
@@ -11168,7 +12339,7 @@
     </p:spTree>
     <p:extLst>
       <p:ext uri="{BB962C8B-B14F-4D97-AF65-F5344CB8AC3E}">
-        <p14:creationId xmlns:p14="http://schemas.microsoft.com/office/powerpoint/2010/main" val="3114224310"/>
+        <p14:creationId xmlns:p14="http://schemas.microsoft.com/office/powerpoint/2010/main" val="536827300"/>
       </p:ext>
     </p:extLst>
   </p:cSld>
@@ -11200,7 +12371,7 @@
           <p:cNvPr id="2" name="Title 1">
             <a:extLst>
               <a:ext uri="{FF2B5EF4-FFF2-40B4-BE49-F238E27FC236}">
-                <a16:creationId xmlns:a16="http://schemas.microsoft.com/office/drawing/2014/main" id="{A09EE781-9F6B-AF8A-1B87-14F655CA8BD6}"/>
+                <a16:creationId xmlns:a16="http://schemas.microsoft.com/office/drawing/2014/main" id="{63AAC175-7913-D632-FD16-A58F3D45712C}"/>
               </a:ext>
             </a:extLst>
           </p:cNvPr>
@@ -11231,7 +12402,7 @@
           <p:cNvPr id="3" name="Content Placeholder 2">
             <a:extLst>
               <a:ext uri="{FF2B5EF4-FFF2-40B4-BE49-F238E27FC236}">
-                <a16:creationId xmlns:a16="http://schemas.microsoft.com/office/drawing/2014/main" id="{47C10461-1190-03EF-1D21-E99D0884B1FD}"/>
+                <a16:creationId xmlns:a16="http://schemas.microsoft.com/office/drawing/2014/main" id="{F3B3B8D3-E486-E4DD-4D73-EF65463F8B70}"/>
               </a:ext>
             </a:extLst>
           </p:cNvPr>
@@ -11249,7 +12420,7 @@
           <a:p>
             <a:r>
               <a:rPr lang="de-AT" dirty="0" err="1"/>
-              <a:t>Stemming</a:t>
+              <a:t>Tokenization</a:t>
             </a:r>
             <a:r>
               <a:rPr lang="de-AT" dirty="0"/>
@@ -11260,20 +12431,34 @@
             <a:pPr lvl="1"/>
             <a:r>
               <a:rPr lang="en-US" dirty="0"/>
-              <a:t>Different word forms may have similar meaning e.g. jumps, jumping</a:t>
+              <a:t>Process of breaking a stream of text up into (key)words, symbols, or other meaningful elements called tokens</a:t>
             </a:r>
           </a:p>
           <a:p>
             <a:pPr lvl="1"/>
             <a:r>
               <a:rPr lang="en-US" dirty="0"/>
-              <a:t>Therefore, create a “standard” representation for them by removing the endings</a:t>
-            </a:r>
-          </a:p>
-          <a:p>
+              <a:t>Tokens are small units of (meaningful) text, such that a comparison between a token in the query and a token in a document can take place</a:t>
+            </a:r>
+          </a:p>
+          <a:p>
+            <a:pPr lvl="1"/>
             <a:r>
               <a:rPr lang="en-US" dirty="0"/>
-              <a:t>The quick brown fox jumps over the lazy dog = quick, brown, fox, jump, …</a:t>
+              <a:t>Usually tokenization based on whitespace, but we will see that that doesn’t always work very well</a:t>
+            </a:r>
+          </a:p>
+          <a:p>
+            <a:pPr lvl="1"/>
+            <a:r>
+              <a:rPr lang="en-US" dirty="0"/>
+              <a:t>Removing punctuation may or may not be useful depending on further transformations, good for TF-IDF but may lose information for 2Vec models</a:t>
+            </a:r>
+          </a:p>
+          <a:p>
+            <a:r>
+              <a:rPr lang="en-US" dirty="0"/>
+              <a:t>The quick brown fox jumps over the lazy dog = the, quick, brown, fox, …</a:t>
             </a:r>
           </a:p>
         </p:txBody>
@@ -11283,7 +12468,7 @@
           <p:cNvPr id="4" name="Footer Placeholder 3">
             <a:extLst>
               <a:ext uri="{FF2B5EF4-FFF2-40B4-BE49-F238E27FC236}">
-                <a16:creationId xmlns:a16="http://schemas.microsoft.com/office/drawing/2014/main" id="{B3A9CF1D-E644-16F5-C271-75466AA302F5}"/>
+                <a16:creationId xmlns:a16="http://schemas.microsoft.com/office/drawing/2014/main" id="{4FE7ED34-485F-A9CC-73A9-769A9A243485}"/>
               </a:ext>
             </a:extLst>
           </p:cNvPr>
@@ -11299,48 +12484,53 @@
           <a:bodyPr/>
           <a:lstStyle/>
           <a:p>
+            <a:r>
+              <a:rPr lang="de-AT" dirty="0">
+                <a:solidFill>
+                  <a:prstClr val="black"/>
+                </a:solidFill>
+              </a:rPr>
+              <a:t>Natural Language Processing</a:t>
+            </a:r>
+            <a:endParaRPr lang="en-US" dirty="0">
+              <a:solidFill>
+                <a:prstClr val="black"/>
+              </a:solidFill>
+            </a:endParaRPr>
+          </a:p>
+        </p:txBody>
+      </p:sp>
+      <p:sp>
+        <p:nvSpPr>
+          <p:cNvPr id="5" name="Date Placeholder 4">
+            <a:extLst>
+              <a:ext uri="{FF2B5EF4-FFF2-40B4-BE49-F238E27FC236}">
+                <a16:creationId xmlns:a16="http://schemas.microsoft.com/office/drawing/2014/main" id="{2103EAE7-97F4-AF8C-1994-33F7822E2D22}"/>
+              </a:ext>
+            </a:extLst>
+          </p:cNvPr>
+          <p:cNvSpPr>
+            <a:spLocks noGrp="1"/>
+          </p:cNvSpPr>
+          <p:nvPr>
+            <p:ph type="dt" sz="half" idx="10"/>
+          </p:nvPr>
+        </p:nvSpPr>
+        <p:spPr/>
+        <p:txBody>
+          <a:bodyPr/>
+          <a:lstStyle/>
+          <a:p>
+            <a:pPr>
+              <a:defRPr/>
+            </a:pPr>
             <a:r>
               <a:rPr lang="en-US" dirty="0">
                 <a:solidFill>
                   <a:prstClr val="black"/>
                 </a:solidFill>
               </a:rPr>
-              <a:t>Natural Language Processing</a:t>
-            </a:r>
-          </a:p>
-        </p:txBody>
-      </p:sp>
-      <p:sp>
-        <p:nvSpPr>
-          <p:cNvPr id="5" name="Date Placeholder 4">
-            <a:extLst>
-              <a:ext uri="{FF2B5EF4-FFF2-40B4-BE49-F238E27FC236}">
-                <a16:creationId xmlns:a16="http://schemas.microsoft.com/office/drawing/2014/main" id="{8CA8AF52-8715-4D80-AFFC-6892196EDEE8}"/>
-              </a:ext>
-            </a:extLst>
-          </p:cNvPr>
-          <p:cNvSpPr>
-            <a:spLocks noGrp="1"/>
-          </p:cNvSpPr>
-          <p:nvPr>
-            <p:ph type="dt" sz="half" idx="10"/>
-          </p:nvPr>
-        </p:nvSpPr>
-        <p:spPr/>
-        <p:txBody>
-          <a:bodyPr/>
-          <a:lstStyle/>
-          <a:p>
-            <a:pPr>
-              <a:defRPr/>
-            </a:pPr>
-            <a:r>
-              <a:rPr lang="en-US" dirty="0">
-                <a:solidFill>
-                  <a:prstClr val="black"/>
-                </a:solidFill>
-              </a:rPr>
-              <a:t>2022</a:t>
+              <a:t>2023</a:t>
             </a:r>
           </a:p>
         </p:txBody>
@@ -11350,7 +12540,7 @@
           <p:cNvPr id="6" name="Slide Number Placeholder 5">
             <a:extLst>
               <a:ext uri="{FF2B5EF4-FFF2-40B4-BE49-F238E27FC236}">
-                <a16:creationId xmlns:a16="http://schemas.microsoft.com/office/drawing/2014/main" id="{5AA3E74D-85BD-0F27-B141-8673A1661681}"/>
+                <a16:creationId xmlns:a16="http://schemas.microsoft.com/office/drawing/2014/main" id="{32A8944E-42C0-54E9-D295-0B1414CD0116}"/>
               </a:ext>
             </a:extLst>
           </p:cNvPr>
@@ -11437,7 +12627,7 @@
     </p:spTree>
     <p:extLst>
       <p:ext uri="{BB962C8B-B14F-4D97-AF65-F5344CB8AC3E}">
-        <p14:creationId xmlns:p14="http://schemas.microsoft.com/office/powerpoint/2010/main" val="1522719957"/>
+        <p14:creationId xmlns:p14="http://schemas.microsoft.com/office/powerpoint/2010/main" val="829488861"/>
       </p:ext>
     </p:extLst>
   </p:cSld>
@@ -11469,7 +12659,7 @@
           <p:cNvPr id="2" name="Title 1">
             <a:extLst>
               <a:ext uri="{FF2B5EF4-FFF2-40B4-BE49-F238E27FC236}">
-                <a16:creationId xmlns:a16="http://schemas.microsoft.com/office/drawing/2014/main" id="{37CC80F7-5DA2-B5BD-90FC-680821294810}"/>
+                <a16:creationId xmlns:a16="http://schemas.microsoft.com/office/drawing/2014/main" id="{8EA99292-AC85-6EBF-D1A9-8F4CD9219841}"/>
               </a:ext>
             </a:extLst>
           </p:cNvPr>
@@ -11488,12 +12678,8 @@
           <a:lstStyle/>
           <a:p>
             <a:r>
-              <a:rPr lang="de-AT" dirty="0"/>
-              <a:t>Feature </a:t>
-            </a:r>
-            <a:r>
-              <a:rPr lang="de-AT" dirty="0" err="1"/>
-              <a:t>Representations</a:t>
+              <a:rPr lang="de-AT" dirty="0" err="1"/>
+              <a:t>Preprocessing</a:t>
             </a:r>
             <a:endParaRPr lang="en-US" dirty="0"/>
           </a:p>
@@ -11504,7 +12690,7 @@
           <p:cNvPr id="3" name="Content Placeholder 2">
             <a:extLst>
               <a:ext uri="{FF2B5EF4-FFF2-40B4-BE49-F238E27FC236}">
-                <a16:creationId xmlns:a16="http://schemas.microsoft.com/office/drawing/2014/main" id="{977A318F-380C-0CAD-C225-7C40667DAE42}"/>
+                <a16:creationId xmlns:a16="http://schemas.microsoft.com/office/drawing/2014/main" id="{8C9B3A4A-ADF0-B9A8-801D-5AA728FCF14D}"/>
               </a:ext>
             </a:extLst>
           </p:cNvPr>
@@ -11521,79 +12707,87 @@
           <a:lstStyle/>
           <a:p>
             <a:r>
-              <a:rPr lang="de-AT" dirty="0"/>
-              <a:t>TF-IDF:</a:t>
+              <a:rPr lang="de-AT" dirty="0" err="1"/>
+              <a:t>Stopword</a:t>
+            </a:r>
+            <a:r>
+              <a:rPr lang="de-AT" dirty="0"/>
+              <a:t> </a:t>
+            </a:r>
+            <a:r>
+              <a:rPr lang="de-AT" dirty="0" err="1"/>
+              <a:t>removal</a:t>
+            </a:r>
+            <a:r>
+              <a:rPr lang="de-AT" dirty="0"/>
+              <a:t>:</a:t>
             </a:r>
           </a:p>
           <a:p>
             <a:pPr lvl="1"/>
             <a:r>
-              <a:rPr lang="de-AT" dirty="0"/>
-              <a:t>Term </a:t>
-            </a:r>
-            <a:r>
-              <a:rPr lang="de-AT" dirty="0" err="1"/>
-              <a:t>Frequency</a:t>
-            </a:r>
-            <a:r>
-              <a:rPr lang="de-AT" dirty="0"/>
-              <a:t> </a:t>
-            </a:r>
-            <a:r>
-              <a:rPr lang="de-AT" i="1" dirty="0" err="1"/>
-              <a:t>tf</a:t>
-            </a:r>
-            <a:r>
-              <a:rPr lang="de-AT" dirty="0"/>
-              <a:t> = </a:t>
-            </a:r>
-            <a:r>
-              <a:rPr lang="de-AT" dirty="0" err="1"/>
-              <a:t>number</a:t>
-            </a:r>
-            <a:r>
-              <a:rPr lang="de-AT" dirty="0"/>
-              <a:t> </a:t>
-            </a:r>
-            <a:r>
-              <a:rPr lang="de-AT" dirty="0" err="1"/>
-              <a:t>of</a:t>
-            </a:r>
-            <a:r>
-              <a:rPr lang="de-AT" dirty="0"/>
-              <a:t> </a:t>
-            </a:r>
-            <a:r>
-              <a:rPr lang="de-AT" dirty="0" err="1"/>
-              <a:t>times</a:t>
-            </a:r>
-            <a:r>
-              <a:rPr lang="de-AT" dirty="0"/>
-              <a:t> </a:t>
-            </a:r>
-            <a:r>
-              <a:rPr lang="de-AT" dirty="0" err="1"/>
-              <a:t>term</a:t>
-            </a:r>
-            <a:r>
-              <a:rPr lang="de-AT" dirty="0"/>
-              <a:t> </a:t>
-            </a:r>
-            <a:r>
-              <a:rPr lang="de-AT" i="1" dirty="0"/>
-              <a:t>t</a:t>
-            </a:r>
-            <a:r>
-              <a:rPr lang="de-AT" dirty="0"/>
-              <a:t> </a:t>
-            </a:r>
-            <a:r>
-              <a:rPr lang="de-AT" dirty="0" err="1"/>
-              <a:t>occurs</a:t>
-            </a:r>
-            <a:r>
-              <a:rPr lang="de-AT" dirty="0"/>
-              <a:t> in </a:t>
+              <a:rPr lang="de-AT" dirty="0" err="1"/>
+              <a:t>Stopwords</a:t>
+            </a:r>
+            <a:r>
+              <a:rPr lang="de-AT" dirty="0"/>
+              <a:t> </a:t>
+            </a:r>
+            <a:r>
+              <a:rPr lang="de-AT" dirty="0" err="1"/>
+              <a:t>are</a:t>
+            </a:r>
+            <a:r>
+              <a:rPr lang="de-AT" dirty="0"/>
+              <a:t> </a:t>
+            </a:r>
+            <a:r>
+              <a:rPr lang="de-AT" dirty="0" err="1"/>
+              <a:t>words</a:t>
+            </a:r>
+            <a:r>
+              <a:rPr lang="de-AT" dirty="0"/>
+              <a:t> </a:t>
+            </a:r>
+            <a:r>
+              <a:rPr lang="de-AT" dirty="0" err="1"/>
+              <a:t>that</a:t>
+            </a:r>
+            <a:r>
+              <a:rPr lang="de-AT" dirty="0"/>
+              <a:t> </a:t>
+            </a:r>
+            <a:r>
+              <a:rPr lang="de-AT" dirty="0" err="1"/>
+              <a:t>are</a:t>
+            </a:r>
+            <a:r>
+              <a:rPr lang="de-AT" dirty="0"/>
+              <a:t> </a:t>
+            </a:r>
+            <a:r>
+              <a:rPr lang="de-AT" dirty="0" err="1"/>
+              <a:t>too</a:t>
+            </a:r>
+            <a:r>
+              <a:rPr lang="de-AT" dirty="0"/>
+              <a:t> frequent in a </a:t>
+            </a:r>
+            <a:r>
+              <a:rPr lang="de-AT" dirty="0" err="1"/>
+              <a:t>language</a:t>
+            </a:r>
+            <a:r>
+              <a:rPr lang="de-AT" dirty="0"/>
+              <a:t> </a:t>
+            </a:r>
+            <a:r>
+              <a:rPr lang="de-AT" dirty="0" err="1"/>
+              <a:t>or</a:t>
+            </a:r>
+            <a:r>
+              <a:rPr lang="de-AT" dirty="0"/>
+              <a:t> </a:t>
             </a:r>
             <a:r>
               <a:rPr lang="de-AT" dirty="0" err="1"/>
@@ -11604,195 +12798,155 @@
               <a:t> </a:t>
             </a:r>
             <a:r>
-              <a:rPr lang="de-AT" i="1" dirty="0"/>
-              <a:t>d</a:t>
-            </a:r>
+              <a:rPr lang="de-AT" dirty="0" err="1"/>
+              <a:t>collection</a:t>
+            </a:r>
+            <a:r>
+              <a:rPr lang="de-AT" dirty="0"/>
+              <a:t> and </a:t>
+            </a:r>
+            <a:r>
+              <a:rPr lang="de-AT" dirty="0" err="1"/>
+              <a:t>have</a:t>
+            </a:r>
+            <a:r>
+              <a:rPr lang="de-AT" dirty="0"/>
+              <a:t> </a:t>
+            </a:r>
+            <a:r>
+              <a:rPr lang="de-AT" dirty="0" err="1"/>
+              <a:t>very</a:t>
+            </a:r>
+            <a:r>
+              <a:rPr lang="de-AT" dirty="0"/>
+              <a:t> </a:t>
+            </a:r>
+            <a:r>
+              <a:rPr lang="de-AT" dirty="0" err="1"/>
+              <a:t>little</a:t>
+            </a:r>
+            <a:r>
+              <a:rPr lang="de-AT" dirty="0"/>
+              <a:t> </a:t>
+            </a:r>
+            <a:r>
+              <a:rPr lang="de-AT" dirty="0" err="1"/>
+              <a:t>semantic</a:t>
+            </a:r>
+            <a:r>
+              <a:rPr lang="de-AT" dirty="0"/>
+              <a:t> </a:t>
+            </a:r>
+            <a:r>
+              <a:rPr lang="de-AT" dirty="0" err="1"/>
+              <a:t>meaning</a:t>
+            </a:r>
+            <a:endParaRPr lang="de-AT" dirty="0"/>
           </a:p>
           <a:p>
             <a:pPr lvl="1"/>
             <a:r>
               <a:rPr lang="de-AT" dirty="0" err="1"/>
-              <a:t>Document</a:t>
-            </a:r>
-            <a:r>
-              <a:rPr lang="de-AT" dirty="0"/>
-              <a:t> </a:t>
-            </a:r>
-            <a:r>
-              <a:rPr lang="de-AT" dirty="0" err="1"/>
-              <a:t>Frequency</a:t>
-            </a:r>
-            <a:r>
-              <a:rPr lang="de-AT" dirty="0"/>
-              <a:t> </a:t>
-            </a:r>
-            <a:r>
-              <a:rPr lang="de-AT" i="1" dirty="0" err="1"/>
-              <a:t>df</a:t>
-            </a:r>
-            <a:r>
-              <a:rPr lang="de-AT" dirty="0"/>
-              <a:t> = </a:t>
-            </a:r>
-            <a:r>
-              <a:rPr lang="de-AT" dirty="0" err="1"/>
-              <a:t>number</a:t>
-            </a:r>
-            <a:r>
-              <a:rPr lang="de-AT" dirty="0"/>
-              <a:t> </a:t>
-            </a:r>
-            <a:r>
-              <a:rPr lang="de-AT" dirty="0" err="1"/>
-              <a:t>of</a:t>
-            </a:r>
-            <a:r>
-              <a:rPr lang="de-AT" dirty="0"/>
-              <a:t> </a:t>
-            </a:r>
-            <a:r>
-              <a:rPr lang="de-AT" dirty="0" err="1"/>
-              <a:t>documents</a:t>
-            </a:r>
-            <a:r>
-              <a:rPr lang="de-AT" dirty="0"/>
-              <a:t> a </a:t>
-            </a:r>
-            <a:r>
-              <a:rPr lang="de-AT" dirty="0" err="1"/>
-              <a:t>term</a:t>
-            </a:r>
-            <a:r>
-              <a:rPr lang="de-AT" dirty="0"/>
-              <a:t> </a:t>
-            </a:r>
-            <a:r>
-              <a:rPr lang="de-AT" i="1" dirty="0"/>
-              <a:t>t</a:t>
-            </a:r>
-            <a:r>
-              <a:rPr lang="de-AT" dirty="0"/>
-              <a:t> </a:t>
-            </a:r>
-            <a:r>
-              <a:rPr lang="de-AT" dirty="0" err="1"/>
-              <a:t>occurs</a:t>
-            </a:r>
-            <a:r>
-              <a:rPr lang="de-AT" dirty="0"/>
-              <a:t> in</a:t>
-            </a:r>
-          </a:p>
-          <a:p>
-            <a:pPr lvl="1"/>
-            <a:r>
-              <a:rPr lang="de-AT" dirty="0"/>
-              <a:t>Inverse </a:t>
-            </a:r>
-            <a:r>
-              <a:rPr lang="de-AT" dirty="0" err="1"/>
-              <a:t>Document</a:t>
-            </a:r>
-            <a:r>
-              <a:rPr lang="de-AT" dirty="0"/>
-              <a:t> </a:t>
-            </a:r>
-            <a:r>
-              <a:rPr lang="de-AT" dirty="0" err="1"/>
-              <a:t>Frequency</a:t>
-            </a:r>
-            <a:r>
-              <a:rPr lang="de-AT" dirty="0"/>
-              <a:t> </a:t>
-            </a:r>
-            <a:r>
-              <a:rPr lang="de-AT" i="1" dirty="0" err="1"/>
-              <a:t>idf</a:t>
-            </a:r>
-            <a:r>
-              <a:rPr lang="de-AT" dirty="0"/>
-              <a:t> = log</a:t>
-            </a:r>
-            <a:r>
-              <a:rPr lang="de-AT" baseline="-25000" dirty="0"/>
-              <a:t>2</a:t>
-            </a:r>
-            <a:r>
-              <a:rPr lang="de-AT" dirty="0"/>
-              <a:t>(total </a:t>
-            </a:r>
-            <a:r>
-              <a:rPr lang="de-AT" dirty="0" err="1"/>
-              <a:t>number</a:t>
-            </a:r>
-            <a:r>
-              <a:rPr lang="de-AT" dirty="0"/>
-              <a:t> </a:t>
-            </a:r>
-            <a:r>
-              <a:rPr lang="de-AT" dirty="0" err="1"/>
-              <a:t>of</a:t>
-            </a:r>
-            <a:r>
-              <a:rPr lang="de-AT" dirty="0"/>
-              <a:t> </a:t>
-            </a:r>
-            <a:r>
-              <a:rPr lang="de-AT" dirty="0" err="1"/>
-              <a:t>documents</a:t>
-            </a:r>
-            <a:r>
-              <a:rPr lang="de-AT" dirty="0"/>
-              <a:t>/</a:t>
-            </a:r>
-            <a:r>
-              <a:rPr lang="de-AT" i="1" dirty="0" err="1"/>
-              <a:t>df</a:t>
-            </a:r>
-            <a:r>
-              <a:rPr lang="de-AT" dirty="0"/>
-              <a:t>)</a:t>
-            </a:r>
-          </a:p>
-          <a:p>
-            <a:pPr lvl="1"/>
-            <a:r>
-              <a:rPr lang="de-AT" dirty="0"/>
-              <a:t>TF-IDF = </a:t>
-            </a:r>
-            <a:r>
-              <a:rPr lang="de-AT" i="1" dirty="0" err="1"/>
-              <a:t>tf</a:t>
-            </a:r>
-            <a:r>
-              <a:rPr lang="de-AT" dirty="0"/>
-              <a:t> * </a:t>
-            </a:r>
-            <a:r>
-              <a:rPr lang="de-AT" i="1" dirty="0" err="1"/>
-              <a:t>idf</a:t>
-            </a:r>
-            <a:endParaRPr lang="de-AT" i="1" dirty="0"/>
-          </a:p>
-          <a:p>
-            <a:r>
-              <a:rPr lang="de-AT" dirty="0"/>
-              <a:t>Word2Vec, Sentence2Vec, Doc2Vec, …</a:t>
-            </a:r>
-          </a:p>
-          <a:p>
-            <a:pPr lvl="1"/>
-            <a:r>
-              <a:rPr lang="de-AT" dirty="0" err="1"/>
-              <a:t>Each</a:t>
-            </a:r>
-            <a:r>
-              <a:rPr lang="de-AT" dirty="0"/>
-              <a:t> </a:t>
-            </a:r>
-            <a:r>
-              <a:rPr lang="de-AT" dirty="0" err="1"/>
-              <a:t>word</a:t>
+              <a:t>Removing</a:t>
+            </a:r>
+            <a:r>
+              <a:rPr lang="de-AT" dirty="0"/>
+              <a:t> </a:t>
+            </a:r>
+            <a:r>
+              <a:rPr lang="de-AT" dirty="0" err="1"/>
+              <a:t>them</a:t>
+            </a:r>
+            <a:r>
+              <a:rPr lang="de-AT" dirty="0"/>
+              <a:t> </a:t>
+            </a:r>
+            <a:r>
+              <a:rPr lang="de-AT" dirty="0" err="1"/>
+              <a:t>reduces</a:t>
+            </a:r>
+            <a:r>
+              <a:rPr lang="de-AT" dirty="0"/>
+              <a:t> </a:t>
+            </a:r>
+            <a:r>
+              <a:rPr lang="de-AT" dirty="0" err="1"/>
+              <a:t>the</a:t>
+            </a:r>
+            <a:r>
+              <a:rPr lang="de-AT" dirty="0"/>
+              <a:t> feature </a:t>
+            </a:r>
+            <a:r>
+              <a:rPr lang="de-AT" dirty="0" err="1"/>
+              <a:t>space</a:t>
+            </a:r>
+            <a:endParaRPr lang="de-AT" dirty="0"/>
+          </a:p>
+          <a:p>
+            <a:r>
+              <a:rPr lang="de-AT" dirty="0"/>
+              <a:t>The quick </a:t>
+            </a:r>
+            <a:r>
+              <a:rPr lang="de-AT" dirty="0" err="1"/>
+              <a:t>brown</a:t>
+            </a:r>
+            <a:r>
+              <a:rPr lang="de-AT" dirty="0"/>
+              <a:t> </a:t>
+            </a:r>
+            <a:r>
+              <a:rPr lang="de-AT" dirty="0" err="1"/>
+              <a:t>fox</a:t>
+            </a:r>
+            <a:r>
+              <a:rPr lang="de-AT" dirty="0"/>
+              <a:t> </a:t>
+            </a:r>
+            <a:r>
+              <a:rPr lang="de-AT" dirty="0" err="1"/>
+              <a:t>jumps</a:t>
+            </a:r>
+            <a:r>
+              <a:rPr lang="de-AT" dirty="0"/>
+              <a:t> </a:t>
+            </a:r>
+            <a:r>
+              <a:rPr lang="de-AT" dirty="0" err="1"/>
+              <a:t>over</a:t>
+            </a:r>
+            <a:r>
+              <a:rPr lang="de-AT" dirty="0"/>
+              <a:t> </a:t>
+            </a:r>
+            <a:r>
+              <a:rPr lang="de-AT" dirty="0" err="1"/>
+              <a:t>the</a:t>
+            </a:r>
+            <a:r>
+              <a:rPr lang="de-AT" dirty="0"/>
+              <a:t> </a:t>
+            </a:r>
+            <a:r>
+              <a:rPr lang="de-AT" dirty="0" err="1"/>
+              <a:t>lazy</a:t>
+            </a:r>
+            <a:r>
+              <a:rPr lang="de-AT" dirty="0"/>
+              <a:t> </a:t>
+            </a:r>
+            <a:r>
+              <a:rPr lang="de-AT" dirty="0" err="1"/>
+              <a:t>dog</a:t>
+            </a:r>
+            <a:r>
+              <a:rPr lang="de-AT" dirty="0"/>
+              <a:t> = quick, </a:t>
+            </a:r>
+            <a:r>
+              <a:rPr lang="de-AT" dirty="0" err="1"/>
+              <a:t>brown</a:t>
             </a:r>
             <a:r>
               <a:rPr lang="de-AT" dirty="0"/>
@@ -11800,224 +12954,12 @@
             </a:r>
             <a:r>
               <a:rPr lang="de-AT" dirty="0" err="1"/>
-              <a:t>sentence</a:t>
-            </a:r>
-            <a:r>
-              <a:rPr lang="de-AT" dirty="0"/>
-              <a:t>, </a:t>
-            </a:r>
-            <a:r>
-              <a:rPr lang="de-AT" dirty="0" err="1"/>
-              <a:t>document</a:t>
-            </a:r>
-            <a:r>
-              <a:rPr lang="de-AT" dirty="0"/>
-              <a:t>, </a:t>
-            </a:r>
-            <a:r>
-              <a:rPr lang="de-AT" dirty="0" err="1"/>
-              <a:t>etc</a:t>
-            </a:r>
-            <a:r>
-              <a:rPr lang="de-AT" dirty="0"/>
-              <a:t> </a:t>
-            </a:r>
-            <a:r>
-              <a:rPr lang="de-AT" dirty="0" err="1"/>
-              <a:t>is</a:t>
-            </a:r>
-            <a:r>
-              <a:rPr lang="de-AT" dirty="0"/>
-              <a:t> </a:t>
-            </a:r>
-            <a:r>
-              <a:rPr lang="de-AT" dirty="0" err="1"/>
-              <a:t>represented</a:t>
-            </a:r>
-            <a:r>
-              <a:rPr lang="de-AT" dirty="0"/>
-              <a:t> </a:t>
-            </a:r>
-            <a:r>
-              <a:rPr lang="de-AT" dirty="0" err="1"/>
-              <a:t>as</a:t>
-            </a:r>
-            <a:r>
-              <a:rPr lang="de-AT" dirty="0"/>
-              <a:t> an n-dimensional real </a:t>
-            </a:r>
-            <a:r>
-              <a:rPr lang="de-AT" dirty="0" err="1"/>
-              <a:t>vector</a:t>
-            </a:r>
-            <a:r>
-              <a:rPr lang="de-AT" dirty="0"/>
-              <a:t> </a:t>
-            </a:r>
-            <a:r>
-              <a:rPr lang="de-AT" dirty="0" err="1"/>
-              <a:t>that</a:t>
-            </a:r>
-            <a:r>
-              <a:rPr lang="de-AT" dirty="0"/>
-              <a:t> </a:t>
-            </a:r>
-            <a:r>
-              <a:rPr lang="de-AT" dirty="0" err="1"/>
-              <a:t>encapsules</a:t>
-            </a:r>
-            <a:r>
-              <a:rPr lang="de-AT" dirty="0"/>
-              <a:t> </a:t>
-            </a:r>
-            <a:r>
-              <a:rPr lang="de-AT" dirty="0" err="1"/>
-              <a:t>the</a:t>
-            </a:r>
-            <a:r>
-              <a:rPr lang="de-AT" dirty="0"/>
-              <a:t> </a:t>
-            </a:r>
-            <a:r>
-              <a:rPr lang="de-AT" dirty="0" err="1"/>
-              <a:t>semantic</a:t>
-            </a:r>
-            <a:r>
-              <a:rPr lang="de-AT" dirty="0"/>
-              <a:t> and </a:t>
-            </a:r>
-            <a:r>
-              <a:rPr lang="de-AT" dirty="0" err="1"/>
-              <a:t>syntactic</a:t>
-            </a:r>
-            <a:r>
-              <a:rPr lang="de-AT" dirty="0"/>
-              <a:t> </a:t>
-            </a:r>
-            <a:r>
-              <a:rPr lang="de-AT" dirty="0" err="1"/>
-              <a:t>properties</a:t>
-            </a:r>
-            <a:r>
-              <a:rPr lang="de-AT" dirty="0"/>
-              <a:t> </a:t>
-            </a:r>
-            <a:r>
-              <a:rPr lang="de-AT" dirty="0" err="1"/>
-              <a:t>of</a:t>
-            </a:r>
-            <a:r>
-              <a:rPr lang="de-AT" dirty="0"/>
-              <a:t> </a:t>
-            </a:r>
-            <a:r>
-              <a:rPr lang="de-AT" dirty="0" err="1"/>
-              <a:t>the</a:t>
-            </a:r>
-            <a:r>
-              <a:rPr lang="de-AT" dirty="0"/>
-              <a:t> </a:t>
-            </a:r>
-            <a:r>
-              <a:rPr lang="de-AT" dirty="0" err="1"/>
-              <a:t>object</a:t>
-            </a:r>
-            <a:endParaRPr lang="de-AT" dirty="0"/>
-          </a:p>
-          <a:p>
-            <a:pPr lvl="1"/>
-            <a:r>
-              <a:rPr lang="de-AT" dirty="0"/>
-              <a:t>These </a:t>
-            </a:r>
-            <a:r>
-              <a:rPr lang="de-AT" dirty="0" err="1"/>
-              <a:t>vectors</a:t>
-            </a:r>
-            <a:r>
-              <a:rPr lang="de-AT" dirty="0"/>
-              <a:t> </a:t>
-            </a:r>
-            <a:r>
-              <a:rPr lang="de-AT" dirty="0" err="1"/>
-              <a:t>can</a:t>
-            </a:r>
-            <a:r>
-              <a:rPr lang="de-AT" dirty="0"/>
-              <a:t> in turn </a:t>
-            </a:r>
-            <a:r>
-              <a:rPr lang="de-AT" dirty="0" err="1"/>
-              <a:t>be</a:t>
-            </a:r>
-            <a:r>
-              <a:rPr lang="de-AT" dirty="0"/>
-              <a:t> </a:t>
-            </a:r>
-            <a:r>
-              <a:rPr lang="de-AT" dirty="0" err="1"/>
-              <a:t>used</a:t>
-            </a:r>
-            <a:r>
-              <a:rPr lang="de-AT" dirty="0"/>
-              <a:t> </a:t>
-            </a:r>
-            <a:r>
-              <a:rPr lang="de-AT" dirty="0" err="1"/>
-              <a:t>for</a:t>
-            </a:r>
-            <a:r>
-              <a:rPr lang="de-AT" dirty="0"/>
-              <a:t> </a:t>
-            </a:r>
-            <a:r>
-              <a:rPr lang="de-AT" dirty="0" err="1"/>
-              <a:t>finding</a:t>
-            </a:r>
-            <a:r>
-              <a:rPr lang="de-AT" dirty="0"/>
-              <a:t> </a:t>
-            </a:r>
-            <a:r>
-              <a:rPr lang="de-AT" dirty="0" err="1"/>
-              <a:t>similar</a:t>
-            </a:r>
-            <a:r>
-              <a:rPr lang="de-AT" dirty="0"/>
-              <a:t> </a:t>
-            </a:r>
-            <a:r>
-              <a:rPr lang="de-AT" dirty="0" err="1"/>
-              <a:t>words</a:t>
-            </a:r>
-            <a:r>
-              <a:rPr lang="de-AT" dirty="0"/>
-              <a:t>, </a:t>
-            </a:r>
-            <a:r>
-              <a:rPr lang="de-AT" dirty="0" err="1"/>
-              <a:t>clustering</a:t>
-            </a:r>
-            <a:r>
-              <a:rPr lang="de-AT" dirty="0"/>
-              <a:t> </a:t>
-            </a:r>
-            <a:r>
-              <a:rPr lang="de-AT" dirty="0" err="1"/>
-              <a:t>or</a:t>
-            </a:r>
-            <a:r>
-              <a:rPr lang="de-AT" dirty="0"/>
-              <a:t> </a:t>
-            </a:r>
-            <a:r>
-              <a:rPr lang="de-AT" dirty="0" err="1"/>
-              <a:t>classification</a:t>
-            </a:r>
-            <a:endParaRPr lang="de-AT" dirty="0"/>
-          </a:p>
-          <a:p>
-            <a:pPr lvl="1"/>
+              <a:t>fox</a:t>
+            </a:r>
+            <a:r>
+              <a:rPr lang="de-AT" dirty="0"/>
+              <a:t>, …</a:t>
+            </a:r>
             <a:endParaRPr lang="en-US" dirty="0"/>
           </a:p>
         </p:txBody>
@@ -12027,7 +12969,7 @@
           <p:cNvPr id="4" name="Footer Placeholder 3">
             <a:extLst>
               <a:ext uri="{FF2B5EF4-FFF2-40B4-BE49-F238E27FC236}">
-                <a16:creationId xmlns:a16="http://schemas.microsoft.com/office/drawing/2014/main" id="{DF550B42-D60F-7D07-CC81-61677EBA7BA9}"/>
+                <a16:creationId xmlns:a16="http://schemas.microsoft.com/office/drawing/2014/main" id="{A97C701B-6ADB-E236-D696-1780072C5A63}"/>
               </a:ext>
             </a:extLst>
           </p:cNvPr>
@@ -12059,7 +13001,7 @@
           <p:cNvPr id="5" name="Date Placeholder 4">
             <a:extLst>
               <a:ext uri="{FF2B5EF4-FFF2-40B4-BE49-F238E27FC236}">
-                <a16:creationId xmlns:a16="http://schemas.microsoft.com/office/drawing/2014/main" id="{9EC42165-B742-8134-8F25-55DF9D350AF9}"/>
+                <a16:creationId xmlns:a16="http://schemas.microsoft.com/office/drawing/2014/main" id="{A5EB4830-77F7-E995-3C7A-870F9B6CD924}"/>
               </a:ext>
             </a:extLst>
           </p:cNvPr>
@@ -12084,7 +13026,7 @@
                   <a:prstClr val="black"/>
                 </a:solidFill>
               </a:rPr>
-              <a:t>2022</a:t>
+              <a:t>2023</a:t>
             </a:r>
           </a:p>
         </p:txBody>
@@ -12094,7 +13036,7 @@
           <p:cNvPr id="6" name="Slide Number Placeholder 5">
             <a:extLst>
               <a:ext uri="{FF2B5EF4-FFF2-40B4-BE49-F238E27FC236}">
-                <a16:creationId xmlns:a16="http://schemas.microsoft.com/office/drawing/2014/main" id="{9A977DBF-70D2-5708-28FE-92C26C85FD8E}"/>
+                <a16:creationId xmlns:a16="http://schemas.microsoft.com/office/drawing/2014/main" id="{5AD9B4EA-3A7F-8E80-8AC2-5E6AF0E1251C}"/>
               </a:ext>
             </a:extLst>
           </p:cNvPr>
@@ -12181,7 +13123,7 @@
     </p:spTree>
     <p:extLst>
       <p:ext uri="{BB962C8B-B14F-4D97-AF65-F5344CB8AC3E}">
-        <p14:creationId xmlns:p14="http://schemas.microsoft.com/office/powerpoint/2010/main" val="3159778622"/>
+        <p14:creationId xmlns:p14="http://schemas.microsoft.com/office/powerpoint/2010/main" val="3114224310"/>
       </p:ext>
     </p:extLst>
   </p:cSld>
@@ -12213,7 +13155,7 @@
           <p:cNvPr id="2" name="Title 1">
             <a:extLst>
               <a:ext uri="{FF2B5EF4-FFF2-40B4-BE49-F238E27FC236}">
-                <a16:creationId xmlns:a16="http://schemas.microsoft.com/office/drawing/2014/main" id="{27324504-4305-A921-4E25-A6558C1BC5CF}"/>
+                <a16:creationId xmlns:a16="http://schemas.microsoft.com/office/drawing/2014/main" id="{A09EE781-9F6B-AF8A-1B87-14F655CA8BD6}"/>
               </a:ext>
             </a:extLst>
           </p:cNvPr>
@@ -12232,8 +13174,8 @@
           <a:lstStyle/>
           <a:p>
             <a:r>
-              <a:rPr lang="de-AT" dirty="0"/>
-              <a:t>Word2Vec</a:t>
+              <a:rPr lang="de-AT" dirty="0" err="1"/>
+              <a:t>Preprocessing</a:t>
             </a:r>
             <a:endParaRPr lang="en-US" dirty="0"/>
           </a:p>
@@ -12244,7 +13186,7 @@
           <p:cNvPr id="3" name="Content Placeholder 2">
             <a:extLst>
               <a:ext uri="{FF2B5EF4-FFF2-40B4-BE49-F238E27FC236}">
-                <a16:creationId xmlns:a16="http://schemas.microsoft.com/office/drawing/2014/main" id="{5975CC08-DCB3-AA81-B80F-8266CF1D76A9}"/>
+                <a16:creationId xmlns:a16="http://schemas.microsoft.com/office/drawing/2014/main" id="{47C10461-1190-03EF-1D21-E99D0884B1FD}"/>
               </a:ext>
             </a:extLst>
           </p:cNvPr>
@@ -12262,247 +13204,32 @@
           <a:p>
             <a:r>
               <a:rPr lang="de-AT" dirty="0" err="1"/>
-              <a:t>We</a:t>
-            </a:r>
-            <a:r>
-              <a:rPr lang="de-AT" dirty="0"/>
-              <a:t> </a:t>
-            </a:r>
-            <a:r>
-              <a:rPr lang="de-AT" dirty="0" err="1"/>
-              <a:t>can</a:t>
-            </a:r>
-            <a:r>
-              <a:rPr lang="de-AT" dirty="0"/>
-              <a:t> </a:t>
-            </a:r>
-            <a:r>
-              <a:rPr lang="de-AT" dirty="0" err="1"/>
-              <a:t>get</a:t>
-            </a:r>
-            <a:r>
-              <a:rPr lang="de-AT" dirty="0"/>
-              <a:t> </a:t>
-            </a:r>
-            <a:r>
-              <a:rPr lang="de-AT" dirty="0" err="1"/>
-              <a:t>these</a:t>
-            </a:r>
-            <a:r>
-              <a:rPr lang="de-AT" dirty="0"/>
-              <a:t> </a:t>
-            </a:r>
-            <a:r>
-              <a:rPr lang="de-AT" dirty="0" err="1"/>
-              <a:t>vectors</a:t>
-            </a:r>
-            <a:r>
-              <a:rPr lang="de-AT" dirty="0"/>
-              <a:t> </a:t>
-            </a:r>
-            <a:r>
-              <a:rPr lang="de-AT" dirty="0" err="1"/>
-              <a:t>by</a:t>
-            </a:r>
-            <a:r>
-              <a:rPr lang="de-AT" dirty="0"/>
-              <a:t> </a:t>
-            </a:r>
-            <a:r>
-              <a:rPr lang="de-AT" dirty="0" err="1"/>
-              <a:t>training</a:t>
-            </a:r>
-            <a:r>
-              <a:rPr lang="de-AT" dirty="0"/>
-              <a:t> an </a:t>
-            </a:r>
-            <a:r>
-              <a:rPr lang="de-AT" dirty="0" err="1"/>
-              <a:t>artificial</a:t>
-            </a:r>
-            <a:r>
-              <a:rPr lang="de-AT" dirty="0"/>
-              <a:t> </a:t>
-            </a:r>
-            <a:r>
-              <a:rPr lang="de-AT" dirty="0" err="1"/>
-              <a:t>neural</a:t>
-            </a:r>
-            <a:r>
-              <a:rPr lang="de-AT" dirty="0"/>
-              <a:t> network on a large </a:t>
-            </a:r>
-            <a:r>
-              <a:rPr lang="de-AT" dirty="0" err="1"/>
-              <a:t>corpus</a:t>
-            </a:r>
-            <a:r>
-              <a:rPr lang="de-AT" dirty="0"/>
-              <a:t> </a:t>
-            </a:r>
-            <a:r>
-              <a:rPr lang="de-AT" dirty="0" err="1"/>
-              <a:t>to</a:t>
-            </a:r>
-            <a:r>
-              <a:rPr lang="de-AT" dirty="0"/>
-              <a:t> </a:t>
-            </a:r>
-            <a:r>
-              <a:rPr lang="de-AT" dirty="0" err="1"/>
-              <a:t>predict</a:t>
-            </a:r>
-            <a:r>
-              <a:rPr lang="de-AT" dirty="0"/>
-              <a:t> </a:t>
-            </a:r>
-            <a:r>
-              <a:rPr lang="de-AT" dirty="0" err="1"/>
-              <a:t>the</a:t>
-            </a:r>
-            <a:r>
-              <a:rPr lang="de-AT" dirty="0"/>
-              <a:t> </a:t>
-            </a:r>
-            <a:r>
-              <a:rPr lang="de-AT" dirty="0" err="1"/>
-              <a:t>semantic</a:t>
-            </a:r>
-            <a:r>
-              <a:rPr lang="de-AT" dirty="0"/>
-              <a:t> and </a:t>
-            </a:r>
-            <a:r>
-              <a:rPr lang="de-AT" dirty="0" err="1"/>
-              <a:t>syntactic</a:t>
-            </a:r>
-            <a:r>
-              <a:rPr lang="de-AT" dirty="0"/>
-              <a:t> </a:t>
-            </a:r>
-            <a:r>
-              <a:rPr lang="de-AT" dirty="0" err="1"/>
-              <a:t>meaning</a:t>
-            </a:r>
-            <a:r>
-              <a:rPr lang="de-AT" dirty="0"/>
-              <a:t> </a:t>
-            </a:r>
-            <a:r>
-              <a:rPr lang="de-AT" dirty="0" err="1"/>
-              <a:t>of</a:t>
-            </a:r>
-            <a:r>
-              <a:rPr lang="de-AT" dirty="0"/>
-              <a:t> </a:t>
-            </a:r>
-            <a:r>
-              <a:rPr lang="de-AT" dirty="0" err="1"/>
-              <a:t>words</a:t>
-            </a:r>
-            <a:endParaRPr lang="de-AT" dirty="0"/>
-          </a:p>
-          <a:p>
-            <a:r>
-              <a:rPr lang="de-AT" dirty="0" err="1"/>
-              <a:t>TensorFlow</a:t>
-            </a:r>
-            <a:r>
-              <a:rPr lang="de-AT" dirty="0"/>
-              <a:t> </a:t>
-            </a:r>
-            <a:r>
-              <a:rPr lang="de-AT" dirty="0" err="1"/>
-              <a:t>has</a:t>
-            </a:r>
-            <a:r>
-              <a:rPr lang="de-AT" dirty="0"/>
-              <a:t> a nice </a:t>
-            </a:r>
-            <a:r>
-              <a:rPr lang="de-AT" dirty="0" err="1"/>
-              <a:t>tutorial</a:t>
-            </a:r>
-            <a:r>
-              <a:rPr lang="de-AT" dirty="0"/>
-              <a:t> </a:t>
-            </a:r>
-            <a:r>
-              <a:rPr lang="de-AT" dirty="0" err="1"/>
-              <a:t>for</a:t>
-            </a:r>
-            <a:r>
-              <a:rPr lang="de-AT" dirty="0"/>
-              <a:t> </a:t>
-            </a:r>
-            <a:r>
-              <a:rPr lang="de-AT" dirty="0" err="1"/>
-              <a:t>that</a:t>
+              <a:t>Stemming</a:t>
             </a:r>
             <a:r>
               <a:rPr lang="de-AT" dirty="0"/>
               <a:t>:</a:t>
             </a:r>
+          </a:p>
+          <a:p>
+            <a:pPr lvl="1"/>
             <a:r>
               <a:rPr lang="en-US" dirty="0"/>
-              <a:t> </a:t>
-            </a:r>
-            <a:r>
-              <a:rPr lang="en-US" dirty="0">
-                <a:solidFill>
-                  <a:schemeClr val="accent1"/>
-                </a:solidFill>
-                <a:hlinkClick r:id="rId2">
-                  <a:extLst>
-                    <a:ext uri="{A12FA001-AC4F-418D-AE19-62706E023703}">
-                      <ahyp:hlinkClr xmlns:ahyp="http://schemas.microsoft.com/office/drawing/2018/hyperlinkcolor" val="tx"/>
-                    </a:ext>
-                  </a:extLst>
-                </a:hlinkClick>
-              </a:rPr>
-              <a:t>https://www.tensorflow.org/tutorials/text/word2vec</a:t>
-            </a:r>
-            <a:endParaRPr lang="en-US" dirty="0">
-              <a:solidFill>
-                <a:schemeClr val="accent1"/>
-              </a:solidFill>
-            </a:endParaRPr>
-          </a:p>
-          <a:p>
+              <a:t>Different word forms may have similar meaning e.g. jumps, jumping</a:t>
+            </a:r>
+          </a:p>
+          <a:p>
+            <a:pPr lvl="1"/>
             <a:r>
               <a:rPr lang="en-US" dirty="0"/>
-              <a:t>But usually we use pre-trained models for that task since there are plenty good ones out there already e.g. </a:t>
-            </a:r>
-            <a:r>
-              <a:rPr lang="en-US" dirty="0" err="1">
-                <a:solidFill>
-                  <a:schemeClr val="accent1"/>
-                </a:solidFill>
-                <a:hlinkClick r:id="rId3">
-                  <a:extLst>
-                    <a:ext uri="{A12FA001-AC4F-418D-AE19-62706E023703}">
-                      <ahyp:hlinkClr xmlns:ahyp="http://schemas.microsoft.com/office/drawing/2018/hyperlinkcolor" val="tx"/>
-                    </a:ext>
-                  </a:extLst>
-                </a:hlinkClick>
-              </a:rPr>
-              <a:t>fastText</a:t>
-            </a:r>
+              <a:t>Therefore, create a “standard” representation for them by removing the endings</a:t>
+            </a:r>
+          </a:p>
+          <a:p>
             <a:r>
               <a:rPr lang="en-US" dirty="0"/>
-              <a:t> by Facebook AI Research</a:t>
-            </a:r>
-          </a:p>
-          <a:p>
-            <a:r>
-              <a:rPr lang="en-US" dirty="0"/>
-              <a:t>We will use the pre-trained models by </a:t>
-            </a:r>
-            <a:r>
-              <a:rPr lang="en-US" dirty="0" err="1"/>
-              <a:t>spaCy</a:t>
-            </a:r>
-            <a:endParaRPr lang="de-AT" dirty="0"/>
+              <a:t>The quick brown fox jumps over the lazy dog = quick, brown, fox, jump, …</a:t>
+            </a:r>
           </a:p>
         </p:txBody>
       </p:sp>
@@ -12511,7 +13238,7 @@
           <p:cNvPr id="4" name="Footer Placeholder 3">
             <a:extLst>
               <a:ext uri="{FF2B5EF4-FFF2-40B4-BE49-F238E27FC236}">
-                <a16:creationId xmlns:a16="http://schemas.microsoft.com/office/drawing/2014/main" id="{2B8E5CF4-6F49-53B8-966F-BBC8B203CCA4}"/>
+                <a16:creationId xmlns:a16="http://schemas.microsoft.com/office/drawing/2014/main" id="{B3A9CF1D-E644-16F5-C271-75466AA302F5}"/>
               </a:ext>
             </a:extLst>
           </p:cNvPr>
@@ -12543,7 +13270,7 @@
           <p:cNvPr id="5" name="Date Placeholder 4">
             <a:extLst>
               <a:ext uri="{FF2B5EF4-FFF2-40B4-BE49-F238E27FC236}">
-                <a16:creationId xmlns:a16="http://schemas.microsoft.com/office/drawing/2014/main" id="{3E73B41C-C758-1BFF-A41E-B9BDC857E2D4}"/>
+                <a16:creationId xmlns:a16="http://schemas.microsoft.com/office/drawing/2014/main" id="{8CA8AF52-8715-4D80-AFFC-6892196EDEE8}"/>
               </a:ext>
             </a:extLst>
           </p:cNvPr>
@@ -12554,12 +13281,7 @@
             <p:ph type="dt" sz="half" idx="10"/>
           </p:nvPr>
         </p:nvSpPr>
-        <p:spPr>
-          <a:xfrm>
-            <a:off x="7013448" y="6356350"/>
-            <a:ext cx="4352544" cy="365125"/>
-          </a:xfrm>
-        </p:spPr>
+        <p:spPr/>
         <p:txBody>
           <a:bodyPr/>
           <a:lstStyle/>
@@ -12573,7 +13295,7 @@
                   <a:prstClr val="black"/>
                 </a:solidFill>
               </a:rPr>
-              <a:t>2022</a:t>
+              <a:t>2023</a:t>
             </a:r>
           </a:p>
         </p:txBody>
@@ -12583,7 +13305,7 @@
           <p:cNvPr id="6" name="Slide Number Placeholder 5">
             <a:extLst>
               <a:ext uri="{FF2B5EF4-FFF2-40B4-BE49-F238E27FC236}">
-                <a16:creationId xmlns:a16="http://schemas.microsoft.com/office/drawing/2014/main" id="{74AF7062-D979-1DE5-6902-EA6C6CA2812D}"/>
+                <a16:creationId xmlns:a16="http://schemas.microsoft.com/office/drawing/2014/main" id="{5AA3E74D-85BD-0F27-B141-8673A1661681}"/>
               </a:ext>
             </a:extLst>
           </p:cNvPr>
@@ -12670,7 +13392,7 @@
     </p:spTree>
     <p:extLst>
       <p:ext uri="{BB962C8B-B14F-4D97-AF65-F5344CB8AC3E}">
-        <p14:creationId xmlns:p14="http://schemas.microsoft.com/office/powerpoint/2010/main" val="2428131300"/>
+        <p14:creationId xmlns:p14="http://schemas.microsoft.com/office/powerpoint/2010/main" val="1522719957"/>
       </p:ext>
     </p:extLst>
   </p:cSld>
@@ -12699,18 +13421,53 @@
       </p:grpSpPr>
       <p:sp>
         <p:nvSpPr>
-          <p:cNvPr id="7" name="Title 6">
-            <a:extLst>
-              <a:ext uri="{FF2B5EF4-FFF2-40B4-BE49-F238E27FC236}">
-                <a16:creationId xmlns:a16="http://schemas.microsoft.com/office/drawing/2014/main" id="{45673E25-0DB3-EB11-26C5-BBFFAB627107}"/>
-              </a:ext>
-            </a:extLst>
-          </p:cNvPr>
-          <p:cNvSpPr>
-            <a:spLocks noGrp="1"/>
-          </p:cNvSpPr>
-          <p:nvPr>
-            <p:ph type="ctrTitle"/>
+          <p:cNvPr id="2" name="Title 1">
+            <a:extLst>
+              <a:ext uri="{FF2B5EF4-FFF2-40B4-BE49-F238E27FC236}">
+                <a16:creationId xmlns:a16="http://schemas.microsoft.com/office/drawing/2014/main" id="{37CC80F7-5DA2-B5BD-90FC-680821294810}"/>
+              </a:ext>
+            </a:extLst>
+          </p:cNvPr>
+          <p:cNvSpPr>
+            <a:spLocks noGrp="1"/>
+          </p:cNvSpPr>
+          <p:nvPr>
+            <p:ph type="title"/>
+          </p:nvPr>
+        </p:nvSpPr>
+        <p:spPr/>
+        <p:txBody>
+          <a:bodyPr>
+            <a:normAutofit fontScale="90000"/>
+          </a:bodyPr>
+          <a:lstStyle/>
+          <a:p>
+            <a:r>
+              <a:rPr lang="de-AT" dirty="0"/>
+              <a:t>Feature </a:t>
+            </a:r>
+            <a:r>
+              <a:rPr lang="de-AT" dirty="0" err="1"/>
+              <a:t>Representations</a:t>
+            </a:r>
+            <a:endParaRPr lang="en-US" dirty="0"/>
+          </a:p>
+        </p:txBody>
+      </p:sp>
+      <p:sp>
+        <p:nvSpPr>
+          <p:cNvPr id="3" name="Content Placeholder 2">
+            <a:extLst>
+              <a:ext uri="{FF2B5EF4-FFF2-40B4-BE49-F238E27FC236}">
+                <a16:creationId xmlns:a16="http://schemas.microsoft.com/office/drawing/2014/main" id="{977A318F-380C-0CAD-C225-7C40667DAE42}"/>
+              </a:ext>
+            </a:extLst>
+          </p:cNvPr>
+          <p:cNvSpPr>
+            <a:spLocks noGrp="1"/>
+          </p:cNvSpPr>
+          <p:nvPr>
+            <p:ph sz="quarter" idx="14"/>
           </p:nvPr>
         </p:nvSpPr>
         <p:spPr/>
@@ -12720,26 +13477,520 @@
           <a:p>
             <a:r>
               <a:rPr lang="de-AT" dirty="0"/>
-              <a:t>Popular NLP Packages</a:t>
-            </a:r>
+              <a:t>TF-IDF:</a:t>
+            </a:r>
+          </a:p>
+          <a:p>
+            <a:pPr lvl="1"/>
+            <a:r>
+              <a:rPr lang="de-AT" dirty="0"/>
+              <a:t>Term </a:t>
+            </a:r>
+            <a:r>
+              <a:rPr lang="de-AT" dirty="0" err="1"/>
+              <a:t>Frequency</a:t>
+            </a:r>
+            <a:r>
+              <a:rPr lang="de-AT" dirty="0"/>
+              <a:t> </a:t>
+            </a:r>
+            <a:r>
+              <a:rPr lang="de-AT" i="1" dirty="0" err="1"/>
+              <a:t>tf</a:t>
+            </a:r>
+            <a:r>
+              <a:rPr lang="de-AT" dirty="0"/>
+              <a:t> = </a:t>
+            </a:r>
+            <a:r>
+              <a:rPr lang="de-AT" dirty="0" err="1"/>
+              <a:t>number</a:t>
+            </a:r>
+            <a:r>
+              <a:rPr lang="de-AT" dirty="0"/>
+              <a:t> </a:t>
+            </a:r>
+            <a:r>
+              <a:rPr lang="de-AT" dirty="0" err="1"/>
+              <a:t>of</a:t>
+            </a:r>
+            <a:r>
+              <a:rPr lang="de-AT" dirty="0"/>
+              <a:t> </a:t>
+            </a:r>
+            <a:r>
+              <a:rPr lang="de-AT" dirty="0" err="1"/>
+              <a:t>times</a:t>
+            </a:r>
+            <a:r>
+              <a:rPr lang="de-AT" dirty="0"/>
+              <a:t> </a:t>
+            </a:r>
+            <a:r>
+              <a:rPr lang="de-AT" dirty="0" err="1"/>
+              <a:t>term</a:t>
+            </a:r>
+            <a:r>
+              <a:rPr lang="de-AT" dirty="0"/>
+              <a:t> </a:t>
+            </a:r>
+            <a:r>
+              <a:rPr lang="de-AT" i="1" dirty="0"/>
+              <a:t>t</a:t>
+            </a:r>
+            <a:r>
+              <a:rPr lang="de-AT" dirty="0"/>
+              <a:t> </a:t>
+            </a:r>
+            <a:r>
+              <a:rPr lang="de-AT" dirty="0" err="1"/>
+              <a:t>occurs</a:t>
+            </a:r>
+            <a:r>
+              <a:rPr lang="de-AT" dirty="0"/>
+              <a:t> in </a:t>
+            </a:r>
+            <a:r>
+              <a:rPr lang="de-AT" dirty="0" err="1"/>
+              <a:t>document</a:t>
+            </a:r>
+            <a:r>
+              <a:rPr lang="de-AT" dirty="0"/>
+              <a:t> </a:t>
+            </a:r>
+            <a:r>
+              <a:rPr lang="de-AT" i="1" dirty="0"/>
+              <a:t>d</a:t>
+            </a:r>
+          </a:p>
+          <a:p>
+            <a:pPr lvl="1"/>
+            <a:r>
+              <a:rPr lang="de-AT" dirty="0" err="1"/>
+              <a:t>Document</a:t>
+            </a:r>
+            <a:r>
+              <a:rPr lang="de-AT" dirty="0"/>
+              <a:t> </a:t>
+            </a:r>
+            <a:r>
+              <a:rPr lang="de-AT" dirty="0" err="1"/>
+              <a:t>Frequency</a:t>
+            </a:r>
+            <a:r>
+              <a:rPr lang="de-AT" dirty="0"/>
+              <a:t> </a:t>
+            </a:r>
+            <a:r>
+              <a:rPr lang="de-AT" i="1" dirty="0" err="1"/>
+              <a:t>df</a:t>
+            </a:r>
+            <a:r>
+              <a:rPr lang="de-AT" dirty="0"/>
+              <a:t> = </a:t>
+            </a:r>
+            <a:r>
+              <a:rPr lang="de-AT" dirty="0" err="1"/>
+              <a:t>number</a:t>
+            </a:r>
+            <a:r>
+              <a:rPr lang="de-AT" dirty="0"/>
+              <a:t> </a:t>
+            </a:r>
+            <a:r>
+              <a:rPr lang="de-AT" dirty="0" err="1"/>
+              <a:t>of</a:t>
+            </a:r>
+            <a:r>
+              <a:rPr lang="de-AT" dirty="0"/>
+              <a:t> </a:t>
+            </a:r>
+            <a:r>
+              <a:rPr lang="de-AT" dirty="0" err="1"/>
+              <a:t>documents</a:t>
+            </a:r>
+            <a:r>
+              <a:rPr lang="de-AT" dirty="0"/>
+              <a:t> a </a:t>
+            </a:r>
+            <a:r>
+              <a:rPr lang="de-AT" dirty="0" err="1"/>
+              <a:t>term</a:t>
+            </a:r>
+            <a:r>
+              <a:rPr lang="de-AT" dirty="0"/>
+              <a:t> </a:t>
+            </a:r>
+            <a:r>
+              <a:rPr lang="de-AT" i="1" dirty="0"/>
+              <a:t>t</a:t>
+            </a:r>
+            <a:r>
+              <a:rPr lang="de-AT" dirty="0"/>
+              <a:t> </a:t>
+            </a:r>
+            <a:r>
+              <a:rPr lang="de-AT" dirty="0" err="1"/>
+              <a:t>occurs</a:t>
+            </a:r>
+            <a:r>
+              <a:rPr lang="de-AT" dirty="0"/>
+              <a:t> in</a:t>
+            </a:r>
+          </a:p>
+          <a:p>
+            <a:pPr lvl="1"/>
+            <a:r>
+              <a:rPr lang="de-AT" dirty="0"/>
+              <a:t>Inverse </a:t>
+            </a:r>
+            <a:r>
+              <a:rPr lang="de-AT" dirty="0" err="1"/>
+              <a:t>Document</a:t>
+            </a:r>
+            <a:r>
+              <a:rPr lang="de-AT" dirty="0"/>
+              <a:t> </a:t>
+            </a:r>
+            <a:r>
+              <a:rPr lang="de-AT" dirty="0" err="1"/>
+              <a:t>Frequency</a:t>
+            </a:r>
+            <a:r>
+              <a:rPr lang="de-AT" dirty="0"/>
+              <a:t> </a:t>
+            </a:r>
+            <a:r>
+              <a:rPr lang="de-AT" i="1" dirty="0" err="1"/>
+              <a:t>idf</a:t>
+            </a:r>
+            <a:r>
+              <a:rPr lang="de-AT" dirty="0"/>
+              <a:t> = log</a:t>
+            </a:r>
+            <a:r>
+              <a:rPr lang="de-AT" baseline="-25000" dirty="0"/>
+              <a:t>2</a:t>
+            </a:r>
+            <a:r>
+              <a:rPr lang="de-AT" dirty="0"/>
+              <a:t>(total </a:t>
+            </a:r>
+            <a:r>
+              <a:rPr lang="de-AT" dirty="0" err="1"/>
+              <a:t>number</a:t>
+            </a:r>
+            <a:r>
+              <a:rPr lang="de-AT" dirty="0"/>
+              <a:t> </a:t>
+            </a:r>
+            <a:r>
+              <a:rPr lang="de-AT" dirty="0" err="1"/>
+              <a:t>of</a:t>
+            </a:r>
+            <a:r>
+              <a:rPr lang="de-AT" dirty="0"/>
+              <a:t> </a:t>
+            </a:r>
+            <a:r>
+              <a:rPr lang="de-AT" dirty="0" err="1"/>
+              <a:t>documents</a:t>
+            </a:r>
+            <a:r>
+              <a:rPr lang="de-AT" dirty="0"/>
+              <a:t>/</a:t>
+            </a:r>
+            <a:r>
+              <a:rPr lang="de-AT" i="1" dirty="0" err="1"/>
+              <a:t>df</a:t>
+            </a:r>
+            <a:r>
+              <a:rPr lang="de-AT" dirty="0"/>
+              <a:t>)</a:t>
+            </a:r>
+          </a:p>
+          <a:p>
+            <a:pPr lvl="1"/>
+            <a:r>
+              <a:rPr lang="de-AT" dirty="0"/>
+              <a:t>TF-IDF = </a:t>
+            </a:r>
+            <a:r>
+              <a:rPr lang="de-AT" i="1" dirty="0" err="1"/>
+              <a:t>tf</a:t>
+            </a:r>
+            <a:r>
+              <a:rPr lang="de-AT" dirty="0"/>
+              <a:t> * </a:t>
+            </a:r>
+            <a:r>
+              <a:rPr lang="de-AT" i="1" dirty="0" err="1"/>
+              <a:t>idf</a:t>
+            </a:r>
+            <a:endParaRPr lang="de-AT" i="1" dirty="0"/>
+          </a:p>
+          <a:p>
+            <a:r>
+              <a:rPr lang="de-AT" dirty="0"/>
+              <a:t>Word2Vec, Sentence2Vec, Doc2Vec, …</a:t>
+            </a:r>
+          </a:p>
+          <a:p>
+            <a:pPr lvl="1"/>
+            <a:r>
+              <a:rPr lang="de-AT" dirty="0" err="1"/>
+              <a:t>Each</a:t>
+            </a:r>
+            <a:r>
+              <a:rPr lang="de-AT" dirty="0"/>
+              <a:t> </a:t>
+            </a:r>
+            <a:r>
+              <a:rPr lang="de-AT" dirty="0" err="1"/>
+              <a:t>word</a:t>
+            </a:r>
+            <a:r>
+              <a:rPr lang="de-AT" dirty="0"/>
+              <a:t>, </a:t>
+            </a:r>
+            <a:r>
+              <a:rPr lang="de-AT" dirty="0" err="1"/>
+              <a:t>sentence</a:t>
+            </a:r>
+            <a:r>
+              <a:rPr lang="de-AT" dirty="0"/>
+              <a:t>, </a:t>
+            </a:r>
+            <a:r>
+              <a:rPr lang="de-AT" dirty="0" err="1"/>
+              <a:t>document</a:t>
+            </a:r>
+            <a:r>
+              <a:rPr lang="de-AT" dirty="0"/>
+              <a:t>, </a:t>
+            </a:r>
+            <a:r>
+              <a:rPr lang="de-AT" dirty="0" err="1"/>
+              <a:t>etc</a:t>
+            </a:r>
+            <a:r>
+              <a:rPr lang="de-AT" dirty="0"/>
+              <a:t> </a:t>
+            </a:r>
+            <a:r>
+              <a:rPr lang="de-AT" dirty="0" err="1"/>
+              <a:t>is</a:t>
+            </a:r>
+            <a:r>
+              <a:rPr lang="de-AT" dirty="0"/>
+              <a:t> </a:t>
+            </a:r>
+            <a:r>
+              <a:rPr lang="de-AT" dirty="0" err="1"/>
+              <a:t>represented</a:t>
+            </a:r>
+            <a:r>
+              <a:rPr lang="de-AT" dirty="0"/>
+              <a:t> </a:t>
+            </a:r>
+            <a:r>
+              <a:rPr lang="de-AT" dirty="0" err="1"/>
+              <a:t>as</a:t>
+            </a:r>
+            <a:r>
+              <a:rPr lang="de-AT" dirty="0"/>
+              <a:t> an n-dimensional real </a:t>
+            </a:r>
+            <a:r>
+              <a:rPr lang="de-AT" dirty="0" err="1"/>
+              <a:t>vector</a:t>
+            </a:r>
+            <a:r>
+              <a:rPr lang="de-AT" dirty="0"/>
+              <a:t> </a:t>
+            </a:r>
+            <a:r>
+              <a:rPr lang="de-AT" dirty="0" err="1"/>
+              <a:t>that</a:t>
+            </a:r>
+            <a:r>
+              <a:rPr lang="de-AT" dirty="0"/>
+              <a:t> </a:t>
+            </a:r>
+            <a:r>
+              <a:rPr lang="de-AT" dirty="0" err="1"/>
+              <a:t>encapsules</a:t>
+            </a:r>
+            <a:r>
+              <a:rPr lang="de-AT" dirty="0"/>
+              <a:t> </a:t>
+            </a:r>
+            <a:r>
+              <a:rPr lang="de-AT" dirty="0" err="1"/>
+              <a:t>the</a:t>
+            </a:r>
+            <a:r>
+              <a:rPr lang="de-AT" dirty="0"/>
+              <a:t> </a:t>
+            </a:r>
+            <a:r>
+              <a:rPr lang="de-AT" dirty="0" err="1"/>
+              <a:t>semantic</a:t>
+            </a:r>
+            <a:r>
+              <a:rPr lang="de-AT" dirty="0"/>
+              <a:t> and </a:t>
+            </a:r>
+            <a:r>
+              <a:rPr lang="de-AT" dirty="0" err="1"/>
+              <a:t>syntactic</a:t>
+            </a:r>
+            <a:r>
+              <a:rPr lang="de-AT" dirty="0"/>
+              <a:t> </a:t>
+            </a:r>
+            <a:r>
+              <a:rPr lang="de-AT" dirty="0" err="1"/>
+              <a:t>properties</a:t>
+            </a:r>
+            <a:r>
+              <a:rPr lang="de-AT" dirty="0"/>
+              <a:t> </a:t>
+            </a:r>
+            <a:r>
+              <a:rPr lang="de-AT" dirty="0" err="1"/>
+              <a:t>of</a:t>
+            </a:r>
+            <a:r>
+              <a:rPr lang="de-AT" dirty="0"/>
+              <a:t> </a:t>
+            </a:r>
+            <a:r>
+              <a:rPr lang="de-AT" dirty="0" err="1"/>
+              <a:t>the</a:t>
+            </a:r>
+            <a:r>
+              <a:rPr lang="de-AT" dirty="0"/>
+              <a:t> </a:t>
+            </a:r>
+            <a:r>
+              <a:rPr lang="de-AT" dirty="0" err="1"/>
+              <a:t>object</a:t>
+            </a:r>
+            <a:endParaRPr lang="de-AT" dirty="0"/>
+          </a:p>
+          <a:p>
+            <a:pPr lvl="1"/>
+            <a:r>
+              <a:rPr lang="de-AT" dirty="0"/>
+              <a:t>These </a:t>
+            </a:r>
+            <a:r>
+              <a:rPr lang="de-AT" dirty="0" err="1"/>
+              <a:t>vectors</a:t>
+            </a:r>
+            <a:r>
+              <a:rPr lang="de-AT" dirty="0"/>
+              <a:t> </a:t>
+            </a:r>
+            <a:r>
+              <a:rPr lang="de-AT" dirty="0" err="1"/>
+              <a:t>can</a:t>
+            </a:r>
+            <a:r>
+              <a:rPr lang="de-AT" dirty="0"/>
+              <a:t> in turn </a:t>
+            </a:r>
+            <a:r>
+              <a:rPr lang="de-AT" dirty="0" err="1"/>
+              <a:t>be</a:t>
+            </a:r>
+            <a:r>
+              <a:rPr lang="de-AT" dirty="0"/>
+              <a:t> </a:t>
+            </a:r>
+            <a:r>
+              <a:rPr lang="de-AT" dirty="0" err="1"/>
+              <a:t>used</a:t>
+            </a:r>
+            <a:r>
+              <a:rPr lang="de-AT" dirty="0"/>
+              <a:t> </a:t>
+            </a:r>
+            <a:r>
+              <a:rPr lang="de-AT" dirty="0" err="1"/>
+              <a:t>for</a:t>
+            </a:r>
+            <a:r>
+              <a:rPr lang="de-AT" dirty="0"/>
+              <a:t> </a:t>
+            </a:r>
+            <a:r>
+              <a:rPr lang="de-AT" dirty="0" err="1"/>
+              <a:t>finding</a:t>
+            </a:r>
+            <a:r>
+              <a:rPr lang="de-AT" dirty="0"/>
+              <a:t> </a:t>
+            </a:r>
+            <a:r>
+              <a:rPr lang="de-AT" dirty="0" err="1"/>
+              <a:t>similar</a:t>
+            </a:r>
+            <a:r>
+              <a:rPr lang="de-AT" dirty="0"/>
+              <a:t> </a:t>
+            </a:r>
+            <a:r>
+              <a:rPr lang="de-AT" dirty="0" err="1"/>
+              <a:t>words</a:t>
+            </a:r>
+            <a:r>
+              <a:rPr lang="de-AT" dirty="0"/>
+              <a:t>, </a:t>
+            </a:r>
+            <a:r>
+              <a:rPr lang="de-AT" dirty="0" err="1"/>
+              <a:t>clustering</a:t>
+            </a:r>
+            <a:r>
+              <a:rPr lang="de-AT" dirty="0"/>
+              <a:t> </a:t>
+            </a:r>
+            <a:r>
+              <a:rPr lang="de-AT" dirty="0" err="1"/>
+              <a:t>or</a:t>
+            </a:r>
+            <a:r>
+              <a:rPr lang="de-AT" dirty="0"/>
+              <a:t> </a:t>
+            </a:r>
+            <a:r>
+              <a:rPr lang="de-AT" dirty="0" err="1"/>
+              <a:t>classification</a:t>
+            </a:r>
+            <a:endParaRPr lang="de-AT" dirty="0"/>
+          </a:p>
+          <a:p>
+            <a:pPr lvl="1"/>
             <a:endParaRPr lang="en-US" dirty="0"/>
           </a:p>
         </p:txBody>
       </p:sp>
       <p:sp>
         <p:nvSpPr>
-          <p:cNvPr id="8" name="Subtitle 7">
-            <a:extLst>
-              <a:ext uri="{FF2B5EF4-FFF2-40B4-BE49-F238E27FC236}">
-                <a16:creationId xmlns:a16="http://schemas.microsoft.com/office/drawing/2014/main" id="{4FF8BB53-2AD7-DAB6-B8F4-8E83BBEC6AA1}"/>
-              </a:ext>
-            </a:extLst>
-          </p:cNvPr>
-          <p:cNvSpPr>
-            <a:spLocks noGrp="1"/>
-          </p:cNvSpPr>
-          <p:nvPr>
-            <p:ph type="subTitle" idx="1"/>
+          <p:cNvPr id="4" name="Footer Placeholder 3">
+            <a:extLst>
+              <a:ext uri="{FF2B5EF4-FFF2-40B4-BE49-F238E27FC236}">
+                <a16:creationId xmlns:a16="http://schemas.microsoft.com/office/drawing/2014/main" id="{DF550B42-D60F-7D07-CC81-61677EBA7BA9}"/>
+              </a:ext>
+            </a:extLst>
+          </p:cNvPr>
+          <p:cNvSpPr>
+            <a:spLocks noGrp="1"/>
+          </p:cNvSpPr>
+          <p:nvPr>
+            <p:ph type="ftr" sz="quarter" idx="11"/>
           </p:nvPr>
         </p:nvSpPr>
         <p:spPr/>
@@ -12748,100 +13999,144 @@
           <a:lstStyle/>
           <a:p>
             <a:r>
-              <a:rPr lang="de-AT" dirty="0" err="1"/>
-              <a:t>spaCy</a:t>
-            </a:r>
-            <a:r>
-              <a:rPr lang="de-AT" dirty="0"/>
-              <a:t>, NLTK, </a:t>
-            </a:r>
-            <a:r>
-              <a:rPr lang="de-AT" dirty="0" err="1"/>
-              <a:t>Gensim</a:t>
-            </a:r>
-            <a:endParaRPr lang="en-US" dirty="0"/>
-          </a:p>
-        </p:txBody>
-      </p:sp>
-      <p:pic>
-        <p:nvPicPr>
-          <p:cNvPr id="13" name="Picture Placeholder 12" descr="Background pattern&#10;&#10;Description automatically generated">
-            <a:extLst>
-              <a:ext uri="{FF2B5EF4-FFF2-40B4-BE49-F238E27FC236}">
-                <a16:creationId xmlns:a16="http://schemas.microsoft.com/office/drawing/2014/main" id="{8D520203-B37F-421E-4EC3-BF45D3163964}"/>
-              </a:ext>
-            </a:extLst>
-          </p:cNvPr>
-          <p:cNvPicPr>
-            <a:picLocks noGrp="1" noChangeAspect="1"/>
-          </p:cNvPicPr>
-          <p:nvPr>
-            <p:ph type="pic" sz="quarter" idx="14"/>
-          </p:nvPr>
-        </p:nvPicPr>
-        <p:blipFill>
-          <a:blip r:embed="rId2"/>
-          <a:srcRect t="18766" b="18766"/>
-          <a:stretch>
-            <a:fillRect/>
-          </a:stretch>
-        </p:blipFill>
+              <a:rPr lang="en-US" dirty="0">
+                <a:solidFill>
+                  <a:prstClr val="black"/>
+                </a:solidFill>
+              </a:rPr>
+              <a:t>Natural Language Processing</a:t>
+            </a:r>
+          </a:p>
+        </p:txBody>
+      </p:sp>
+      <p:sp>
+        <p:nvSpPr>
+          <p:cNvPr id="5" name="Date Placeholder 4">
+            <a:extLst>
+              <a:ext uri="{FF2B5EF4-FFF2-40B4-BE49-F238E27FC236}">
+                <a16:creationId xmlns:a16="http://schemas.microsoft.com/office/drawing/2014/main" id="{9EC42165-B742-8134-8F25-55DF9D350AF9}"/>
+              </a:ext>
+            </a:extLst>
+          </p:cNvPr>
+          <p:cNvSpPr>
+            <a:spLocks noGrp="1"/>
+          </p:cNvSpPr>
+          <p:nvPr>
+            <p:ph type="dt" sz="half" idx="10"/>
+          </p:nvPr>
+        </p:nvSpPr>
         <p:spPr/>
-      </p:pic>
-      <p:pic>
-        <p:nvPicPr>
-          <p:cNvPr id="15" name="Picture Placeholder 14" descr="A picture containing graphical user interface&#10;&#10;Description automatically generated">
-            <a:extLst>
-              <a:ext uri="{FF2B5EF4-FFF2-40B4-BE49-F238E27FC236}">
-                <a16:creationId xmlns:a16="http://schemas.microsoft.com/office/drawing/2014/main" id="{7AC257B0-6083-1C96-F44C-EAEAFB8332C5}"/>
-              </a:ext>
-            </a:extLst>
-          </p:cNvPr>
-          <p:cNvPicPr>
-            <a:picLocks noGrp="1" noChangeAspect="1"/>
-          </p:cNvPicPr>
-          <p:nvPr>
-            <p:ph type="pic" sz="quarter" idx="13"/>
-          </p:nvPr>
-        </p:nvPicPr>
-        <p:blipFill>
-          <a:blip r:embed="rId3"/>
-          <a:srcRect l="20441" r="20441"/>
-          <a:stretch>
-            <a:fillRect/>
-          </a:stretch>
-        </p:blipFill>
+        <p:txBody>
+          <a:bodyPr/>
+          <a:lstStyle/>
+          <a:p>
+            <a:pPr>
+              <a:defRPr/>
+            </a:pPr>
+            <a:r>
+              <a:rPr lang="en-US" dirty="0">
+                <a:solidFill>
+                  <a:prstClr val="black"/>
+                </a:solidFill>
+              </a:rPr>
+              <a:t>2023</a:t>
+            </a:r>
+          </a:p>
+        </p:txBody>
+      </p:sp>
+      <p:sp>
+        <p:nvSpPr>
+          <p:cNvPr id="6" name="Slide Number Placeholder 5">
+            <a:extLst>
+              <a:ext uri="{FF2B5EF4-FFF2-40B4-BE49-F238E27FC236}">
+                <a16:creationId xmlns:a16="http://schemas.microsoft.com/office/drawing/2014/main" id="{9A977DBF-70D2-5708-28FE-92C26C85FD8E}"/>
+              </a:ext>
+            </a:extLst>
+          </p:cNvPr>
+          <p:cNvSpPr>
+            <a:spLocks noGrp="1"/>
+          </p:cNvSpPr>
+          <p:nvPr>
+            <p:ph type="sldNum" sz="quarter" idx="12"/>
+          </p:nvPr>
+        </p:nvSpPr>
         <p:spPr/>
-      </p:pic>
-      <p:pic>
-        <p:nvPicPr>
-          <p:cNvPr id="17" name="Picture Placeholder 16" descr="Icon&#10;&#10;Description automatically generated with medium confidence">
-            <a:extLst>
-              <a:ext uri="{FF2B5EF4-FFF2-40B4-BE49-F238E27FC236}">
-                <a16:creationId xmlns:a16="http://schemas.microsoft.com/office/drawing/2014/main" id="{F2B88304-D8F6-0CE6-CD91-B71EC8E4E73F}"/>
-              </a:ext>
-            </a:extLst>
-          </p:cNvPr>
-          <p:cNvPicPr>
-            <a:picLocks noGrp="1" noChangeAspect="1"/>
-          </p:cNvPicPr>
-          <p:nvPr>
-            <p:ph type="pic" sz="quarter" idx="15"/>
-          </p:nvPr>
-        </p:nvPicPr>
-        <p:blipFill>
-          <a:blip r:embed="rId4"/>
-          <a:srcRect t="822" b="822"/>
-          <a:stretch>
-            <a:fillRect/>
-          </a:stretch>
-        </p:blipFill>
-        <p:spPr/>
-      </p:pic>
+        <p:txBody>
+          <a:bodyPr/>
+          <a:lstStyle/>
+          <a:p>
+            <a:pPr marL="0" marR="0" lvl="0" indent="0" algn="r" defTabSz="914400" rtl="0" eaLnBrk="1" fontAlgn="auto" latinLnBrk="0" hangingPunct="1">
+              <a:lnSpc>
+                <a:spcPct val="100000"/>
+              </a:lnSpc>
+              <a:spcBef>
+                <a:spcPts val="0"/>
+              </a:spcBef>
+              <a:spcAft>
+                <a:spcPts val="0"/>
+              </a:spcAft>
+              <a:buClrTx/>
+              <a:buSzTx/>
+              <a:buFontTx/>
+              <a:buNone/>
+              <a:tabLst/>
+              <a:defRPr/>
+            </a:pPr>
+            <a:fld id="{06B786C7-B8F9-4072-AAAA-17258464D730}" type="slidenum">
+              <a:rPr kumimoji="0" lang="en-US" sz="1050" b="0" i="0" u="none" strike="noStrike" kern="1200" cap="none" spc="0" normalizeH="0" baseline="0" noProof="0" smtClean="0">
+                <a:ln>
+                  <a:noFill/>
+                </a:ln>
+                <a:solidFill>
+                  <a:prstClr val="black"/>
+                </a:solidFill>
+                <a:effectLst/>
+                <a:uLnTx/>
+                <a:uFillTx/>
+                <a:latin typeface="Avenir Next LT Pro"/>
+                <a:ea typeface="+mn-ea"/>
+                <a:cs typeface="+mn-cs"/>
+              </a:rPr>
+              <a:pPr marL="0" marR="0" lvl="0" indent="0" algn="r" defTabSz="914400" rtl="0" eaLnBrk="1" fontAlgn="auto" latinLnBrk="0" hangingPunct="1">
+                <a:lnSpc>
+                  <a:spcPct val="100000"/>
+                </a:lnSpc>
+                <a:spcBef>
+                  <a:spcPts val="0"/>
+                </a:spcBef>
+                <a:spcAft>
+                  <a:spcPts val="0"/>
+                </a:spcAft>
+                <a:buClrTx/>
+                <a:buSzTx/>
+                <a:buFontTx/>
+                <a:buNone/>
+                <a:tabLst/>
+                <a:defRPr/>
+              </a:pPr>
+              <a:t>8</a:t>
+            </a:fld>
+            <a:endParaRPr kumimoji="0" lang="en-US" sz="1050" b="0" i="0" u="none" strike="noStrike" kern="1200" cap="none" spc="0" normalizeH="0" baseline="0" noProof="0" dirty="0">
+              <a:ln>
+                <a:noFill/>
+              </a:ln>
+              <a:solidFill>
+                <a:prstClr val="black"/>
+              </a:solidFill>
+              <a:effectLst/>
+              <a:uLnTx/>
+              <a:uFillTx/>
+              <a:latin typeface="Avenir Next LT Pro"/>
+              <a:ea typeface="+mn-ea"/>
+              <a:cs typeface="+mn-cs"/>
+            </a:endParaRPr>
+          </a:p>
+        </p:txBody>
+      </p:sp>
     </p:spTree>
     <p:extLst>
       <p:ext uri="{BB962C8B-B14F-4D97-AF65-F5344CB8AC3E}">
-        <p14:creationId xmlns:p14="http://schemas.microsoft.com/office/powerpoint/2010/main" val="4271135940"/>
+        <p14:creationId xmlns:p14="http://schemas.microsoft.com/office/powerpoint/2010/main" val="3159778622"/>
       </p:ext>
     </p:extLst>
   </p:cSld>
@@ -12873,7 +14168,7 @@
           <p:cNvPr id="2" name="Title 1">
             <a:extLst>
               <a:ext uri="{FF2B5EF4-FFF2-40B4-BE49-F238E27FC236}">
-                <a16:creationId xmlns:a16="http://schemas.microsoft.com/office/drawing/2014/main" id="{6F2D113E-DE27-CD1D-4EC3-DEFF74839334}"/>
+                <a16:creationId xmlns:a16="http://schemas.microsoft.com/office/drawing/2014/main" id="{27324504-4305-A921-4E25-A6558C1BC5CF}"/>
               </a:ext>
             </a:extLst>
           </p:cNvPr>
@@ -12892,8 +14187,8 @@
           <a:lstStyle/>
           <a:p>
             <a:r>
-              <a:rPr lang="de-AT" dirty="0" err="1"/>
-              <a:t>spaCy</a:t>
+              <a:rPr lang="de-AT" dirty="0"/>
+              <a:t>Word2Vec</a:t>
             </a:r>
             <a:endParaRPr lang="en-US" dirty="0"/>
           </a:p>
@@ -12904,7 +14199,7 @@
           <p:cNvPr id="3" name="Content Placeholder 2">
             <a:extLst>
               <a:ext uri="{FF2B5EF4-FFF2-40B4-BE49-F238E27FC236}">
-                <a16:creationId xmlns:a16="http://schemas.microsoft.com/office/drawing/2014/main" id="{427DE400-D1B5-AED4-1BC7-4524AC8A8F54}"/>
+                <a16:creationId xmlns:a16="http://schemas.microsoft.com/office/drawing/2014/main" id="{5975CC08-DCB3-AA81-B80F-8266CF1D76A9}"/>
               </a:ext>
             </a:extLst>
           </p:cNvPr>
@@ -12920,6 +14215,193 @@
           <a:bodyPr/>
           <a:lstStyle/>
           <a:p>
+            <a:r>
+              <a:rPr lang="de-AT" dirty="0" err="1"/>
+              <a:t>We</a:t>
+            </a:r>
+            <a:r>
+              <a:rPr lang="de-AT" dirty="0"/>
+              <a:t> </a:t>
+            </a:r>
+            <a:r>
+              <a:rPr lang="de-AT" dirty="0" err="1"/>
+              <a:t>can</a:t>
+            </a:r>
+            <a:r>
+              <a:rPr lang="de-AT" dirty="0"/>
+              <a:t> </a:t>
+            </a:r>
+            <a:r>
+              <a:rPr lang="de-AT" dirty="0" err="1"/>
+              <a:t>get</a:t>
+            </a:r>
+            <a:r>
+              <a:rPr lang="de-AT" dirty="0"/>
+              <a:t> </a:t>
+            </a:r>
+            <a:r>
+              <a:rPr lang="de-AT" dirty="0" err="1"/>
+              <a:t>these</a:t>
+            </a:r>
+            <a:r>
+              <a:rPr lang="de-AT" dirty="0"/>
+              <a:t> </a:t>
+            </a:r>
+            <a:r>
+              <a:rPr lang="de-AT" dirty="0" err="1"/>
+              <a:t>vectors</a:t>
+            </a:r>
+            <a:r>
+              <a:rPr lang="de-AT" dirty="0"/>
+              <a:t> </a:t>
+            </a:r>
+            <a:r>
+              <a:rPr lang="de-AT" dirty="0" err="1"/>
+              <a:t>by</a:t>
+            </a:r>
+            <a:r>
+              <a:rPr lang="de-AT" dirty="0"/>
+              <a:t> </a:t>
+            </a:r>
+            <a:r>
+              <a:rPr lang="de-AT" dirty="0" err="1"/>
+              <a:t>training</a:t>
+            </a:r>
+            <a:r>
+              <a:rPr lang="de-AT" dirty="0"/>
+              <a:t> an </a:t>
+            </a:r>
+            <a:r>
+              <a:rPr lang="de-AT" dirty="0" err="1"/>
+              <a:t>artificial</a:t>
+            </a:r>
+            <a:r>
+              <a:rPr lang="de-AT" dirty="0"/>
+              <a:t> </a:t>
+            </a:r>
+            <a:r>
+              <a:rPr lang="de-AT" dirty="0" err="1"/>
+              <a:t>neural</a:t>
+            </a:r>
+            <a:r>
+              <a:rPr lang="de-AT" dirty="0"/>
+              <a:t> network on a large </a:t>
+            </a:r>
+            <a:r>
+              <a:rPr lang="de-AT" dirty="0" err="1"/>
+              <a:t>corpus</a:t>
+            </a:r>
+            <a:r>
+              <a:rPr lang="de-AT" dirty="0"/>
+              <a:t> </a:t>
+            </a:r>
+            <a:r>
+              <a:rPr lang="de-AT" dirty="0" err="1"/>
+              <a:t>to</a:t>
+            </a:r>
+            <a:r>
+              <a:rPr lang="de-AT" dirty="0"/>
+              <a:t> </a:t>
+            </a:r>
+            <a:r>
+              <a:rPr lang="de-AT" dirty="0" err="1"/>
+              <a:t>predict</a:t>
+            </a:r>
+            <a:r>
+              <a:rPr lang="de-AT" dirty="0"/>
+              <a:t> </a:t>
+            </a:r>
+            <a:r>
+              <a:rPr lang="de-AT" dirty="0" err="1"/>
+              <a:t>the</a:t>
+            </a:r>
+            <a:r>
+              <a:rPr lang="de-AT" dirty="0"/>
+              <a:t> </a:t>
+            </a:r>
+            <a:r>
+              <a:rPr lang="de-AT" dirty="0" err="1"/>
+              <a:t>semantic</a:t>
+            </a:r>
+            <a:r>
+              <a:rPr lang="de-AT" dirty="0"/>
+              <a:t> and </a:t>
+            </a:r>
+            <a:r>
+              <a:rPr lang="de-AT" dirty="0" err="1"/>
+              <a:t>syntactic</a:t>
+            </a:r>
+            <a:r>
+              <a:rPr lang="de-AT" dirty="0"/>
+              <a:t> </a:t>
+            </a:r>
+            <a:r>
+              <a:rPr lang="de-AT" dirty="0" err="1"/>
+              <a:t>meaning</a:t>
+            </a:r>
+            <a:r>
+              <a:rPr lang="de-AT" dirty="0"/>
+              <a:t> </a:t>
+            </a:r>
+            <a:r>
+              <a:rPr lang="de-AT" dirty="0" err="1"/>
+              <a:t>of</a:t>
+            </a:r>
+            <a:r>
+              <a:rPr lang="de-AT" dirty="0"/>
+              <a:t> </a:t>
+            </a:r>
+            <a:r>
+              <a:rPr lang="de-AT" dirty="0" err="1"/>
+              <a:t>words</a:t>
+            </a:r>
+            <a:endParaRPr lang="de-AT" dirty="0"/>
+          </a:p>
+          <a:p>
+            <a:r>
+              <a:rPr lang="de-AT" dirty="0" err="1"/>
+              <a:t>TensorFlow</a:t>
+            </a:r>
+            <a:r>
+              <a:rPr lang="de-AT" dirty="0"/>
+              <a:t> </a:t>
+            </a:r>
+            <a:r>
+              <a:rPr lang="de-AT" dirty="0" err="1"/>
+              <a:t>has</a:t>
+            </a:r>
+            <a:r>
+              <a:rPr lang="de-AT" dirty="0"/>
+              <a:t> a nice </a:t>
+            </a:r>
+            <a:r>
+              <a:rPr lang="de-AT" dirty="0" err="1"/>
+              <a:t>tutorial</a:t>
+            </a:r>
+            <a:r>
+              <a:rPr lang="de-AT" dirty="0"/>
+              <a:t> </a:t>
+            </a:r>
+            <a:r>
+              <a:rPr lang="de-AT" dirty="0" err="1"/>
+              <a:t>for</a:t>
+            </a:r>
+            <a:r>
+              <a:rPr lang="de-AT" dirty="0"/>
+              <a:t> </a:t>
+            </a:r>
+            <a:r>
+              <a:rPr lang="de-AT" dirty="0" err="1"/>
+              <a:t>that</a:t>
+            </a:r>
+            <a:r>
+              <a:rPr lang="de-AT" dirty="0"/>
+              <a:t>:</a:t>
+            </a:r>
+            <a:r>
+              <a:rPr lang="en-US" dirty="0"/>
+              <a:t> </a:t>
+            </a:r>
             <a:r>
               <a:rPr lang="en-US" dirty="0">
                 <a:solidFill>
@@ -12933,7 +14415,7 @@
                   </a:extLst>
                 </a:hlinkClick>
               </a:rPr>
-              <a:t>https://spacy.io/</a:t>
+              <a:t>https://www.tensorflow.org/tutorials/text/word2vec</a:t>
             </a:r>
             <a:endParaRPr lang="en-US" dirty="0">
               <a:solidFill>
@@ -12943,29 +14425,11 @@
           </a:p>
           <a:p>
             <a:r>
-              <a:rPr lang="en-US" dirty="0" err="1"/>
-              <a:t>spaCy</a:t>
-            </a:r>
-            <a:r>
               <a:rPr lang="en-US" dirty="0"/>
-              <a:t> is a natural language processing library that comes with many built-in features that solve core linguistic tasks like tokenization, lemmatization, POS-tagging </a:t>
-            </a:r>
-            <a:r>
-              <a:rPr lang="en-US"/>
-              <a:t>and NER</a:t>
-            </a:r>
-            <a:endParaRPr lang="en-US" dirty="0"/>
-          </a:p>
-          <a:p>
-            <a:pPr marL="0" indent="0">
-              <a:buNone/>
-            </a:pPr>
-            <a:r>
-              <a:rPr lang="en-US" b="1" dirty="0"/>
-              <a:t>Exercise 1: </a:t>
-            </a:r>
-            <a:r>
-              <a:rPr lang="en-US" dirty="0">
+              <a:t>But usually we use pre-trained models for that task since there are plenty good ones out there already e.g. </a:t>
+            </a:r>
+            <a:r>
+              <a:rPr lang="en-US" dirty="0" err="1">
                 <a:solidFill>
                   <a:schemeClr val="accent1"/>
                 </a:solidFill>
@@ -12977,34 +14441,23 @@
                   </a:extLst>
                 </a:hlinkClick>
               </a:rPr>
-              <a:t>https://github.com/michabirklbauer/hgb_dse_text_mining/blob/master/spaCy.ipynb</a:t>
-            </a:r>
-            <a:br>
+              <a:t>fastText</a:t>
+            </a:r>
+            <a:r>
               <a:rPr lang="en-US" dirty="0"/>
-            </a:br>
-            <a:r>
-              <a:rPr lang="en-US" dirty="0">
-                <a:solidFill>
-                  <a:schemeClr val="accent1"/>
-                </a:solidFill>
-                <a:hlinkClick r:id="rId4">
-                  <a:extLst>
-                    <a:ext uri="{A12FA001-AC4F-418D-AE19-62706E023703}">
-                      <ahyp:hlinkClr xmlns:ahyp="http://schemas.microsoft.com/office/drawing/2018/hyperlinkcolor" val="tx"/>
-                    </a:ext>
-                  </a:extLst>
-                </a:hlinkClick>
-              </a:rPr>
-              <a:t>https://colab.research.google.com/github/michabirklbauer/hgb_dse_text_mining/blob/master/spaCy.ipynb</a:t>
-            </a:r>
-            <a:r>
-              <a:rPr lang="en-US" dirty="0">
-                <a:solidFill>
-                  <a:schemeClr val="accent1"/>
-                </a:solidFill>
-              </a:rPr>
-              <a:t> </a:t>
-            </a:r>
+              <a:t> by Facebook AI Research</a:t>
+            </a:r>
+          </a:p>
+          <a:p>
+            <a:r>
+              <a:rPr lang="en-US" dirty="0"/>
+              <a:t>We will use the pre-trained models by </a:t>
+            </a:r>
+            <a:r>
+              <a:rPr lang="en-US" dirty="0" err="1"/>
+              <a:t>spaCy</a:t>
+            </a:r>
+            <a:endParaRPr lang="de-AT" dirty="0"/>
           </a:p>
         </p:txBody>
       </p:sp>
@@ -13013,7 +14466,7 @@
           <p:cNvPr id="4" name="Footer Placeholder 3">
             <a:extLst>
               <a:ext uri="{FF2B5EF4-FFF2-40B4-BE49-F238E27FC236}">
-                <a16:creationId xmlns:a16="http://schemas.microsoft.com/office/drawing/2014/main" id="{91613372-ADFF-07D7-4812-75DDE663C37D}"/>
+                <a16:creationId xmlns:a16="http://schemas.microsoft.com/office/drawing/2014/main" id="{2B8E5CF4-6F49-53B8-966F-BBC8B203CCA4}"/>
               </a:ext>
             </a:extLst>
           </p:cNvPr>
@@ -13030,18 +14483,13 @@
           <a:lstStyle/>
           <a:p>
             <a:r>
-              <a:rPr lang="de-AT" dirty="0">
+              <a:rPr lang="en-US" dirty="0">
                 <a:solidFill>
                   <a:prstClr val="black"/>
                 </a:solidFill>
               </a:rPr>
               <a:t>Natural Language Processing</a:t>
             </a:r>
-            <a:endParaRPr lang="en-US" dirty="0">
-              <a:solidFill>
-                <a:prstClr val="black"/>
-              </a:solidFill>
-            </a:endParaRPr>
           </a:p>
         </p:txBody>
       </p:sp>
@@ -13050,7 +14498,7 @@
           <p:cNvPr id="5" name="Date Placeholder 4">
             <a:extLst>
               <a:ext uri="{FF2B5EF4-FFF2-40B4-BE49-F238E27FC236}">
-                <a16:creationId xmlns:a16="http://schemas.microsoft.com/office/drawing/2014/main" id="{E05D559E-C071-6947-C64B-2EEC55B921FC}"/>
+                <a16:creationId xmlns:a16="http://schemas.microsoft.com/office/drawing/2014/main" id="{3E73B41C-C758-1BFF-A41E-B9BDC857E2D4}"/>
               </a:ext>
             </a:extLst>
           </p:cNvPr>
@@ -13061,7 +14509,12 @@
             <p:ph type="dt" sz="half" idx="10"/>
           </p:nvPr>
         </p:nvSpPr>
-        <p:spPr/>
+        <p:spPr>
+          <a:xfrm>
+            <a:off x="7013448" y="6356350"/>
+            <a:ext cx="4352544" cy="365125"/>
+          </a:xfrm>
+        </p:spPr>
         <p:txBody>
           <a:bodyPr/>
           <a:lstStyle/>
@@ -13075,7 +14528,7 @@
                   <a:prstClr val="black"/>
                 </a:solidFill>
               </a:rPr>
-              <a:t>2022</a:t>
+              <a:t>2023</a:t>
             </a:r>
           </a:p>
         </p:txBody>
@@ -13085,7 +14538,7 @@
           <p:cNvPr id="6" name="Slide Number Placeholder 5">
             <a:extLst>
               <a:ext uri="{FF2B5EF4-FFF2-40B4-BE49-F238E27FC236}">
-                <a16:creationId xmlns:a16="http://schemas.microsoft.com/office/drawing/2014/main" id="{9D48CB5E-FA80-4F9A-A9F6-74C0E1250C75}"/>
+                <a16:creationId xmlns:a16="http://schemas.microsoft.com/office/drawing/2014/main" id="{74AF7062-D979-1DE5-6902-EA6C6CA2812D}"/>
               </a:ext>
             </a:extLst>
           </p:cNvPr>
@@ -13172,7 +14625,7 @@
     </p:spTree>
     <p:extLst>
       <p:ext uri="{BB962C8B-B14F-4D97-AF65-F5344CB8AC3E}">
-        <p14:creationId xmlns:p14="http://schemas.microsoft.com/office/powerpoint/2010/main" val="2584533905"/>
+        <p14:creationId xmlns:p14="http://schemas.microsoft.com/office/powerpoint/2010/main" val="2428131300"/>
       </p:ext>
     </p:extLst>
   </p:cSld>
@@ -14280,11 +15733,18 @@
 <file path=customXml/itemProps1.xml><?xml version="1.0" encoding="utf-8"?>
 <ds:datastoreItem xmlns:ds="http://schemas.openxmlformats.org/officeDocument/2006/customXml" ds:itemID="{08757C30-AE9A-4680-90EB-19D282EC2B7C}">
   <ds:schemaRefs>
+    <ds:schemaRef ds:uri="230e9df3-be65-4c73-a93b-d1236ebd677e"/>
+    <ds:schemaRef ds:uri="http://purl.org/dc/dcmitype/"/>
+    <ds:schemaRef ds:uri="http://purl.org/dc/terms/"/>
+    <ds:schemaRef ds:uri="16c05727-aa75-4e4a-9b5f-8a80a1165891"/>
+    <ds:schemaRef ds:uri="71af3243-3dd4-4a8d-8c0d-dd76da1f02a5"/>
+    <ds:schemaRef ds:uri="http://schemas.microsoft.com/office/infopath/2007/PartnerControls"/>
+    <ds:schemaRef ds:uri="http://purl.org/dc/elements/1.1/"/>
+    <ds:schemaRef ds:uri="http://schemas.openxmlformats.org/package/2006/metadata/core-properties"/>
+    <ds:schemaRef ds:uri="http://schemas.microsoft.com/office/2006/documentManagement/types"/>
+    <ds:schemaRef ds:uri="http://schemas.microsoft.com/sharepoint/v3"/>
     <ds:schemaRef ds:uri="http://schemas.microsoft.com/office/2006/metadata/properties"/>
-    <ds:schemaRef ds:uri="http://schemas.microsoft.com/office/infopath/2007/PartnerControls"/>
-    <ds:schemaRef ds:uri="71af3243-3dd4-4a8d-8c0d-dd76da1f02a5"/>
-    <ds:schemaRef ds:uri="http://schemas.microsoft.com/sharepoint/v3"/>
-    <ds:schemaRef ds:uri="230e9df3-be65-4c73-a93b-d1236ebd677e"/>
+    <ds:schemaRef ds:uri="http://www.w3.org/XML/1998/namespace"/>
   </ds:schemaRefs>
 </ds:datastoreItem>
 </file>
